--- a/week10/꾸버-안드로이드_프로젝트.pptx
+++ b/week10/꾸버-안드로이드_프로젝트.pptx
@@ -15,6 +15,7 @@
     <p:sldId id="261" r:id="rId9"/>
     <p:sldId id="262" r:id="rId10"/>
     <p:sldId id="265" r:id="rId11"/>
+    <p:sldId id="266" r:id="rId12"/>
   </p:sldIdLst>
   <p:sldSz cx="12192000" cy="6858000"/>
   <p:notesSz cx="6858000" cy="9144000"/>
@@ -113,6 +114,22 @@
       </a:defRPr>
     </a:lvl9pPr>
   </p:defaultTextStyle>
+  <p:extLst>
+    <p:ext uri="{EFAFB233-063F-42B5-8137-9DF3F51BA10A}">
+      <p15:sldGuideLst xmlns:p15="http://schemas.microsoft.com/office/powerpoint/2012/main">
+        <p15:guide id="1" orient="horz" pos="2160">
+          <p15:clr>
+            <a:srgbClr val="A4A3A4"/>
+          </p15:clr>
+        </p15:guide>
+        <p15:guide id="2" pos="3840">
+          <p15:clr>
+            <a:srgbClr val="A4A3A4"/>
+          </p15:clr>
+        </p15:guide>
+      </p15:sldGuideLst>
+    </p:ext>
+  </p:extLst>
 </p:presentation>
 </file>
 
@@ -891,7 +908,7 @@
         <a:p>
           <a:pPr latinLnBrk="1"/>
           <a:r>
-            <a:rPr lang="en-US" altLang="ko-KR" sz="1500" dirty="0" smtClean="0"/>
+            <a:rPr lang="en-US" altLang="ko-KR" sz="1500" dirty="0"/>
             <a:t>1</a:t>
           </a:r>
           <a:endParaRPr lang="ko-KR" altLang="en-US" sz="1500" dirty="0"/>
@@ -929,16 +946,15 @@
         <a:bodyPr/>
         <a:lstStyle/>
         <a:p>
-          <a:pPr latinLnBrk="1"/>
+          <a:pPr algn="l" latinLnBrk="1"/>
           <a:r>
-            <a:rPr lang="ko-KR" altLang="en-US" sz="1500" dirty="0" err="1" smtClean="0"/>
+            <a:rPr lang="ko-KR" altLang="en-US" sz="1500" dirty="0" err="1"/>
             <a:t>앱</a:t>
           </a:r>
           <a:r>
-            <a:rPr lang="ko-KR" altLang="en-US" sz="1500" dirty="0" smtClean="0"/>
+            <a:rPr lang="ko-KR" altLang="en-US" sz="1500" dirty="0"/>
             <a:t> 실행</a:t>
           </a:r>
-          <a:endParaRPr lang="ko-KR" altLang="en-US" sz="1500" dirty="0"/>
         </a:p>
       </dgm:t>
     </dgm:pt>
@@ -975,7 +991,7 @@
         <a:p>
           <a:pPr latinLnBrk="1"/>
           <a:r>
-            <a:rPr lang="en-US" altLang="ko-KR" sz="1500" dirty="0" smtClean="0"/>
+            <a:rPr lang="en-US" altLang="ko-KR" sz="1500" dirty="0"/>
             <a:t>2</a:t>
           </a:r>
           <a:endParaRPr lang="ko-KR" altLang="en-US" sz="1500" dirty="0"/>
@@ -1013,12 +1029,11 @@
         <a:bodyPr/>
         <a:lstStyle/>
         <a:p>
-          <a:pPr latinLnBrk="1"/>
+          <a:pPr algn="l" latinLnBrk="1"/>
           <a:r>
-            <a:rPr lang="ko-KR" altLang="en-US" sz="1500" dirty="0" smtClean="0"/>
+            <a:rPr lang="ko-KR" altLang="en-US" sz="1500" dirty="0"/>
             <a:t>홈 화면 진입</a:t>
           </a:r>
-          <a:endParaRPr lang="ko-KR" altLang="en-US" sz="1500" dirty="0"/>
         </a:p>
       </dgm:t>
     </dgm:pt>
@@ -1053,29 +1068,29 @@
         <a:bodyPr/>
         <a:lstStyle/>
         <a:p>
-          <a:pPr latinLnBrk="1">
+          <a:pPr algn="l" latinLnBrk="1">
             <a:lnSpc>
               <a:spcPct val="100000"/>
             </a:lnSpc>
           </a:pPr>
           <a:r>
-            <a:rPr lang="en-US" altLang="ko-KR" sz="1500" dirty="0" smtClean="0"/>
+            <a:rPr lang="en-US" altLang="ko-KR" sz="1500" dirty="0"/>
             <a:t>AI </a:t>
           </a:r>
           <a:r>
-            <a:rPr lang="ko-KR" altLang="en-US" sz="1500" dirty="0" smtClean="0"/>
+            <a:rPr lang="ko-KR" altLang="en-US" sz="1500" dirty="0"/>
             <a:t>추천 루틴 </a:t>
           </a:r>
           <a:r>
-            <a:rPr lang="ko-KR" altLang="en-US" sz="1500" dirty="0" err="1" smtClean="0"/>
+            <a:rPr lang="ko-KR" altLang="en-US" sz="1500" dirty="0" err="1"/>
             <a:t>추천받기</a:t>
           </a:r>
           <a:r>
-            <a:rPr lang="ko-KR" altLang="en-US" sz="1500" dirty="0" smtClean="0"/>
+            <a:rPr lang="ko-KR" altLang="en-US" sz="1500" dirty="0"/>
             <a:t> </a:t>
           </a:r>
           <a:r>
-            <a:rPr lang="en-US" altLang="ko-KR" sz="1500" dirty="0" smtClean="0"/>
+            <a:rPr lang="en-US" altLang="ko-KR" sz="1500" dirty="0"/>
             <a:t>(GPT)</a:t>
           </a:r>
           <a:endParaRPr lang="ko-KR" altLang="en-US" sz="1500" dirty="0"/>
@@ -1115,7 +1130,7 @@
         <a:p>
           <a:pPr latinLnBrk="1"/>
           <a:r>
-            <a:rPr lang="en-US" altLang="ko-KR" sz="1500" dirty="0" smtClean="0"/>
+            <a:rPr lang="en-US" altLang="ko-KR" sz="1500" dirty="0"/>
             <a:t>4</a:t>
           </a:r>
           <a:endParaRPr lang="ko-KR" altLang="en-US" sz="1500" dirty="0"/>
@@ -1153,16 +1168,15 @@
         <a:bodyPr/>
         <a:lstStyle/>
         <a:p>
-          <a:pPr latinLnBrk="1">
+          <a:pPr algn="l" latinLnBrk="1">
             <a:lnSpc>
               <a:spcPct val="100000"/>
             </a:lnSpc>
           </a:pPr>
           <a:r>
-            <a:rPr lang="ko-KR" altLang="en-US" sz="1500" dirty="0" smtClean="0"/>
+            <a:rPr lang="ko-KR" altLang="en-US" sz="1500" dirty="0"/>
             <a:t>습관 등록</a:t>
           </a:r>
-          <a:endParaRPr lang="ko-KR" altLang="en-US" sz="1500" dirty="0"/>
         </a:p>
       </dgm:t>
     </dgm:pt>
@@ -1199,7 +1213,7 @@
         <a:p>
           <a:pPr latinLnBrk="1"/>
           <a:r>
-            <a:rPr lang="en-US" altLang="ko-KR" sz="1500" dirty="0" smtClean="0"/>
+            <a:rPr lang="en-US" altLang="ko-KR" sz="1500" dirty="0"/>
             <a:t>3</a:t>
           </a:r>
           <a:endParaRPr lang="ko-KR" altLang="en-US" sz="1500" dirty="0"/>
@@ -1237,20 +1251,19 @@
         <a:bodyPr/>
         <a:lstStyle/>
         <a:p>
-          <a:pPr latinLnBrk="1"/>
+          <a:pPr algn="l" latinLnBrk="1"/>
           <a:r>
-            <a:rPr lang="ko-KR" altLang="en-US" sz="1500" dirty="0" smtClean="0"/>
+            <a:rPr lang="ko-KR" altLang="en-US" sz="1500" dirty="0"/>
             <a:t>오늘의 루틴</a:t>
           </a:r>
           <a:r>
-            <a:rPr lang="en-US" altLang="ko-KR" sz="1500" dirty="0" smtClean="0"/>
+            <a:rPr lang="en-US" altLang="ko-KR" sz="1500" dirty="0"/>
             <a:t>/ </a:t>
           </a:r>
           <a:r>
-            <a:rPr lang="ko-KR" altLang="en-US" sz="1500" dirty="0" smtClean="0"/>
+            <a:rPr lang="ko-KR" altLang="en-US" sz="1500" dirty="0"/>
             <a:t>리스트 확인</a:t>
           </a:r>
-          <a:endParaRPr lang="ko-KR" altLang="en-US" sz="1500" dirty="0"/>
         </a:p>
       </dgm:t>
     </dgm:pt>
@@ -1287,7 +1300,7 @@
         <a:p>
           <a:pPr latinLnBrk="1"/>
           <a:r>
-            <a:rPr lang="en-US" altLang="ko-KR" sz="1500" dirty="0" smtClean="0"/>
+            <a:rPr lang="en-US" altLang="ko-KR" sz="1500" dirty="0"/>
             <a:t>5</a:t>
           </a:r>
           <a:endParaRPr lang="ko-KR" altLang="en-US" sz="1500" dirty="0"/>
@@ -1325,20 +1338,19 @@
         <a:bodyPr/>
         <a:lstStyle/>
         <a:p>
-          <a:pPr latinLnBrk="1"/>
+          <a:pPr algn="l" latinLnBrk="1"/>
           <a:r>
-            <a:rPr lang="ko-KR" altLang="en-US" sz="1500" dirty="0" smtClean="0"/>
-            <a:t>습관 체크 </a:t>
+            <a:rPr lang="ko-KR" altLang="en-US" sz="1500" dirty="0"/>
+            <a:t>습관 체크 및 시간 기록 </a:t>
           </a:r>
           <a:r>
-            <a:rPr lang="en-US" altLang="ko-KR" sz="1500" dirty="0" smtClean="0"/>
+            <a:rPr lang="en-US" altLang="ko-KR" sz="1500" dirty="0"/>
             <a:t>/ </a:t>
           </a:r>
           <a:r>
-            <a:rPr lang="ko-KR" altLang="en-US" sz="1500" dirty="0" smtClean="0"/>
+            <a:rPr lang="ko-KR" altLang="en-US" sz="1500" dirty="0"/>
             <a:t>완료 표시</a:t>
           </a:r>
-          <a:endParaRPr lang="ko-KR" altLang="en-US" sz="1500" dirty="0"/>
         </a:p>
       </dgm:t>
     </dgm:pt>
@@ -1375,7 +1387,7 @@
         <a:p>
           <a:pPr latinLnBrk="1"/>
           <a:r>
-            <a:rPr lang="en-US" altLang="ko-KR" sz="1500" dirty="0" smtClean="0"/>
+            <a:rPr lang="en-US" altLang="ko-KR" sz="1500" dirty="0"/>
             <a:t>6</a:t>
           </a:r>
           <a:endParaRPr lang="ko-KR" altLang="en-US" sz="1500" dirty="0"/>
@@ -1413,12 +1425,11 @@
         <a:bodyPr/>
         <a:lstStyle/>
         <a:p>
-          <a:pPr latinLnBrk="1"/>
+          <a:pPr algn="l" latinLnBrk="1"/>
           <a:r>
-            <a:rPr lang="ko-KR" altLang="en-US" sz="1500" dirty="0" smtClean="0"/>
+            <a:rPr lang="ko-KR" altLang="en-US" sz="1500" dirty="0"/>
             <a:t>성장 피드백 확인</a:t>
           </a:r>
-          <a:endParaRPr lang="ko-KR" altLang="en-US" sz="1500" dirty="0"/>
         </a:p>
       </dgm:t>
     </dgm:pt>
@@ -1453,16 +1464,15 @@
         <a:bodyPr/>
         <a:lstStyle/>
         <a:p>
-          <a:pPr latinLnBrk="1">
+          <a:pPr algn="l" latinLnBrk="1">
             <a:lnSpc>
               <a:spcPct val="100000"/>
             </a:lnSpc>
           </a:pPr>
           <a:r>
-            <a:rPr lang="ko-KR" altLang="en-US" sz="1500" dirty="0" smtClean="0"/>
+            <a:rPr lang="ko-KR" altLang="en-US" sz="1500" dirty="0"/>
             <a:t>루틴 직접 받기</a:t>
           </a:r>
-          <a:endParaRPr lang="ko-KR" altLang="en-US" sz="1500" dirty="0"/>
         </a:p>
       </dgm:t>
     </dgm:pt>
@@ -1562,7 +1572,7 @@
       <dgm:spPr/>
     </dgm:pt>
     <dgm:pt modelId="{1760A617-8FD1-42CC-92B3-02217245E46F}" type="pres">
-      <dgm:prSet presAssocID="{0469CE22-0ACA-4D82-BF03-A87E42674453}" presName="bigChev" presStyleLbl="node1" presStyleIdx="2" presStyleCnt="6" custScaleX="72440" custScaleY="136457" custLinFactNeighborX="-293"/>
+      <dgm:prSet presAssocID="{0469CE22-0ACA-4D82-BF03-A87E42674453}" presName="bigChev" presStyleLbl="node1" presStyleIdx="2" presStyleCnt="6" custScaleX="77084" custScaleY="159388" custLinFactNeighborX="-293"/>
       <dgm:spPr>
         <a:prstGeom prst="homePlate">
           <a:avLst/>
@@ -1574,20 +1584,12 @@
       <dgm:spPr/>
     </dgm:pt>
     <dgm:pt modelId="{B39C02DA-277D-41D9-BD88-A5C449A725C1}" type="pres">
-      <dgm:prSet presAssocID="{55594296-138D-48B1-9048-D1319BBFDB63}" presName="node" presStyleLbl="alignAccFollowNode1" presStyleIdx="2" presStyleCnt="6" custScaleX="287345" custScaleY="164406" custLinFactNeighborX="-82173">
+      <dgm:prSet presAssocID="{55594296-138D-48B1-9048-D1319BBFDB63}" presName="node" presStyleLbl="alignAccFollowNode1" presStyleIdx="2" presStyleCnt="6" custScaleX="287345" custScaleY="204811" custLinFactX="-4861" custLinFactNeighborX="-100000">
         <dgm:presLayoutVars>
           <dgm:bulletEnabled val="1"/>
         </dgm:presLayoutVars>
       </dgm:prSet>
       <dgm:spPr/>
-      <dgm:t>
-        <a:bodyPr/>
-        <a:lstStyle/>
-        <a:p>
-          <a:pPr latinLnBrk="1"/>
-          <a:endParaRPr lang="ko-KR" altLang="en-US"/>
-        </a:p>
-      </dgm:t>
     </dgm:pt>
     <dgm:pt modelId="{CEF17B6E-D033-46DF-87F8-74D0E2594E0D}" type="pres">
       <dgm:prSet presAssocID="{0469CE22-0ACA-4D82-BF03-A87E42674453}" presName="vSp" presStyleCnt="0"/>
@@ -1675,35 +1677,35 @@
     </dgm:pt>
   </dgm:ptLst>
   <dgm:cxnLst>
+    <dgm:cxn modelId="{91DE7806-838D-4139-BF9E-01DE5D2485C7}" srcId="{3CB4CA23-62EC-4CC3-BAE0-1ECCE100C2B5}" destId="{35195A27-5EBB-4D03-B877-F7A26410E58F}" srcOrd="5" destOrd="0" parTransId="{75829D62-2FB6-4921-AAF4-B519131010BC}" sibTransId="{FF7102E2-FF70-420F-A0E8-9B5DC7075246}"/>
+    <dgm:cxn modelId="{5FD9250B-B97A-43F0-AF48-80F892B378B1}" srcId="{3CB4CA23-62EC-4CC3-BAE0-1ECCE100C2B5}" destId="{6770EDD1-95A6-46FC-9DB4-00B3B89F0034}" srcOrd="4" destOrd="0" parTransId="{8C045605-1052-4C75-A727-9CE47CB498CE}" sibTransId="{E5135829-9560-4243-93A5-B841503CA770}"/>
+    <dgm:cxn modelId="{21C58214-EFE0-4018-9D15-16D03A2D8BD6}" srcId="{6770EDD1-95A6-46FC-9DB4-00B3B89F0034}" destId="{BF7D2760-EAE0-4DAE-9024-3FFE466130FD}" srcOrd="0" destOrd="0" parTransId="{110A3621-EC2B-412F-86EE-B13B379BEBA3}" sibTransId="{F69A02E3-24DB-465A-8E66-002A82B8520E}"/>
+    <dgm:cxn modelId="{07990219-C9E8-4F03-AA8D-C12C194C400F}" srcId="{0469CE22-0ACA-4D82-BF03-A87E42674453}" destId="{55594296-138D-48B1-9048-D1319BBFDB63}" srcOrd="0" destOrd="0" parTransId="{92208815-0C39-482B-BBAA-373D633616DC}" sibTransId="{6769E938-1A6E-4E34-9255-BCF6449FA77B}"/>
+    <dgm:cxn modelId="{65F06427-5967-47E0-976B-477BF2471EB1}" type="presOf" srcId="{EC542CB9-0DD4-4F61-917D-3B435BE8A328}" destId="{21EC74FC-3205-4903-969E-BE4BA1157675}" srcOrd="0" destOrd="0" presId="urn:microsoft.com/office/officeart/2005/8/layout/lProcess3"/>
+    <dgm:cxn modelId="{A9E8F030-2509-4A5C-B3E5-78A401D54358}" type="presOf" srcId="{35195A27-5EBB-4D03-B877-F7A26410E58F}" destId="{E8DD4F0E-B5D2-4D8F-887E-9CA59AE8C4D3}" srcOrd="0" destOrd="0" presId="urn:microsoft.com/office/officeart/2005/8/layout/lProcess3"/>
+    <dgm:cxn modelId="{A65FBE33-B9A4-467C-B8A9-5F3AA3F9860D}" type="presOf" srcId="{B75B2511-5E31-4550-8E83-8D29D9A1E94A}" destId="{621842A3-7208-40A9-838F-C0B14E572054}" srcOrd="0" destOrd="0" presId="urn:microsoft.com/office/officeart/2005/8/layout/lProcess3"/>
+    <dgm:cxn modelId="{6C85AD35-60DC-4AC9-A54E-C128A07CA1D7}" srcId="{EBE4D5EB-43B0-4BFC-B46C-52F1871DC1CB}" destId="{F35DA271-9B5F-4DE0-A401-8CF139E7893A}" srcOrd="0" destOrd="0" parTransId="{657ADA4A-3A5F-42F6-BAEC-A2748B88671B}" sibTransId="{DD258D72-201E-4310-9ADC-BD19CDE5F83A}"/>
+    <dgm:cxn modelId="{02731939-7A6A-4097-9FEB-8A3AAD21E59F}" type="presOf" srcId="{BF7D2760-EAE0-4DAE-9024-3FFE466130FD}" destId="{5F327DC6-9DD0-4DB1-972D-DDF2EE314C71}" srcOrd="0" destOrd="0" presId="urn:microsoft.com/office/officeart/2005/8/layout/lProcess3"/>
+    <dgm:cxn modelId="{A4E51640-DC3F-4356-85A3-F1B58434DFE4}" srcId="{743C225F-C377-409D-89F1-319F249B31A9}" destId="{EC542CB9-0DD4-4F61-917D-3B435BE8A328}" srcOrd="0" destOrd="0" parTransId="{5CE63756-401F-4484-8861-3503C823A59C}" sibTransId="{98F5255D-8A32-4625-981B-75B3255FE8E8}"/>
+    <dgm:cxn modelId="{21587F4A-6400-4FC8-AF7B-4F7A5EA95D2B}" srcId="{55594296-138D-48B1-9048-D1319BBFDB63}" destId="{3C0842CF-36A8-4CD5-B1E1-552F21922895}" srcOrd="0" destOrd="0" parTransId="{216A671C-D038-4BD3-A9D9-8379AF1D4BA7}" sibTransId="{FA9069B5-D2A0-4D10-AA24-0AA2BDE9C935}"/>
+    <dgm:cxn modelId="{DC94684B-11E6-41AD-906C-18B0E4D28455}" type="presOf" srcId="{743C225F-C377-409D-89F1-319F249B31A9}" destId="{BA982E90-8BED-4A63-9A62-EB2188650A70}" srcOrd="0" destOrd="0" presId="urn:microsoft.com/office/officeart/2005/8/layout/lProcess3"/>
+    <dgm:cxn modelId="{D0311356-867D-4570-AFD8-3450C5D2BD58}" type="presOf" srcId="{55594296-138D-48B1-9048-D1319BBFDB63}" destId="{B39C02DA-277D-41D9-BD88-A5C449A725C1}" srcOrd="0" destOrd="0" presId="urn:microsoft.com/office/officeart/2005/8/layout/lProcess3"/>
+    <dgm:cxn modelId="{A1E7DA7E-F90B-4C49-AF5C-0638635D724F}" srcId="{3CB4CA23-62EC-4CC3-BAE0-1ECCE100C2B5}" destId="{743C225F-C377-409D-89F1-319F249B31A9}" srcOrd="1" destOrd="0" parTransId="{01AB28F5-8C20-4D18-8CEB-A2DDE83D113E}" sibTransId="{DEA0AB9B-CACF-4ED2-A414-8ADB09186D7A}"/>
+    <dgm:cxn modelId="{2E85538A-444B-40DB-BD70-B30CB8A2A84A}" srcId="{3CB4CA23-62EC-4CC3-BAE0-1ECCE100C2B5}" destId="{0469CE22-0ACA-4D82-BF03-A87E42674453}" srcOrd="2" destOrd="0" parTransId="{173FFCB6-4826-492C-A18E-49E69641DC04}" sibTransId="{47721077-011A-4A54-BB13-F69196AAC122}"/>
+    <dgm:cxn modelId="{D98E4C9B-FB84-4DAD-81E3-B0E0682E2EED}" type="presOf" srcId="{3C0842CF-36A8-4CD5-B1E1-552F21922895}" destId="{B39C02DA-277D-41D9-BD88-A5C449A725C1}" srcOrd="0" destOrd="1" presId="urn:microsoft.com/office/officeart/2005/8/layout/lProcess3"/>
+    <dgm:cxn modelId="{EF7EDCA3-9F53-4F06-AB8E-794CEB438F4C}" type="presOf" srcId="{F35DA271-9B5F-4DE0-A401-8CF139E7893A}" destId="{5BE14586-7873-41AE-B491-5541D5DC57EB}" srcOrd="0" destOrd="0" presId="urn:microsoft.com/office/officeart/2005/8/layout/lProcess3"/>
+    <dgm:cxn modelId="{9D91E9A4-A53B-4345-9F14-41A233EC3B08}" srcId="{3CB4CA23-62EC-4CC3-BAE0-1ECCE100C2B5}" destId="{B75B2511-5E31-4550-8E83-8D29D9A1E94A}" srcOrd="3" destOrd="0" parTransId="{52B66397-99F3-4E55-886A-172B20DC1832}" sibTransId="{42F7A740-3D60-4375-AE19-363B892CF385}"/>
+    <dgm:cxn modelId="{47A4F6A6-5820-44B0-8841-8B8C7D71BFAB}" srcId="{3CB4CA23-62EC-4CC3-BAE0-1ECCE100C2B5}" destId="{EBE4D5EB-43B0-4BFC-B46C-52F1871DC1CB}" srcOrd="0" destOrd="0" parTransId="{C80E5C79-D5C8-41D9-95EE-1BC2314BCF7F}" sibTransId="{78ADE478-6678-48D4-BC44-8591AD75BA4C}"/>
+    <dgm:cxn modelId="{964ABFB0-00A3-4388-9EBC-20AA6E308302}" type="presOf" srcId="{982CC8A1-EBCD-42B3-AC8E-486293C39D58}" destId="{CFCBD317-0085-47F8-B52C-677809441020}" srcOrd="0" destOrd="0" presId="urn:microsoft.com/office/officeart/2005/8/layout/lProcess3"/>
     <dgm:cxn modelId="{9C0BB3BE-75FE-48FC-A0BA-97A18290FAB9}" type="presOf" srcId="{E99F283F-6500-4D94-A18A-CDD8F4034CF4}" destId="{3C3585AD-41F6-48BE-B741-ABD757F1DE01}" srcOrd="0" destOrd="0" presId="urn:microsoft.com/office/officeart/2005/8/layout/lProcess3"/>
-    <dgm:cxn modelId="{91DE7806-838D-4139-BF9E-01DE5D2485C7}" srcId="{3CB4CA23-62EC-4CC3-BAE0-1ECCE100C2B5}" destId="{35195A27-5EBB-4D03-B877-F7A26410E58F}" srcOrd="5" destOrd="0" parTransId="{75829D62-2FB6-4921-AAF4-B519131010BC}" sibTransId="{FF7102E2-FF70-420F-A0E8-9B5DC7075246}"/>
+    <dgm:cxn modelId="{AFB713C2-AA16-4469-8522-123B4A73DCA4}" srcId="{B75B2511-5E31-4550-8E83-8D29D9A1E94A}" destId="{E99F283F-6500-4D94-A18A-CDD8F4034CF4}" srcOrd="0" destOrd="0" parTransId="{B2C9C629-0663-40F3-8650-9143B7ABB7FB}" sibTransId="{DCDA5B23-8CBD-49A8-A177-3FD2745A63ED}"/>
+    <dgm:cxn modelId="{67B23BC3-1608-4755-9AD2-4170C9E8B25F}" srcId="{55594296-138D-48B1-9048-D1319BBFDB63}" destId="{96CA432A-BC02-48DB-841F-1F07D4237470}" srcOrd="1" destOrd="0" parTransId="{455A12A6-7472-4B6B-878D-5ED36BA78356}" sibTransId="{D9E5CF95-55DC-47FF-B428-EAD6963B21B9}"/>
+    <dgm:cxn modelId="{E5F2D2CC-1CCD-4EED-A581-0089837BD64B}" type="presOf" srcId="{6770EDD1-95A6-46FC-9DB4-00B3B89F0034}" destId="{61759F6B-7A7F-41AB-91B1-6B0D517B719F}" srcOrd="0" destOrd="0" presId="urn:microsoft.com/office/officeart/2005/8/layout/lProcess3"/>
+    <dgm:cxn modelId="{39B6A9D3-3BF9-4F26-B565-0C73AF070475}" type="presOf" srcId="{3CB4CA23-62EC-4CC3-BAE0-1ECCE100C2B5}" destId="{2945F30F-298A-4E77-998D-D6DE665A44D0}" srcOrd="0" destOrd="0" presId="urn:microsoft.com/office/officeart/2005/8/layout/lProcess3"/>
+    <dgm:cxn modelId="{B3615DDA-01CA-486B-9F76-4F1E7398EA7E}" type="presOf" srcId="{96CA432A-BC02-48DB-841F-1F07D4237470}" destId="{B39C02DA-277D-41D9-BD88-A5C449A725C1}" srcOrd="0" destOrd="2" presId="urn:microsoft.com/office/officeart/2005/8/layout/lProcess3"/>
+    <dgm:cxn modelId="{CB2921ED-F93E-4A42-9BC1-093D8009C635}" srcId="{35195A27-5EBB-4D03-B877-F7A26410E58F}" destId="{982CC8A1-EBCD-42B3-AC8E-486293C39D58}" srcOrd="0" destOrd="0" parTransId="{CCE57AED-6BBD-4115-A266-4406C79E83EE}" sibTransId="{3EBCD92F-5D1C-4A21-85B0-C619D9B48785}"/>
+    <dgm:cxn modelId="{6F04A5ED-67A3-49A5-8EBC-1BFBFAF86859}" type="presOf" srcId="{0469CE22-0ACA-4D82-BF03-A87E42674453}" destId="{1760A617-8FD1-42CC-92B3-02217245E46F}" srcOrd="0" destOrd="0" presId="urn:microsoft.com/office/officeart/2005/8/layout/lProcess3"/>
     <dgm:cxn modelId="{DE3D4AFF-A2AC-48D2-B174-9144B4A5808D}" type="presOf" srcId="{EBE4D5EB-43B0-4BFC-B46C-52F1871DC1CB}" destId="{65D70A9D-3A40-4A9A-880B-75E2D074FF67}" srcOrd="0" destOrd="0" presId="urn:microsoft.com/office/officeart/2005/8/layout/lProcess3"/>
-    <dgm:cxn modelId="{CB2921ED-F93E-4A42-9BC1-093D8009C635}" srcId="{35195A27-5EBB-4D03-B877-F7A26410E58F}" destId="{982CC8A1-EBCD-42B3-AC8E-486293C39D58}" srcOrd="0" destOrd="0" parTransId="{CCE57AED-6BBD-4115-A266-4406C79E83EE}" sibTransId="{3EBCD92F-5D1C-4A21-85B0-C619D9B48785}"/>
-    <dgm:cxn modelId="{9D91E9A4-A53B-4345-9F14-41A233EC3B08}" srcId="{3CB4CA23-62EC-4CC3-BAE0-1ECCE100C2B5}" destId="{B75B2511-5E31-4550-8E83-8D29D9A1E94A}" srcOrd="3" destOrd="0" parTransId="{52B66397-99F3-4E55-886A-172B20DC1832}" sibTransId="{42F7A740-3D60-4375-AE19-363B892CF385}"/>
-    <dgm:cxn modelId="{6C85AD35-60DC-4AC9-A54E-C128A07CA1D7}" srcId="{EBE4D5EB-43B0-4BFC-B46C-52F1871DC1CB}" destId="{F35DA271-9B5F-4DE0-A401-8CF139E7893A}" srcOrd="0" destOrd="0" parTransId="{657ADA4A-3A5F-42F6-BAEC-A2748B88671B}" sibTransId="{DD258D72-201E-4310-9ADC-BD19CDE5F83A}"/>
-    <dgm:cxn modelId="{D98E4C9B-FB84-4DAD-81E3-B0E0682E2EED}" type="presOf" srcId="{3C0842CF-36A8-4CD5-B1E1-552F21922895}" destId="{B39C02DA-277D-41D9-BD88-A5C449A725C1}" srcOrd="0" destOrd="1" presId="urn:microsoft.com/office/officeart/2005/8/layout/lProcess3"/>
-    <dgm:cxn modelId="{07990219-C9E8-4F03-AA8D-C12C194C400F}" srcId="{0469CE22-0ACA-4D82-BF03-A87E42674453}" destId="{55594296-138D-48B1-9048-D1319BBFDB63}" srcOrd="0" destOrd="0" parTransId="{92208815-0C39-482B-BBAA-373D633616DC}" sibTransId="{6769E938-1A6E-4E34-9255-BCF6449FA77B}"/>
-    <dgm:cxn modelId="{21C58214-EFE0-4018-9D15-16D03A2D8BD6}" srcId="{6770EDD1-95A6-46FC-9DB4-00B3B89F0034}" destId="{BF7D2760-EAE0-4DAE-9024-3FFE466130FD}" srcOrd="0" destOrd="0" parTransId="{110A3621-EC2B-412F-86EE-B13B379BEBA3}" sibTransId="{F69A02E3-24DB-465A-8E66-002A82B8520E}"/>
-    <dgm:cxn modelId="{AFB713C2-AA16-4469-8522-123B4A73DCA4}" srcId="{B75B2511-5E31-4550-8E83-8D29D9A1E94A}" destId="{E99F283F-6500-4D94-A18A-CDD8F4034CF4}" srcOrd="0" destOrd="0" parTransId="{B2C9C629-0663-40F3-8650-9143B7ABB7FB}" sibTransId="{DCDA5B23-8CBD-49A8-A177-3FD2745A63ED}"/>
-    <dgm:cxn modelId="{21587F4A-6400-4FC8-AF7B-4F7A5EA95D2B}" srcId="{55594296-138D-48B1-9048-D1319BBFDB63}" destId="{3C0842CF-36A8-4CD5-B1E1-552F21922895}" srcOrd="0" destOrd="0" parTransId="{216A671C-D038-4BD3-A9D9-8379AF1D4BA7}" sibTransId="{FA9069B5-D2A0-4D10-AA24-0AA2BDE9C935}"/>
-    <dgm:cxn modelId="{E5F2D2CC-1CCD-4EED-A581-0089837BD64B}" type="presOf" srcId="{6770EDD1-95A6-46FC-9DB4-00B3B89F0034}" destId="{61759F6B-7A7F-41AB-91B1-6B0D517B719F}" srcOrd="0" destOrd="0" presId="urn:microsoft.com/office/officeart/2005/8/layout/lProcess3"/>
-    <dgm:cxn modelId="{67B23BC3-1608-4755-9AD2-4170C9E8B25F}" srcId="{55594296-138D-48B1-9048-D1319BBFDB63}" destId="{96CA432A-BC02-48DB-841F-1F07D4237470}" srcOrd="1" destOrd="0" parTransId="{455A12A6-7472-4B6B-878D-5ED36BA78356}" sibTransId="{D9E5CF95-55DC-47FF-B428-EAD6963B21B9}"/>
-    <dgm:cxn modelId="{A4E51640-DC3F-4356-85A3-F1B58434DFE4}" srcId="{743C225F-C377-409D-89F1-319F249B31A9}" destId="{EC542CB9-0DD4-4F61-917D-3B435BE8A328}" srcOrd="0" destOrd="0" parTransId="{5CE63756-401F-4484-8861-3503C823A59C}" sibTransId="{98F5255D-8A32-4625-981B-75B3255FE8E8}"/>
-    <dgm:cxn modelId="{B3615DDA-01CA-486B-9F76-4F1E7398EA7E}" type="presOf" srcId="{96CA432A-BC02-48DB-841F-1F07D4237470}" destId="{B39C02DA-277D-41D9-BD88-A5C449A725C1}" srcOrd="0" destOrd="2" presId="urn:microsoft.com/office/officeart/2005/8/layout/lProcess3"/>
-    <dgm:cxn modelId="{DC94684B-11E6-41AD-906C-18B0E4D28455}" type="presOf" srcId="{743C225F-C377-409D-89F1-319F249B31A9}" destId="{BA982E90-8BED-4A63-9A62-EB2188650A70}" srcOrd="0" destOrd="0" presId="urn:microsoft.com/office/officeart/2005/8/layout/lProcess3"/>
-    <dgm:cxn modelId="{A65FBE33-B9A4-467C-B8A9-5F3AA3F9860D}" type="presOf" srcId="{B75B2511-5E31-4550-8E83-8D29D9A1E94A}" destId="{621842A3-7208-40A9-838F-C0B14E572054}" srcOrd="0" destOrd="0" presId="urn:microsoft.com/office/officeart/2005/8/layout/lProcess3"/>
-    <dgm:cxn modelId="{65F06427-5967-47E0-976B-477BF2471EB1}" type="presOf" srcId="{EC542CB9-0DD4-4F61-917D-3B435BE8A328}" destId="{21EC74FC-3205-4903-969E-BE4BA1157675}" srcOrd="0" destOrd="0" presId="urn:microsoft.com/office/officeart/2005/8/layout/lProcess3"/>
-    <dgm:cxn modelId="{2E85538A-444B-40DB-BD70-B30CB8A2A84A}" srcId="{3CB4CA23-62EC-4CC3-BAE0-1ECCE100C2B5}" destId="{0469CE22-0ACA-4D82-BF03-A87E42674453}" srcOrd="2" destOrd="0" parTransId="{173FFCB6-4826-492C-A18E-49E69641DC04}" sibTransId="{47721077-011A-4A54-BB13-F69196AAC122}"/>
-    <dgm:cxn modelId="{D0311356-867D-4570-AFD8-3450C5D2BD58}" type="presOf" srcId="{55594296-138D-48B1-9048-D1319BBFDB63}" destId="{B39C02DA-277D-41D9-BD88-A5C449A725C1}" srcOrd="0" destOrd="0" presId="urn:microsoft.com/office/officeart/2005/8/layout/lProcess3"/>
-    <dgm:cxn modelId="{A9E8F030-2509-4A5C-B3E5-78A401D54358}" type="presOf" srcId="{35195A27-5EBB-4D03-B877-F7A26410E58F}" destId="{E8DD4F0E-B5D2-4D8F-887E-9CA59AE8C4D3}" srcOrd="0" destOrd="0" presId="urn:microsoft.com/office/officeart/2005/8/layout/lProcess3"/>
-    <dgm:cxn modelId="{47A4F6A6-5820-44B0-8841-8B8C7D71BFAB}" srcId="{3CB4CA23-62EC-4CC3-BAE0-1ECCE100C2B5}" destId="{EBE4D5EB-43B0-4BFC-B46C-52F1871DC1CB}" srcOrd="0" destOrd="0" parTransId="{C80E5C79-D5C8-41D9-95EE-1BC2314BCF7F}" sibTransId="{78ADE478-6678-48D4-BC44-8591AD75BA4C}"/>
-    <dgm:cxn modelId="{6F04A5ED-67A3-49A5-8EBC-1BFBFAF86859}" type="presOf" srcId="{0469CE22-0ACA-4D82-BF03-A87E42674453}" destId="{1760A617-8FD1-42CC-92B3-02217245E46F}" srcOrd="0" destOrd="0" presId="urn:microsoft.com/office/officeart/2005/8/layout/lProcess3"/>
-    <dgm:cxn modelId="{5FD9250B-B97A-43F0-AF48-80F892B378B1}" srcId="{3CB4CA23-62EC-4CC3-BAE0-1ECCE100C2B5}" destId="{6770EDD1-95A6-46FC-9DB4-00B3B89F0034}" srcOrd="4" destOrd="0" parTransId="{8C045605-1052-4C75-A727-9CE47CB498CE}" sibTransId="{E5135829-9560-4243-93A5-B841503CA770}"/>
-    <dgm:cxn modelId="{EF7EDCA3-9F53-4F06-AB8E-794CEB438F4C}" type="presOf" srcId="{F35DA271-9B5F-4DE0-A401-8CF139E7893A}" destId="{5BE14586-7873-41AE-B491-5541D5DC57EB}" srcOrd="0" destOrd="0" presId="urn:microsoft.com/office/officeart/2005/8/layout/lProcess3"/>
-    <dgm:cxn modelId="{964ABFB0-00A3-4388-9EBC-20AA6E308302}" type="presOf" srcId="{982CC8A1-EBCD-42B3-AC8E-486293C39D58}" destId="{CFCBD317-0085-47F8-B52C-677809441020}" srcOrd="0" destOrd="0" presId="urn:microsoft.com/office/officeart/2005/8/layout/lProcess3"/>
-    <dgm:cxn modelId="{A1E7DA7E-F90B-4C49-AF5C-0638635D724F}" srcId="{3CB4CA23-62EC-4CC3-BAE0-1ECCE100C2B5}" destId="{743C225F-C377-409D-89F1-319F249B31A9}" srcOrd="1" destOrd="0" parTransId="{01AB28F5-8C20-4D18-8CEB-A2DDE83D113E}" sibTransId="{DEA0AB9B-CACF-4ED2-A414-8ADB09186D7A}"/>
-    <dgm:cxn modelId="{39B6A9D3-3BF9-4F26-B565-0C73AF070475}" type="presOf" srcId="{3CB4CA23-62EC-4CC3-BAE0-1ECCE100C2B5}" destId="{2945F30F-298A-4E77-998D-D6DE665A44D0}" srcOrd="0" destOrd="0" presId="urn:microsoft.com/office/officeart/2005/8/layout/lProcess3"/>
-    <dgm:cxn modelId="{02731939-7A6A-4097-9FEB-8A3AAD21E59F}" type="presOf" srcId="{BF7D2760-EAE0-4DAE-9024-3FFE466130FD}" destId="{5F327DC6-9DD0-4DB1-972D-DDF2EE314C71}" srcOrd="0" destOrd="0" presId="urn:microsoft.com/office/officeart/2005/8/layout/lProcess3"/>
     <dgm:cxn modelId="{8200F640-C5B1-4761-BE1B-D19D7CDB41E2}" type="presParOf" srcId="{2945F30F-298A-4E77-998D-D6DE665A44D0}" destId="{FB664E5C-7200-41FA-B0F3-986516FFD7FF}" srcOrd="0" destOrd="0" presId="urn:microsoft.com/office/officeart/2005/8/layout/lProcess3"/>
     <dgm:cxn modelId="{68241430-0972-4CC6-83F2-E36C6D169456}" type="presParOf" srcId="{FB664E5C-7200-41FA-B0F3-986516FFD7FF}" destId="{65D70A9D-3A40-4A9A-880B-75E2D074FF67}" srcOrd="0" destOrd="0" presId="urn:microsoft.com/office/officeart/2005/8/layout/lProcess3"/>
     <dgm:cxn modelId="{908661C9-E8B3-49A1-A88C-1721B4AFDFFF}" type="presParOf" srcId="{FB664E5C-7200-41FA-B0F3-986516FFD7FF}" destId="{22514E5F-2034-4710-9B67-8249B0005C48}" srcOrd="1" destOrd="0" presId="urn:microsoft.com/office/officeart/2005/8/layout/lProcess3"/>
@@ -1736,7 +1738,1051 @@
   </dgm:cxnLst>
   <dgm:bg/>
   <dgm:whole/>
+  <dgm:extLst>
+    <a:ext uri="http://schemas.microsoft.com/office/drawing/2008/diagram">
+      <dsp:dataModelExt xmlns:dsp="http://schemas.microsoft.com/office/drawing/2008/diagram" relId="rId6" minVer="http://schemas.openxmlformats.org/drawingml/2006/diagram"/>
+    </a:ext>
+  </dgm:extLst>
 </dgm:dataModel>
+</file>
+
+<file path=ppt/diagrams/drawing1.xml><?xml version="1.0" encoding="utf-8"?>
+<dsp:drawing xmlns:dgm="http://schemas.openxmlformats.org/drawingml/2006/diagram" xmlns:dsp="http://schemas.microsoft.com/office/drawing/2008/diagram" xmlns:a="http://schemas.openxmlformats.org/drawingml/2006/main">
+  <dsp:spTree>
+    <dsp:nvGrpSpPr>
+      <dsp:cNvPr id="0" name=""/>
+      <dsp:cNvGrpSpPr/>
+    </dsp:nvGrpSpPr>
+    <dsp:grpSpPr/>
+    <dsp:sp modelId="{65D70A9D-3A40-4A9A-880B-75E2D074FF67}">
+      <dsp:nvSpPr>
+        <dsp:cNvPr id="0" name=""/>
+        <dsp:cNvSpPr/>
+      </dsp:nvSpPr>
+      <dsp:spPr>
+        <a:xfrm>
+          <a:off x="332939" y="1583"/>
+          <a:ext cx="1082156" cy="639941"/>
+        </a:xfrm>
+        <a:prstGeom prst="homePlate">
+          <a:avLst/>
+        </a:prstGeom>
+        <a:solidFill>
+          <a:schemeClr val="dk2">
+            <a:hueOff val="0"/>
+            <a:satOff val="0"/>
+            <a:lumOff val="0"/>
+            <a:alphaOff val="0"/>
+          </a:schemeClr>
+        </a:solidFill>
+        <a:ln w="12700" cap="flat" cmpd="sng" algn="ctr">
+          <a:solidFill>
+            <a:schemeClr val="lt2">
+              <a:hueOff val="0"/>
+              <a:satOff val="0"/>
+              <a:lumOff val="0"/>
+              <a:alphaOff val="0"/>
+            </a:schemeClr>
+          </a:solidFill>
+          <a:prstDash val="solid"/>
+          <a:miter lim="800000"/>
+        </a:ln>
+        <a:effectLst/>
+      </dsp:spPr>
+      <dsp:style>
+        <a:lnRef idx="2">
+          <a:scrgbClr r="0" g="0" b="0"/>
+        </a:lnRef>
+        <a:fillRef idx="1">
+          <a:scrgbClr r="0" g="0" b="0"/>
+        </a:fillRef>
+        <a:effectRef idx="0">
+          <a:scrgbClr r="0" g="0" b="0"/>
+        </a:effectRef>
+        <a:fontRef idx="minor">
+          <a:schemeClr val="lt1"/>
+        </a:fontRef>
+      </dsp:style>
+      <dsp:txBody>
+        <a:bodyPr spcFirstLastPara="0" vert="horz" wrap="square" lIns="19050" tIns="9525" rIns="0" bIns="9525" numCol="1" spcCol="1270" anchor="ctr" anchorCtr="0">
+          <a:noAutofit/>
+        </a:bodyPr>
+        <a:lstStyle/>
+        <a:p>
+          <a:pPr marL="0" lvl="0" indent="0" algn="ctr" defTabSz="666750" latinLnBrk="1">
+            <a:lnSpc>
+              <a:spcPct val="90000"/>
+            </a:lnSpc>
+            <a:spcBef>
+              <a:spcPct val="0"/>
+            </a:spcBef>
+            <a:spcAft>
+              <a:spcPct val="35000"/>
+            </a:spcAft>
+            <a:buNone/>
+          </a:pPr>
+          <a:r>
+            <a:rPr lang="en-US" altLang="ko-KR" sz="1500" kern="1200" dirty="0"/>
+            <a:t>1</a:t>
+          </a:r>
+          <a:endParaRPr lang="ko-KR" altLang="en-US" sz="1500" kern="1200" dirty="0"/>
+        </a:p>
+      </dsp:txBody>
+      <dsp:txXfrm>
+        <a:off x="332939" y="1583"/>
+        <a:ext cx="922171" cy="639941"/>
+      </dsp:txXfrm>
+    </dsp:sp>
+    <dsp:sp modelId="{5BE14586-7873-41AE-B491-5541D5DC57EB}">
+      <dsp:nvSpPr>
+        <dsp:cNvPr id="0" name=""/>
+        <dsp:cNvSpPr/>
+      </dsp:nvSpPr>
+      <dsp:spPr>
+        <a:xfrm>
+          <a:off x="1207115" y="55978"/>
+          <a:ext cx="3672498" cy="531151"/>
+        </a:xfrm>
+        <a:prstGeom prst="chevron">
+          <a:avLst/>
+        </a:prstGeom>
+        <a:solidFill>
+          <a:schemeClr val="dk2">
+            <a:alpha val="90000"/>
+            <a:tint val="40000"/>
+            <a:hueOff val="0"/>
+            <a:satOff val="0"/>
+            <a:lumOff val="0"/>
+            <a:alphaOff val="0"/>
+          </a:schemeClr>
+        </a:solidFill>
+        <a:ln w="12700" cap="flat" cmpd="sng" algn="ctr">
+          <a:solidFill>
+            <a:schemeClr val="dk2">
+              <a:alpha val="90000"/>
+              <a:tint val="40000"/>
+              <a:hueOff val="0"/>
+              <a:satOff val="0"/>
+              <a:lumOff val="0"/>
+              <a:alphaOff val="0"/>
+            </a:schemeClr>
+          </a:solidFill>
+          <a:prstDash val="solid"/>
+          <a:miter lim="800000"/>
+        </a:ln>
+        <a:effectLst/>
+      </dsp:spPr>
+      <dsp:style>
+        <a:lnRef idx="2">
+          <a:scrgbClr r="0" g="0" b="0"/>
+        </a:lnRef>
+        <a:fillRef idx="1">
+          <a:scrgbClr r="0" g="0" b="0"/>
+        </a:fillRef>
+        <a:effectRef idx="0">
+          <a:scrgbClr r="0" g="0" b="0"/>
+        </a:effectRef>
+        <a:fontRef idx="minor"/>
+      </dsp:style>
+      <dsp:txBody>
+        <a:bodyPr spcFirstLastPara="0" vert="horz" wrap="square" lIns="19050" tIns="9525" rIns="0" bIns="9525" numCol="1" spcCol="1270" anchor="ctr" anchorCtr="0">
+          <a:noAutofit/>
+        </a:bodyPr>
+        <a:lstStyle/>
+        <a:p>
+          <a:pPr marL="0" lvl="0" indent="0" algn="l" defTabSz="666750" latinLnBrk="1">
+            <a:lnSpc>
+              <a:spcPct val="90000"/>
+            </a:lnSpc>
+            <a:spcBef>
+              <a:spcPct val="0"/>
+            </a:spcBef>
+            <a:spcAft>
+              <a:spcPct val="35000"/>
+            </a:spcAft>
+            <a:buNone/>
+          </a:pPr>
+          <a:r>
+            <a:rPr lang="ko-KR" altLang="en-US" sz="1500" kern="1200" dirty="0" err="1"/>
+            <a:t>앱</a:t>
+          </a:r>
+          <a:r>
+            <a:rPr lang="ko-KR" altLang="en-US" sz="1500" kern="1200" dirty="0"/>
+            <a:t> 실행</a:t>
+          </a:r>
+        </a:p>
+      </dsp:txBody>
+      <dsp:txXfrm>
+        <a:off x="1472691" y="55978"/>
+        <a:ext cx="3141347" cy="531151"/>
+      </dsp:txXfrm>
+    </dsp:sp>
+    <dsp:sp modelId="{BA982E90-8BED-4A63-9A62-EB2188650A70}">
+      <dsp:nvSpPr>
+        <dsp:cNvPr id="0" name=""/>
+        <dsp:cNvSpPr/>
+      </dsp:nvSpPr>
+      <dsp:spPr>
+        <a:xfrm>
+          <a:off x="332939" y="731116"/>
+          <a:ext cx="1082156" cy="639941"/>
+        </a:xfrm>
+        <a:prstGeom prst="homePlate">
+          <a:avLst/>
+        </a:prstGeom>
+        <a:solidFill>
+          <a:schemeClr val="dk2">
+            <a:hueOff val="0"/>
+            <a:satOff val="0"/>
+            <a:lumOff val="0"/>
+            <a:alphaOff val="0"/>
+          </a:schemeClr>
+        </a:solidFill>
+        <a:ln w="12700" cap="flat" cmpd="sng" algn="ctr">
+          <a:solidFill>
+            <a:schemeClr val="lt2">
+              <a:hueOff val="0"/>
+              <a:satOff val="0"/>
+              <a:lumOff val="0"/>
+              <a:alphaOff val="0"/>
+            </a:schemeClr>
+          </a:solidFill>
+          <a:prstDash val="solid"/>
+          <a:miter lim="800000"/>
+        </a:ln>
+        <a:effectLst/>
+      </dsp:spPr>
+      <dsp:style>
+        <a:lnRef idx="2">
+          <a:scrgbClr r="0" g="0" b="0"/>
+        </a:lnRef>
+        <a:fillRef idx="1">
+          <a:scrgbClr r="0" g="0" b="0"/>
+        </a:fillRef>
+        <a:effectRef idx="0">
+          <a:scrgbClr r="0" g="0" b="0"/>
+        </a:effectRef>
+        <a:fontRef idx="minor">
+          <a:schemeClr val="lt1"/>
+        </a:fontRef>
+      </dsp:style>
+      <dsp:txBody>
+        <a:bodyPr spcFirstLastPara="0" vert="horz" wrap="square" lIns="19050" tIns="9525" rIns="0" bIns="9525" numCol="1" spcCol="1270" anchor="ctr" anchorCtr="0">
+          <a:noAutofit/>
+        </a:bodyPr>
+        <a:lstStyle/>
+        <a:p>
+          <a:pPr marL="0" lvl="0" indent="0" algn="ctr" defTabSz="666750" latinLnBrk="1">
+            <a:lnSpc>
+              <a:spcPct val="90000"/>
+            </a:lnSpc>
+            <a:spcBef>
+              <a:spcPct val="0"/>
+            </a:spcBef>
+            <a:spcAft>
+              <a:spcPct val="35000"/>
+            </a:spcAft>
+            <a:buNone/>
+          </a:pPr>
+          <a:r>
+            <a:rPr lang="en-US" altLang="ko-KR" sz="1500" kern="1200" dirty="0"/>
+            <a:t>2</a:t>
+          </a:r>
+          <a:endParaRPr lang="ko-KR" altLang="en-US" sz="1500" kern="1200" dirty="0"/>
+        </a:p>
+      </dsp:txBody>
+      <dsp:txXfrm>
+        <a:off x="332939" y="731116"/>
+        <a:ext cx="922171" cy="639941"/>
+      </dsp:txXfrm>
+    </dsp:sp>
+    <dsp:sp modelId="{21EC74FC-3205-4903-969E-BE4BA1157675}">
+      <dsp:nvSpPr>
+        <dsp:cNvPr id="0" name=""/>
+        <dsp:cNvSpPr/>
+      </dsp:nvSpPr>
+      <dsp:spPr>
+        <a:xfrm>
+          <a:off x="1207115" y="785511"/>
+          <a:ext cx="3672498" cy="531151"/>
+        </a:xfrm>
+        <a:prstGeom prst="chevron">
+          <a:avLst/>
+        </a:prstGeom>
+        <a:solidFill>
+          <a:schemeClr val="dk2">
+            <a:alpha val="90000"/>
+            <a:tint val="40000"/>
+            <a:hueOff val="0"/>
+            <a:satOff val="0"/>
+            <a:lumOff val="0"/>
+            <a:alphaOff val="0"/>
+          </a:schemeClr>
+        </a:solidFill>
+        <a:ln w="12700" cap="flat" cmpd="sng" algn="ctr">
+          <a:solidFill>
+            <a:schemeClr val="dk2">
+              <a:alpha val="90000"/>
+              <a:tint val="40000"/>
+              <a:hueOff val="0"/>
+              <a:satOff val="0"/>
+              <a:lumOff val="0"/>
+              <a:alphaOff val="0"/>
+            </a:schemeClr>
+          </a:solidFill>
+          <a:prstDash val="solid"/>
+          <a:miter lim="800000"/>
+        </a:ln>
+        <a:effectLst/>
+      </dsp:spPr>
+      <dsp:style>
+        <a:lnRef idx="2">
+          <a:scrgbClr r="0" g="0" b="0"/>
+        </a:lnRef>
+        <a:fillRef idx="1">
+          <a:scrgbClr r="0" g="0" b="0"/>
+        </a:fillRef>
+        <a:effectRef idx="0">
+          <a:scrgbClr r="0" g="0" b="0"/>
+        </a:effectRef>
+        <a:fontRef idx="minor"/>
+      </dsp:style>
+      <dsp:txBody>
+        <a:bodyPr spcFirstLastPara="0" vert="horz" wrap="square" lIns="19050" tIns="9525" rIns="0" bIns="9525" numCol="1" spcCol="1270" anchor="ctr" anchorCtr="0">
+          <a:noAutofit/>
+        </a:bodyPr>
+        <a:lstStyle/>
+        <a:p>
+          <a:pPr marL="0" lvl="0" indent="0" algn="l" defTabSz="666750" latinLnBrk="1">
+            <a:lnSpc>
+              <a:spcPct val="90000"/>
+            </a:lnSpc>
+            <a:spcBef>
+              <a:spcPct val="0"/>
+            </a:spcBef>
+            <a:spcAft>
+              <a:spcPct val="35000"/>
+            </a:spcAft>
+            <a:buNone/>
+          </a:pPr>
+          <a:r>
+            <a:rPr lang="ko-KR" altLang="en-US" sz="1500" kern="1200" dirty="0"/>
+            <a:t>홈 화면 진입</a:t>
+          </a:r>
+        </a:p>
+      </dsp:txBody>
+      <dsp:txXfrm>
+        <a:off x="1472691" y="785511"/>
+        <a:ext cx="3141347" cy="531151"/>
+      </dsp:txXfrm>
+    </dsp:sp>
+    <dsp:sp modelId="{1760A617-8FD1-42CC-92B3-02217245E46F}">
+      <dsp:nvSpPr>
+        <dsp:cNvPr id="0" name=""/>
+        <dsp:cNvSpPr/>
+      </dsp:nvSpPr>
+      <dsp:spPr>
+        <a:xfrm>
+          <a:off x="332330" y="1494582"/>
+          <a:ext cx="1233230" cy="1019989"/>
+        </a:xfrm>
+        <a:prstGeom prst="homePlate">
+          <a:avLst/>
+        </a:prstGeom>
+        <a:solidFill>
+          <a:schemeClr val="dk2">
+            <a:hueOff val="0"/>
+            <a:satOff val="0"/>
+            <a:lumOff val="0"/>
+            <a:alphaOff val="0"/>
+          </a:schemeClr>
+        </a:solidFill>
+        <a:ln w="12700" cap="flat" cmpd="sng" algn="ctr">
+          <a:solidFill>
+            <a:schemeClr val="lt2">
+              <a:hueOff val="0"/>
+              <a:satOff val="0"/>
+              <a:lumOff val="0"/>
+              <a:alphaOff val="0"/>
+            </a:schemeClr>
+          </a:solidFill>
+          <a:prstDash val="solid"/>
+          <a:miter lim="800000"/>
+        </a:ln>
+        <a:effectLst/>
+      </dsp:spPr>
+      <dsp:style>
+        <a:lnRef idx="2">
+          <a:scrgbClr r="0" g="0" b="0"/>
+        </a:lnRef>
+        <a:fillRef idx="1">
+          <a:scrgbClr r="0" g="0" b="0"/>
+        </a:fillRef>
+        <a:effectRef idx="0">
+          <a:scrgbClr r="0" g="0" b="0"/>
+        </a:effectRef>
+        <a:fontRef idx="minor">
+          <a:schemeClr val="lt1"/>
+        </a:fontRef>
+      </dsp:style>
+      <dsp:txBody>
+        <a:bodyPr spcFirstLastPara="0" vert="horz" wrap="square" lIns="19050" tIns="9525" rIns="0" bIns="9525" numCol="1" spcCol="1270" anchor="ctr" anchorCtr="0">
+          <a:noAutofit/>
+        </a:bodyPr>
+        <a:lstStyle/>
+        <a:p>
+          <a:pPr marL="0" lvl="0" indent="0" algn="ctr" defTabSz="666750" latinLnBrk="1">
+            <a:lnSpc>
+              <a:spcPct val="90000"/>
+            </a:lnSpc>
+            <a:spcBef>
+              <a:spcPct val="0"/>
+            </a:spcBef>
+            <a:spcAft>
+              <a:spcPct val="35000"/>
+            </a:spcAft>
+            <a:buNone/>
+          </a:pPr>
+          <a:r>
+            <a:rPr lang="en-US" altLang="ko-KR" sz="1500" kern="1200" dirty="0"/>
+            <a:t>3</a:t>
+          </a:r>
+          <a:endParaRPr lang="ko-KR" altLang="en-US" sz="1500" kern="1200" dirty="0"/>
+        </a:p>
+      </dsp:txBody>
+      <dsp:txXfrm>
+        <a:off x="332330" y="1494582"/>
+        <a:ext cx="978233" cy="1019989"/>
+      </dsp:txXfrm>
+    </dsp:sp>
+    <dsp:sp modelId="{B39C02DA-277D-41D9-BD88-A5C449A725C1}">
+      <dsp:nvSpPr>
+        <dsp:cNvPr id="0" name=""/>
+        <dsp:cNvSpPr/>
+      </dsp:nvSpPr>
+      <dsp:spPr>
+        <a:xfrm>
+          <a:off x="1085660" y="1460649"/>
+          <a:ext cx="3815590" cy="1087855"/>
+        </a:xfrm>
+        <a:prstGeom prst="chevron">
+          <a:avLst/>
+        </a:prstGeom>
+        <a:solidFill>
+          <a:schemeClr val="dk2">
+            <a:alpha val="90000"/>
+            <a:tint val="40000"/>
+            <a:hueOff val="0"/>
+            <a:satOff val="0"/>
+            <a:lumOff val="0"/>
+            <a:alphaOff val="0"/>
+          </a:schemeClr>
+        </a:solidFill>
+        <a:ln w="12700" cap="flat" cmpd="sng" algn="ctr">
+          <a:solidFill>
+            <a:schemeClr val="dk2">
+              <a:alpha val="90000"/>
+              <a:tint val="40000"/>
+              <a:hueOff val="0"/>
+              <a:satOff val="0"/>
+              <a:lumOff val="0"/>
+              <a:alphaOff val="0"/>
+            </a:schemeClr>
+          </a:solidFill>
+          <a:prstDash val="solid"/>
+          <a:miter lim="800000"/>
+        </a:ln>
+        <a:effectLst/>
+      </dsp:spPr>
+      <dsp:style>
+        <a:lnRef idx="2">
+          <a:scrgbClr r="0" g="0" b="0"/>
+        </a:lnRef>
+        <a:fillRef idx="1">
+          <a:scrgbClr r="0" g="0" b="0"/>
+        </a:fillRef>
+        <a:effectRef idx="0">
+          <a:scrgbClr r="0" g="0" b="0"/>
+        </a:effectRef>
+        <a:fontRef idx="minor"/>
+      </dsp:style>
+      <dsp:txBody>
+        <a:bodyPr spcFirstLastPara="0" vert="horz" wrap="square" lIns="19050" tIns="9525" rIns="0" bIns="9525" numCol="1" spcCol="1270" anchor="t" anchorCtr="0">
+          <a:noAutofit/>
+        </a:bodyPr>
+        <a:lstStyle/>
+        <a:p>
+          <a:pPr marL="0" lvl="0" indent="0" algn="l" defTabSz="666750" latinLnBrk="1">
+            <a:lnSpc>
+              <a:spcPct val="100000"/>
+            </a:lnSpc>
+            <a:spcBef>
+              <a:spcPct val="0"/>
+            </a:spcBef>
+            <a:spcAft>
+              <a:spcPct val="35000"/>
+            </a:spcAft>
+            <a:buNone/>
+          </a:pPr>
+          <a:r>
+            <a:rPr lang="ko-KR" altLang="en-US" sz="1500" kern="1200" dirty="0"/>
+            <a:t>습관 등록</a:t>
+          </a:r>
+        </a:p>
+        <a:p>
+          <a:pPr marL="114300" lvl="1" indent="-114300" algn="l" defTabSz="666750" latinLnBrk="1">
+            <a:lnSpc>
+              <a:spcPct val="100000"/>
+            </a:lnSpc>
+            <a:spcBef>
+              <a:spcPct val="0"/>
+            </a:spcBef>
+            <a:spcAft>
+              <a:spcPct val="15000"/>
+            </a:spcAft>
+            <a:buChar char="•"/>
+          </a:pPr>
+          <a:r>
+            <a:rPr lang="ko-KR" altLang="en-US" sz="1500" kern="1200" dirty="0"/>
+            <a:t>루틴 직접 받기</a:t>
+          </a:r>
+        </a:p>
+        <a:p>
+          <a:pPr marL="114300" lvl="1" indent="-114300" algn="l" defTabSz="666750" latinLnBrk="1">
+            <a:lnSpc>
+              <a:spcPct val="100000"/>
+            </a:lnSpc>
+            <a:spcBef>
+              <a:spcPct val="0"/>
+            </a:spcBef>
+            <a:spcAft>
+              <a:spcPct val="15000"/>
+            </a:spcAft>
+            <a:buChar char="•"/>
+          </a:pPr>
+          <a:r>
+            <a:rPr lang="en-US" altLang="ko-KR" sz="1500" kern="1200" dirty="0"/>
+            <a:t>AI </a:t>
+          </a:r>
+          <a:r>
+            <a:rPr lang="ko-KR" altLang="en-US" sz="1500" kern="1200" dirty="0"/>
+            <a:t>추천 루틴 </a:t>
+          </a:r>
+          <a:r>
+            <a:rPr lang="ko-KR" altLang="en-US" sz="1500" kern="1200" dirty="0" err="1"/>
+            <a:t>추천받기</a:t>
+          </a:r>
+          <a:r>
+            <a:rPr lang="ko-KR" altLang="en-US" sz="1500" kern="1200" dirty="0"/>
+            <a:t> </a:t>
+          </a:r>
+          <a:r>
+            <a:rPr lang="en-US" altLang="ko-KR" sz="1500" kern="1200" dirty="0"/>
+            <a:t>(GPT)</a:t>
+          </a:r>
+          <a:endParaRPr lang="ko-KR" altLang="en-US" sz="1500" kern="1200" dirty="0"/>
+        </a:p>
+      </dsp:txBody>
+      <dsp:txXfrm>
+        <a:off x="1629588" y="1460649"/>
+        <a:ext cx="2727735" cy="1087855"/>
+      </dsp:txXfrm>
+    </dsp:sp>
+    <dsp:sp modelId="{621842A3-7208-40A9-838F-C0B14E572054}">
+      <dsp:nvSpPr>
+        <dsp:cNvPr id="0" name=""/>
+        <dsp:cNvSpPr/>
+      </dsp:nvSpPr>
+      <dsp:spPr>
+        <a:xfrm>
+          <a:off x="332939" y="2638096"/>
+          <a:ext cx="1082156" cy="639941"/>
+        </a:xfrm>
+        <a:prstGeom prst="homePlate">
+          <a:avLst/>
+        </a:prstGeom>
+        <a:solidFill>
+          <a:schemeClr val="dk2">
+            <a:hueOff val="0"/>
+            <a:satOff val="0"/>
+            <a:lumOff val="0"/>
+            <a:alphaOff val="0"/>
+          </a:schemeClr>
+        </a:solidFill>
+        <a:ln w="12700" cap="flat" cmpd="sng" algn="ctr">
+          <a:solidFill>
+            <a:schemeClr val="lt2">
+              <a:hueOff val="0"/>
+              <a:satOff val="0"/>
+              <a:lumOff val="0"/>
+              <a:alphaOff val="0"/>
+            </a:schemeClr>
+          </a:solidFill>
+          <a:prstDash val="solid"/>
+          <a:miter lim="800000"/>
+        </a:ln>
+        <a:effectLst/>
+      </dsp:spPr>
+      <dsp:style>
+        <a:lnRef idx="2">
+          <a:scrgbClr r="0" g="0" b="0"/>
+        </a:lnRef>
+        <a:fillRef idx="1">
+          <a:scrgbClr r="0" g="0" b="0"/>
+        </a:fillRef>
+        <a:effectRef idx="0">
+          <a:scrgbClr r="0" g="0" b="0"/>
+        </a:effectRef>
+        <a:fontRef idx="minor">
+          <a:schemeClr val="lt1"/>
+        </a:fontRef>
+      </dsp:style>
+      <dsp:txBody>
+        <a:bodyPr spcFirstLastPara="0" vert="horz" wrap="square" lIns="19050" tIns="9525" rIns="0" bIns="9525" numCol="1" spcCol="1270" anchor="ctr" anchorCtr="0">
+          <a:noAutofit/>
+        </a:bodyPr>
+        <a:lstStyle/>
+        <a:p>
+          <a:pPr marL="0" lvl="0" indent="0" algn="ctr" defTabSz="666750" latinLnBrk="1">
+            <a:lnSpc>
+              <a:spcPct val="90000"/>
+            </a:lnSpc>
+            <a:spcBef>
+              <a:spcPct val="0"/>
+            </a:spcBef>
+            <a:spcAft>
+              <a:spcPct val="35000"/>
+            </a:spcAft>
+            <a:buNone/>
+          </a:pPr>
+          <a:r>
+            <a:rPr lang="en-US" altLang="ko-KR" sz="1500" kern="1200" dirty="0"/>
+            <a:t>4</a:t>
+          </a:r>
+          <a:endParaRPr lang="ko-KR" altLang="en-US" sz="1500" kern="1200" dirty="0"/>
+        </a:p>
+      </dsp:txBody>
+      <dsp:txXfrm>
+        <a:off x="332939" y="2638096"/>
+        <a:ext cx="922171" cy="639941"/>
+      </dsp:txXfrm>
+    </dsp:sp>
+    <dsp:sp modelId="{3C3585AD-41F6-48BE-B741-ABD757F1DE01}">
+      <dsp:nvSpPr>
+        <dsp:cNvPr id="0" name=""/>
+        <dsp:cNvSpPr/>
+      </dsp:nvSpPr>
+      <dsp:spPr>
+        <a:xfrm>
+          <a:off x="1207115" y="2692491"/>
+          <a:ext cx="3672498" cy="531151"/>
+        </a:xfrm>
+        <a:prstGeom prst="chevron">
+          <a:avLst/>
+        </a:prstGeom>
+        <a:solidFill>
+          <a:schemeClr val="dk2">
+            <a:alpha val="90000"/>
+            <a:tint val="40000"/>
+            <a:hueOff val="0"/>
+            <a:satOff val="0"/>
+            <a:lumOff val="0"/>
+            <a:alphaOff val="0"/>
+          </a:schemeClr>
+        </a:solidFill>
+        <a:ln w="12700" cap="flat" cmpd="sng" algn="ctr">
+          <a:solidFill>
+            <a:schemeClr val="dk2">
+              <a:alpha val="90000"/>
+              <a:tint val="40000"/>
+              <a:hueOff val="0"/>
+              <a:satOff val="0"/>
+              <a:lumOff val="0"/>
+              <a:alphaOff val="0"/>
+            </a:schemeClr>
+          </a:solidFill>
+          <a:prstDash val="solid"/>
+          <a:miter lim="800000"/>
+        </a:ln>
+        <a:effectLst/>
+      </dsp:spPr>
+      <dsp:style>
+        <a:lnRef idx="2">
+          <a:scrgbClr r="0" g="0" b="0"/>
+        </a:lnRef>
+        <a:fillRef idx="1">
+          <a:scrgbClr r="0" g="0" b="0"/>
+        </a:fillRef>
+        <a:effectRef idx="0">
+          <a:scrgbClr r="0" g="0" b="0"/>
+        </a:effectRef>
+        <a:fontRef idx="minor"/>
+      </dsp:style>
+      <dsp:txBody>
+        <a:bodyPr spcFirstLastPara="0" vert="horz" wrap="square" lIns="19050" tIns="9525" rIns="0" bIns="9525" numCol="1" spcCol="1270" anchor="ctr" anchorCtr="0">
+          <a:noAutofit/>
+        </a:bodyPr>
+        <a:lstStyle/>
+        <a:p>
+          <a:pPr marL="0" lvl="0" indent="0" algn="l" defTabSz="666750" latinLnBrk="1">
+            <a:lnSpc>
+              <a:spcPct val="90000"/>
+            </a:lnSpc>
+            <a:spcBef>
+              <a:spcPct val="0"/>
+            </a:spcBef>
+            <a:spcAft>
+              <a:spcPct val="35000"/>
+            </a:spcAft>
+            <a:buNone/>
+          </a:pPr>
+          <a:r>
+            <a:rPr lang="ko-KR" altLang="en-US" sz="1500" kern="1200" dirty="0"/>
+            <a:t>오늘의 루틴</a:t>
+          </a:r>
+          <a:r>
+            <a:rPr lang="en-US" altLang="ko-KR" sz="1500" kern="1200" dirty="0"/>
+            <a:t>/ </a:t>
+          </a:r>
+          <a:r>
+            <a:rPr lang="ko-KR" altLang="en-US" sz="1500" kern="1200" dirty="0"/>
+            <a:t>리스트 확인</a:t>
+          </a:r>
+        </a:p>
+      </dsp:txBody>
+      <dsp:txXfrm>
+        <a:off x="1472691" y="2692491"/>
+        <a:ext cx="3141347" cy="531151"/>
+      </dsp:txXfrm>
+    </dsp:sp>
+    <dsp:sp modelId="{61759F6B-7A7F-41AB-91B1-6B0D517B719F}">
+      <dsp:nvSpPr>
+        <dsp:cNvPr id="0" name=""/>
+        <dsp:cNvSpPr/>
+      </dsp:nvSpPr>
+      <dsp:spPr>
+        <a:xfrm>
+          <a:off x="332939" y="3367629"/>
+          <a:ext cx="1082156" cy="639941"/>
+        </a:xfrm>
+        <a:prstGeom prst="homePlate">
+          <a:avLst/>
+        </a:prstGeom>
+        <a:solidFill>
+          <a:schemeClr val="dk2">
+            <a:hueOff val="0"/>
+            <a:satOff val="0"/>
+            <a:lumOff val="0"/>
+            <a:alphaOff val="0"/>
+          </a:schemeClr>
+        </a:solidFill>
+        <a:ln w="12700" cap="flat" cmpd="sng" algn="ctr">
+          <a:solidFill>
+            <a:schemeClr val="lt2">
+              <a:hueOff val="0"/>
+              <a:satOff val="0"/>
+              <a:lumOff val="0"/>
+              <a:alphaOff val="0"/>
+            </a:schemeClr>
+          </a:solidFill>
+          <a:prstDash val="solid"/>
+          <a:miter lim="800000"/>
+        </a:ln>
+        <a:effectLst/>
+      </dsp:spPr>
+      <dsp:style>
+        <a:lnRef idx="2">
+          <a:scrgbClr r="0" g="0" b="0"/>
+        </a:lnRef>
+        <a:fillRef idx="1">
+          <a:scrgbClr r="0" g="0" b="0"/>
+        </a:fillRef>
+        <a:effectRef idx="0">
+          <a:scrgbClr r="0" g="0" b="0"/>
+        </a:effectRef>
+        <a:fontRef idx="minor">
+          <a:schemeClr val="lt1"/>
+        </a:fontRef>
+      </dsp:style>
+      <dsp:txBody>
+        <a:bodyPr spcFirstLastPara="0" vert="horz" wrap="square" lIns="19050" tIns="9525" rIns="0" bIns="9525" numCol="1" spcCol="1270" anchor="ctr" anchorCtr="0">
+          <a:noAutofit/>
+        </a:bodyPr>
+        <a:lstStyle/>
+        <a:p>
+          <a:pPr marL="0" lvl="0" indent="0" algn="ctr" defTabSz="666750" latinLnBrk="1">
+            <a:lnSpc>
+              <a:spcPct val="90000"/>
+            </a:lnSpc>
+            <a:spcBef>
+              <a:spcPct val="0"/>
+            </a:spcBef>
+            <a:spcAft>
+              <a:spcPct val="35000"/>
+            </a:spcAft>
+            <a:buNone/>
+          </a:pPr>
+          <a:r>
+            <a:rPr lang="en-US" altLang="ko-KR" sz="1500" kern="1200" dirty="0"/>
+            <a:t>5</a:t>
+          </a:r>
+          <a:endParaRPr lang="ko-KR" altLang="en-US" sz="1500" kern="1200" dirty="0"/>
+        </a:p>
+      </dsp:txBody>
+      <dsp:txXfrm>
+        <a:off x="332939" y="3367629"/>
+        <a:ext cx="922171" cy="639941"/>
+      </dsp:txXfrm>
+    </dsp:sp>
+    <dsp:sp modelId="{5F327DC6-9DD0-4DB1-972D-DDF2EE314C71}">
+      <dsp:nvSpPr>
+        <dsp:cNvPr id="0" name=""/>
+        <dsp:cNvSpPr/>
+      </dsp:nvSpPr>
+      <dsp:spPr>
+        <a:xfrm>
+          <a:off x="1207115" y="3422024"/>
+          <a:ext cx="3672498" cy="531151"/>
+        </a:xfrm>
+        <a:prstGeom prst="chevron">
+          <a:avLst/>
+        </a:prstGeom>
+        <a:solidFill>
+          <a:schemeClr val="dk2">
+            <a:alpha val="90000"/>
+            <a:tint val="40000"/>
+            <a:hueOff val="0"/>
+            <a:satOff val="0"/>
+            <a:lumOff val="0"/>
+            <a:alphaOff val="0"/>
+          </a:schemeClr>
+        </a:solidFill>
+        <a:ln w="12700" cap="flat" cmpd="sng" algn="ctr">
+          <a:solidFill>
+            <a:schemeClr val="dk2">
+              <a:alpha val="90000"/>
+              <a:tint val="40000"/>
+              <a:hueOff val="0"/>
+              <a:satOff val="0"/>
+              <a:lumOff val="0"/>
+              <a:alphaOff val="0"/>
+            </a:schemeClr>
+          </a:solidFill>
+          <a:prstDash val="solid"/>
+          <a:miter lim="800000"/>
+        </a:ln>
+        <a:effectLst/>
+      </dsp:spPr>
+      <dsp:style>
+        <a:lnRef idx="2">
+          <a:scrgbClr r="0" g="0" b="0"/>
+        </a:lnRef>
+        <a:fillRef idx="1">
+          <a:scrgbClr r="0" g="0" b="0"/>
+        </a:fillRef>
+        <a:effectRef idx="0">
+          <a:scrgbClr r="0" g="0" b="0"/>
+        </a:effectRef>
+        <a:fontRef idx="minor"/>
+      </dsp:style>
+      <dsp:txBody>
+        <a:bodyPr spcFirstLastPara="0" vert="horz" wrap="square" lIns="19050" tIns="9525" rIns="0" bIns="9525" numCol="1" spcCol="1270" anchor="ctr" anchorCtr="0">
+          <a:noAutofit/>
+        </a:bodyPr>
+        <a:lstStyle/>
+        <a:p>
+          <a:pPr marL="0" lvl="0" indent="0" algn="l" defTabSz="666750" latinLnBrk="1">
+            <a:lnSpc>
+              <a:spcPct val="90000"/>
+            </a:lnSpc>
+            <a:spcBef>
+              <a:spcPct val="0"/>
+            </a:spcBef>
+            <a:spcAft>
+              <a:spcPct val="35000"/>
+            </a:spcAft>
+            <a:buNone/>
+          </a:pPr>
+          <a:r>
+            <a:rPr lang="ko-KR" altLang="en-US" sz="1500" kern="1200" dirty="0"/>
+            <a:t>습관 체크 및 시간 기록 </a:t>
+          </a:r>
+          <a:r>
+            <a:rPr lang="en-US" altLang="ko-KR" sz="1500" kern="1200" dirty="0"/>
+            <a:t>/ </a:t>
+          </a:r>
+          <a:r>
+            <a:rPr lang="ko-KR" altLang="en-US" sz="1500" kern="1200" dirty="0"/>
+            <a:t>완료 표시</a:t>
+          </a:r>
+        </a:p>
+      </dsp:txBody>
+      <dsp:txXfrm>
+        <a:off x="1472691" y="3422024"/>
+        <a:ext cx="3141347" cy="531151"/>
+      </dsp:txXfrm>
+    </dsp:sp>
+    <dsp:sp modelId="{E8DD4F0E-B5D2-4D8F-887E-9CA59AE8C4D3}">
+      <dsp:nvSpPr>
+        <dsp:cNvPr id="0" name=""/>
+        <dsp:cNvSpPr/>
+      </dsp:nvSpPr>
+      <dsp:spPr>
+        <a:xfrm>
+          <a:off x="332939" y="4097162"/>
+          <a:ext cx="1082156" cy="639941"/>
+        </a:xfrm>
+        <a:prstGeom prst="homePlate">
+          <a:avLst/>
+        </a:prstGeom>
+        <a:solidFill>
+          <a:schemeClr val="dk2">
+            <a:hueOff val="0"/>
+            <a:satOff val="0"/>
+            <a:lumOff val="0"/>
+            <a:alphaOff val="0"/>
+          </a:schemeClr>
+        </a:solidFill>
+        <a:ln w="12700" cap="flat" cmpd="sng" algn="ctr">
+          <a:solidFill>
+            <a:schemeClr val="lt2">
+              <a:hueOff val="0"/>
+              <a:satOff val="0"/>
+              <a:lumOff val="0"/>
+              <a:alphaOff val="0"/>
+            </a:schemeClr>
+          </a:solidFill>
+          <a:prstDash val="solid"/>
+          <a:miter lim="800000"/>
+        </a:ln>
+        <a:effectLst/>
+      </dsp:spPr>
+      <dsp:style>
+        <a:lnRef idx="2">
+          <a:scrgbClr r="0" g="0" b="0"/>
+        </a:lnRef>
+        <a:fillRef idx="1">
+          <a:scrgbClr r="0" g="0" b="0"/>
+        </a:fillRef>
+        <a:effectRef idx="0">
+          <a:scrgbClr r="0" g="0" b="0"/>
+        </a:effectRef>
+        <a:fontRef idx="minor">
+          <a:schemeClr val="lt1"/>
+        </a:fontRef>
+      </dsp:style>
+      <dsp:txBody>
+        <a:bodyPr spcFirstLastPara="0" vert="horz" wrap="square" lIns="19050" tIns="9525" rIns="0" bIns="9525" numCol="1" spcCol="1270" anchor="ctr" anchorCtr="0">
+          <a:noAutofit/>
+        </a:bodyPr>
+        <a:lstStyle/>
+        <a:p>
+          <a:pPr marL="0" lvl="0" indent="0" algn="ctr" defTabSz="666750" latinLnBrk="1">
+            <a:lnSpc>
+              <a:spcPct val="90000"/>
+            </a:lnSpc>
+            <a:spcBef>
+              <a:spcPct val="0"/>
+            </a:spcBef>
+            <a:spcAft>
+              <a:spcPct val="35000"/>
+            </a:spcAft>
+            <a:buNone/>
+          </a:pPr>
+          <a:r>
+            <a:rPr lang="en-US" altLang="ko-KR" sz="1500" kern="1200" dirty="0"/>
+            <a:t>6</a:t>
+          </a:r>
+          <a:endParaRPr lang="ko-KR" altLang="en-US" sz="1500" kern="1200" dirty="0"/>
+        </a:p>
+      </dsp:txBody>
+      <dsp:txXfrm>
+        <a:off x="332939" y="4097162"/>
+        <a:ext cx="922171" cy="639941"/>
+      </dsp:txXfrm>
+    </dsp:sp>
+    <dsp:sp modelId="{CFCBD317-0085-47F8-B52C-677809441020}">
+      <dsp:nvSpPr>
+        <dsp:cNvPr id="0" name=""/>
+        <dsp:cNvSpPr/>
+      </dsp:nvSpPr>
+      <dsp:spPr>
+        <a:xfrm>
+          <a:off x="1207115" y="4151557"/>
+          <a:ext cx="3672498" cy="531151"/>
+        </a:xfrm>
+        <a:prstGeom prst="chevron">
+          <a:avLst/>
+        </a:prstGeom>
+        <a:solidFill>
+          <a:schemeClr val="dk2">
+            <a:alpha val="90000"/>
+            <a:tint val="40000"/>
+            <a:hueOff val="0"/>
+            <a:satOff val="0"/>
+            <a:lumOff val="0"/>
+            <a:alphaOff val="0"/>
+          </a:schemeClr>
+        </a:solidFill>
+        <a:ln w="12700" cap="flat" cmpd="sng" algn="ctr">
+          <a:solidFill>
+            <a:schemeClr val="dk2">
+              <a:alpha val="90000"/>
+              <a:tint val="40000"/>
+              <a:hueOff val="0"/>
+              <a:satOff val="0"/>
+              <a:lumOff val="0"/>
+              <a:alphaOff val="0"/>
+            </a:schemeClr>
+          </a:solidFill>
+          <a:prstDash val="solid"/>
+          <a:miter lim="800000"/>
+        </a:ln>
+        <a:effectLst/>
+      </dsp:spPr>
+      <dsp:style>
+        <a:lnRef idx="2">
+          <a:scrgbClr r="0" g="0" b="0"/>
+        </a:lnRef>
+        <a:fillRef idx="1">
+          <a:scrgbClr r="0" g="0" b="0"/>
+        </a:fillRef>
+        <a:effectRef idx="0">
+          <a:scrgbClr r="0" g="0" b="0"/>
+        </a:effectRef>
+        <a:fontRef idx="minor"/>
+      </dsp:style>
+      <dsp:txBody>
+        <a:bodyPr spcFirstLastPara="0" vert="horz" wrap="square" lIns="19050" tIns="9525" rIns="0" bIns="9525" numCol="1" spcCol="1270" anchor="ctr" anchorCtr="0">
+          <a:noAutofit/>
+        </a:bodyPr>
+        <a:lstStyle/>
+        <a:p>
+          <a:pPr marL="0" lvl="0" indent="0" algn="l" defTabSz="666750" latinLnBrk="1">
+            <a:lnSpc>
+              <a:spcPct val="90000"/>
+            </a:lnSpc>
+            <a:spcBef>
+              <a:spcPct val="0"/>
+            </a:spcBef>
+            <a:spcAft>
+              <a:spcPct val="35000"/>
+            </a:spcAft>
+            <a:buNone/>
+          </a:pPr>
+          <a:r>
+            <a:rPr lang="ko-KR" altLang="en-US" sz="1500" kern="1200" dirty="0"/>
+            <a:t>성장 피드백 확인</a:t>
+          </a:r>
+        </a:p>
+      </dsp:txBody>
+      <dsp:txXfrm>
+        <a:off x="1472691" y="4151557"/>
+        <a:ext cx="3141347" cy="531151"/>
+      </dsp:txXfrm>
+    </dsp:sp>
+  </dsp:spTree>
+</dsp:drawing>
 </file>
 
 <file path=ppt/diagrams/layout1.xml><?xml version="1.0" encoding="utf-8"?>
@@ -3076,7 +4122,7 @@
           <p:cNvPr id="2" name="Title 1">
             <a:extLst>
               <a:ext uri="{FF2B5EF4-FFF2-40B4-BE49-F238E27FC236}">
-                <a16:creationId xmlns:a16="http://schemas.microsoft.com/office/drawing/2014/main" xmlns="" id="{898DE6C8-AB1D-4204-BC9C-3366B0BF0435}"/>
+                <a16:creationId xmlns:a16="http://schemas.microsoft.com/office/drawing/2014/main" id="{898DE6C8-AB1D-4204-BC9C-3366B0BF0435}"/>
               </a:ext>
             </a:extLst>
           </p:cNvPr>
@@ -3116,7 +4162,7 @@
           <p:cNvPr id="3" name="Subtitle 2">
             <a:extLst>
               <a:ext uri="{FF2B5EF4-FFF2-40B4-BE49-F238E27FC236}">
-                <a16:creationId xmlns:a16="http://schemas.microsoft.com/office/drawing/2014/main" xmlns="" id="{7A7B9009-EE50-4EE5-B6EB-CD6EC83D3FA3}"/>
+                <a16:creationId xmlns:a16="http://schemas.microsoft.com/office/drawing/2014/main" id="{7A7B9009-EE50-4EE5-B6EB-CD6EC83D3FA3}"/>
               </a:ext>
             </a:extLst>
           </p:cNvPr>
@@ -3189,7 +4235,7 @@
           <p:cNvPr id="4" name="Date Placeholder 3">
             <a:extLst>
               <a:ext uri="{FF2B5EF4-FFF2-40B4-BE49-F238E27FC236}">
-                <a16:creationId xmlns:a16="http://schemas.microsoft.com/office/drawing/2014/main" xmlns="" id="{99C8667E-058A-436F-B8EA-5B3A99D43D09}"/>
+                <a16:creationId xmlns:a16="http://schemas.microsoft.com/office/drawing/2014/main" id="{99C8667E-058A-436F-B8EA-5B3A99D43D09}"/>
               </a:ext>
             </a:extLst>
           </p:cNvPr>
@@ -3208,7 +4254,7 @@
             <a:fld id="{D1D1EADE-8E88-4C7C-8AC5-FB148DE4940E}" type="datetime1">
               <a:rPr lang="en-US" smtClean="0"/>
               <a:pPr/>
-              <a:t>5/12/2025</a:t>
+              <a:t>5/14/2025</a:t>
             </a:fld>
             <a:endParaRPr lang="en-US"/>
           </a:p>
@@ -3219,7 +4265,7 @@
           <p:cNvPr id="5" name="Footer Placeholder 4">
             <a:extLst>
               <a:ext uri="{FF2B5EF4-FFF2-40B4-BE49-F238E27FC236}">
-                <a16:creationId xmlns:a16="http://schemas.microsoft.com/office/drawing/2014/main" xmlns="" id="{52680305-1AD7-482D-BFFD-6CDB83AB39A4}"/>
+                <a16:creationId xmlns:a16="http://schemas.microsoft.com/office/drawing/2014/main" id="{52680305-1AD7-482D-BFFD-6CDB83AB39A4}"/>
               </a:ext>
             </a:extLst>
           </p:cNvPr>
@@ -3244,7 +4290,7 @@
           <p:cNvPr id="6" name="Slide Number Placeholder 5">
             <a:extLst>
               <a:ext uri="{FF2B5EF4-FFF2-40B4-BE49-F238E27FC236}">
-                <a16:creationId xmlns:a16="http://schemas.microsoft.com/office/drawing/2014/main" xmlns="" id="{BE5762A1-52E9-402D-B65E-DF193E44CE83}"/>
+                <a16:creationId xmlns:a16="http://schemas.microsoft.com/office/drawing/2014/main" id="{BE5762A1-52E9-402D-B65E-DF193E44CE83}"/>
               </a:ext>
             </a:extLst>
           </p:cNvPr>
@@ -3272,7 +4318,7 @@
     </p:spTree>
     <p:extLst>
       <p:ext uri="{BB962C8B-B14F-4D97-AF65-F5344CB8AC3E}">
-        <p14:creationId xmlns:p14="http://schemas.microsoft.com/office/powerpoint/2010/main" xmlns="" val="3016230927"/>
+        <p14:creationId xmlns:p14="http://schemas.microsoft.com/office/powerpoint/2010/main" val="3016230927"/>
       </p:ext>
     </p:extLst>
   </p:cSld>
@@ -3304,7 +4350,7 @@
           <p:cNvPr id="2" name="Title 1">
             <a:extLst>
               <a:ext uri="{FF2B5EF4-FFF2-40B4-BE49-F238E27FC236}">
-                <a16:creationId xmlns:a16="http://schemas.microsoft.com/office/drawing/2014/main" xmlns="" id="{7D6359C1-C098-4BF4-A55D-782F4E606B8A}"/>
+                <a16:creationId xmlns:a16="http://schemas.microsoft.com/office/drawing/2014/main" id="{7D6359C1-C098-4BF4-A55D-782F4E606B8A}"/>
               </a:ext>
             </a:extLst>
           </p:cNvPr>
@@ -3333,7 +4379,7 @@
           <p:cNvPr id="3" name="Vertical Text Placeholder 2">
             <a:extLst>
               <a:ext uri="{FF2B5EF4-FFF2-40B4-BE49-F238E27FC236}">
-                <a16:creationId xmlns:a16="http://schemas.microsoft.com/office/drawing/2014/main" xmlns="" id="{3D343C7E-1E8B-4D38-9B81-1AA2A8978EDE}"/>
+                <a16:creationId xmlns:a16="http://schemas.microsoft.com/office/drawing/2014/main" id="{3D343C7E-1E8B-4D38-9B81-1AA2A8978EDE}"/>
               </a:ext>
             </a:extLst>
           </p:cNvPr>
@@ -3391,7 +4437,7 @@
           <p:cNvPr id="4" name="Date Placeholder 3">
             <a:extLst>
               <a:ext uri="{FF2B5EF4-FFF2-40B4-BE49-F238E27FC236}">
-                <a16:creationId xmlns:a16="http://schemas.microsoft.com/office/drawing/2014/main" xmlns="" id="{C8A70B00-53AE-4D3F-91BE-A8D789ED9864}"/>
+                <a16:creationId xmlns:a16="http://schemas.microsoft.com/office/drawing/2014/main" id="{C8A70B00-53AE-4D3F-91BE-A8D789ED9864}"/>
               </a:ext>
             </a:extLst>
           </p:cNvPr>
@@ -3410,7 +4456,7 @@
             <a:fld id="{EC3C8B9C-477D-492A-96AD-1FC2CC997A73}" type="datetime1">
               <a:rPr lang="en-US" smtClean="0"/>
               <a:pPr/>
-              <a:t>5/12/2025</a:t>
+              <a:t>5/14/2025</a:t>
             </a:fld>
             <a:endParaRPr lang="en-US"/>
           </a:p>
@@ -3421,7 +4467,7 @@
           <p:cNvPr id="5" name="Footer Placeholder 4">
             <a:extLst>
               <a:ext uri="{FF2B5EF4-FFF2-40B4-BE49-F238E27FC236}">
-                <a16:creationId xmlns:a16="http://schemas.microsoft.com/office/drawing/2014/main" xmlns="" id="{06647FC7-8124-4F70-A849-B6BCC5189CC3}"/>
+                <a16:creationId xmlns:a16="http://schemas.microsoft.com/office/drawing/2014/main" id="{06647FC7-8124-4F70-A849-B6BCC5189CC3}"/>
               </a:ext>
             </a:extLst>
           </p:cNvPr>
@@ -3446,7 +4492,7 @@
           <p:cNvPr id="6" name="Slide Number Placeholder 5">
             <a:extLst>
               <a:ext uri="{FF2B5EF4-FFF2-40B4-BE49-F238E27FC236}">
-                <a16:creationId xmlns:a16="http://schemas.microsoft.com/office/drawing/2014/main" xmlns="" id="{B47CEBE4-50DC-47DB-B699-CCC024336C9F}"/>
+                <a16:creationId xmlns:a16="http://schemas.microsoft.com/office/drawing/2014/main" id="{B47CEBE4-50DC-47DB-B699-CCC024336C9F}"/>
               </a:ext>
             </a:extLst>
           </p:cNvPr>
@@ -3474,7 +4520,7 @@
     </p:spTree>
     <p:extLst>
       <p:ext uri="{BB962C8B-B14F-4D97-AF65-F5344CB8AC3E}">
-        <p14:creationId xmlns:p14="http://schemas.microsoft.com/office/powerpoint/2010/main" xmlns="" val="1071937088"/>
+        <p14:creationId xmlns:p14="http://schemas.microsoft.com/office/powerpoint/2010/main" val="1071937088"/>
       </p:ext>
     </p:extLst>
   </p:cSld>
@@ -3506,7 +4552,7 @@
           <p:cNvPr id="2" name="Vertical Title 1">
             <a:extLst>
               <a:ext uri="{FF2B5EF4-FFF2-40B4-BE49-F238E27FC236}">
-                <a16:creationId xmlns:a16="http://schemas.microsoft.com/office/drawing/2014/main" xmlns="" id="{4B418279-D3B8-4C6A-AB74-9DE377771270}"/>
+                <a16:creationId xmlns:a16="http://schemas.microsoft.com/office/drawing/2014/main" id="{4B418279-D3B8-4C6A-AB74-9DE377771270}"/>
               </a:ext>
             </a:extLst>
           </p:cNvPr>
@@ -3540,7 +4586,7 @@
           <p:cNvPr id="3" name="Vertical Text Placeholder 2">
             <a:extLst>
               <a:ext uri="{FF2B5EF4-FFF2-40B4-BE49-F238E27FC236}">
-                <a16:creationId xmlns:a16="http://schemas.microsoft.com/office/drawing/2014/main" xmlns="" id="{E28F733C-9309-4197-BACA-207CDC8935C9}"/>
+                <a16:creationId xmlns:a16="http://schemas.microsoft.com/office/drawing/2014/main" id="{E28F733C-9309-4197-BACA-207CDC8935C9}"/>
               </a:ext>
             </a:extLst>
           </p:cNvPr>
@@ -3603,7 +4649,7 @@
           <p:cNvPr id="4" name="Date Placeholder 3">
             <a:extLst>
               <a:ext uri="{FF2B5EF4-FFF2-40B4-BE49-F238E27FC236}">
-                <a16:creationId xmlns:a16="http://schemas.microsoft.com/office/drawing/2014/main" xmlns="" id="{56ACD4D0-5BE6-412D-B08B-5DFFD593513E}"/>
+                <a16:creationId xmlns:a16="http://schemas.microsoft.com/office/drawing/2014/main" id="{56ACD4D0-5BE6-412D-B08B-5DFFD593513E}"/>
               </a:ext>
             </a:extLst>
           </p:cNvPr>
@@ -3622,7 +4668,7 @@
             <a:fld id="{42D3AED5-E26D-4E29-B1B3-7847B6779594}" type="datetime1">
               <a:rPr lang="en-US" smtClean="0"/>
               <a:pPr/>
-              <a:t>5/12/2025</a:t>
+              <a:t>5/14/2025</a:t>
             </a:fld>
             <a:endParaRPr lang="en-US"/>
           </a:p>
@@ -3633,7 +4679,7 @@
           <p:cNvPr id="5" name="Footer Placeholder 4">
             <a:extLst>
               <a:ext uri="{FF2B5EF4-FFF2-40B4-BE49-F238E27FC236}">
-                <a16:creationId xmlns:a16="http://schemas.microsoft.com/office/drawing/2014/main" xmlns="" id="{55021651-B786-4A39-A10F-F5231D0A2C5E}"/>
+                <a16:creationId xmlns:a16="http://schemas.microsoft.com/office/drawing/2014/main" id="{55021651-B786-4A39-A10F-F5231D0A2C5E}"/>
               </a:ext>
             </a:extLst>
           </p:cNvPr>
@@ -3658,7 +4704,7 @@
           <p:cNvPr id="6" name="Slide Number Placeholder 5">
             <a:extLst>
               <a:ext uri="{FF2B5EF4-FFF2-40B4-BE49-F238E27FC236}">
-                <a16:creationId xmlns:a16="http://schemas.microsoft.com/office/drawing/2014/main" xmlns="" id="{74504D2D-9379-40DE-9F45-3004BE54F16B}"/>
+                <a16:creationId xmlns:a16="http://schemas.microsoft.com/office/drawing/2014/main" id="{74504D2D-9379-40DE-9F45-3004BE54F16B}"/>
               </a:ext>
             </a:extLst>
           </p:cNvPr>
@@ -3686,7 +4732,7 @@
     </p:spTree>
     <p:extLst>
       <p:ext uri="{BB962C8B-B14F-4D97-AF65-F5344CB8AC3E}">
-        <p14:creationId xmlns:p14="http://schemas.microsoft.com/office/powerpoint/2010/main" xmlns="" val="1695956104"/>
+        <p14:creationId xmlns:p14="http://schemas.microsoft.com/office/powerpoint/2010/main" val="1695956104"/>
       </p:ext>
     </p:extLst>
   </p:cSld>
@@ -3718,7 +4764,7 @@
           <p:cNvPr id="2" name="Title 1">
             <a:extLst>
               <a:ext uri="{FF2B5EF4-FFF2-40B4-BE49-F238E27FC236}">
-                <a16:creationId xmlns:a16="http://schemas.microsoft.com/office/drawing/2014/main" xmlns="" id="{5A987CA6-BFD9-4CB1-8892-F6B062E82445}"/>
+                <a16:creationId xmlns:a16="http://schemas.microsoft.com/office/drawing/2014/main" id="{5A987CA6-BFD9-4CB1-8892-F6B062E82445}"/>
               </a:ext>
             </a:extLst>
           </p:cNvPr>
@@ -3747,7 +4793,7 @@
           <p:cNvPr id="3" name="Content Placeholder 2">
             <a:extLst>
               <a:ext uri="{FF2B5EF4-FFF2-40B4-BE49-F238E27FC236}">
-                <a16:creationId xmlns:a16="http://schemas.microsoft.com/office/drawing/2014/main" xmlns="" id="{E0CDA8C3-9C0C-4E52-9A62-E4DB159E6B0E}"/>
+                <a16:creationId xmlns:a16="http://schemas.microsoft.com/office/drawing/2014/main" id="{E0CDA8C3-9C0C-4E52-9A62-E4DB159E6B0E}"/>
               </a:ext>
             </a:extLst>
           </p:cNvPr>
@@ -3805,7 +4851,7 @@
           <p:cNvPr id="4" name="Date Placeholder 3">
             <a:extLst>
               <a:ext uri="{FF2B5EF4-FFF2-40B4-BE49-F238E27FC236}">
-                <a16:creationId xmlns:a16="http://schemas.microsoft.com/office/drawing/2014/main" xmlns="" id="{7CC3EC35-E02F-41FF-9232-F90692A902FC}"/>
+                <a16:creationId xmlns:a16="http://schemas.microsoft.com/office/drawing/2014/main" id="{7CC3EC35-E02F-41FF-9232-F90692A902FC}"/>
               </a:ext>
             </a:extLst>
           </p:cNvPr>
@@ -3824,7 +4870,7 @@
             <a:fld id="{157B6794-849E-4626-908B-D15793550EFB}" type="datetime1">
               <a:rPr lang="en-US" smtClean="0"/>
               <a:pPr/>
-              <a:t>5/12/2025</a:t>
+              <a:t>5/14/2025</a:t>
             </a:fld>
             <a:endParaRPr lang="en-US"/>
           </a:p>
@@ -3835,7 +4881,7 @@
           <p:cNvPr id="5" name="Footer Placeholder 4">
             <a:extLst>
               <a:ext uri="{FF2B5EF4-FFF2-40B4-BE49-F238E27FC236}">
-                <a16:creationId xmlns:a16="http://schemas.microsoft.com/office/drawing/2014/main" xmlns="" id="{39D13D38-5DF1-443B-8A12-71E834FDC6A1}"/>
+                <a16:creationId xmlns:a16="http://schemas.microsoft.com/office/drawing/2014/main" id="{39D13D38-5DF1-443B-8A12-71E834FDC6A1}"/>
               </a:ext>
             </a:extLst>
           </p:cNvPr>
@@ -3860,7 +4906,7 @@
           <p:cNvPr id="6" name="Slide Number Placeholder 5">
             <a:extLst>
               <a:ext uri="{FF2B5EF4-FFF2-40B4-BE49-F238E27FC236}">
-                <a16:creationId xmlns:a16="http://schemas.microsoft.com/office/drawing/2014/main" xmlns="" id="{F25E644A-4A37-4757-9809-5B035E2874E6}"/>
+                <a16:creationId xmlns:a16="http://schemas.microsoft.com/office/drawing/2014/main" id="{F25E644A-4A37-4757-9809-5B035E2874E6}"/>
               </a:ext>
             </a:extLst>
           </p:cNvPr>
@@ -3888,7 +4934,7 @@
     </p:spTree>
     <p:extLst>
       <p:ext uri="{BB962C8B-B14F-4D97-AF65-F5344CB8AC3E}">
-        <p14:creationId xmlns:p14="http://schemas.microsoft.com/office/powerpoint/2010/main" xmlns="" val="1925616012"/>
+        <p14:creationId xmlns:p14="http://schemas.microsoft.com/office/powerpoint/2010/main" val="1925616012"/>
       </p:ext>
     </p:extLst>
   </p:cSld>
@@ -3920,7 +4966,7 @@
           <p:cNvPr id="2" name="Title 1">
             <a:extLst>
               <a:ext uri="{FF2B5EF4-FFF2-40B4-BE49-F238E27FC236}">
-                <a16:creationId xmlns:a16="http://schemas.microsoft.com/office/drawing/2014/main" xmlns="" id="{70E6578B-CD85-4BF1-A729-E8E8079B595F}"/>
+                <a16:creationId xmlns:a16="http://schemas.microsoft.com/office/drawing/2014/main" id="{70E6578B-CD85-4BF1-A729-E8E8079B595F}"/>
               </a:ext>
             </a:extLst>
           </p:cNvPr>
@@ -3958,7 +5004,7 @@
           <p:cNvPr id="3" name="Text Placeholder 2">
             <a:extLst>
               <a:ext uri="{FF2B5EF4-FFF2-40B4-BE49-F238E27FC236}">
-                <a16:creationId xmlns:a16="http://schemas.microsoft.com/office/drawing/2014/main" xmlns="" id="{A58448C1-C13F-4826-8347-EEB00A6643D6}"/>
+                <a16:creationId xmlns:a16="http://schemas.microsoft.com/office/drawing/2014/main" id="{A58448C1-C13F-4826-8347-EEB00A6643D6}"/>
               </a:ext>
             </a:extLst>
           </p:cNvPr>
@@ -4083,7 +5129,7 @@
           <p:cNvPr id="4" name="Date Placeholder 3">
             <a:extLst>
               <a:ext uri="{FF2B5EF4-FFF2-40B4-BE49-F238E27FC236}">
-                <a16:creationId xmlns:a16="http://schemas.microsoft.com/office/drawing/2014/main" xmlns="" id="{5806546A-957F-4C4D-9744-1177AD258E10}"/>
+                <a16:creationId xmlns:a16="http://schemas.microsoft.com/office/drawing/2014/main" id="{5806546A-957F-4C4D-9744-1177AD258E10}"/>
               </a:ext>
             </a:extLst>
           </p:cNvPr>
@@ -4102,7 +5148,7 @@
             <a:fld id="{63DB64E7-5594-42A3-ADBF-E95A7ACEAD64}" type="datetime1">
               <a:rPr lang="en-US" smtClean="0"/>
               <a:pPr/>
-              <a:t>5/12/2025</a:t>
+              <a:t>5/14/2025</a:t>
             </a:fld>
             <a:endParaRPr lang="en-US"/>
           </a:p>
@@ -4113,7 +5159,7 @@
           <p:cNvPr id="5" name="Footer Placeholder 4">
             <a:extLst>
               <a:ext uri="{FF2B5EF4-FFF2-40B4-BE49-F238E27FC236}">
-                <a16:creationId xmlns:a16="http://schemas.microsoft.com/office/drawing/2014/main" xmlns="" id="{B1DB149C-CC63-4E3A-A83D-EF637EB51979}"/>
+                <a16:creationId xmlns:a16="http://schemas.microsoft.com/office/drawing/2014/main" id="{B1DB149C-CC63-4E3A-A83D-EF637EB51979}"/>
               </a:ext>
             </a:extLst>
           </p:cNvPr>
@@ -4138,7 +5184,7 @@
           <p:cNvPr id="6" name="Slide Number Placeholder 5">
             <a:extLst>
               <a:ext uri="{FF2B5EF4-FFF2-40B4-BE49-F238E27FC236}">
-                <a16:creationId xmlns:a16="http://schemas.microsoft.com/office/drawing/2014/main" xmlns="" id="{EDB94775-7982-41EC-B584-D51224D38F77}"/>
+                <a16:creationId xmlns:a16="http://schemas.microsoft.com/office/drawing/2014/main" id="{EDB94775-7982-41EC-B584-D51224D38F77}"/>
               </a:ext>
             </a:extLst>
           </p:cNvPr>
@@ -4166,7 +5212,7 @@
     </p:spTree>
     <p:extLst>
       <p:ext uri="{BB962C8B-B14F-4D97-AF65-F5344CB8AC3E}">
-        <p14:creationId xmlns:p14="http://schemas.microsoft.com/office/powerpoint/2010/main" xmlns="" val="1483532005"/>
+        <p14:creationId xmlns:p14="http://schemas.microsoft.com/office/powerpoint/2010/main" val="1483532005"/>
       </p:ext>
     </p:extLst>
   </p:cSld>
@@ -4198,7 +5244,7 @@
           <p:cNvPr id="2" name="Title 1">
             <a:extLst>
               <a:ext uri="{FF2B5EF4-FFF2-40B4-BE49-F238E27FC236}">
-                <a16:creationId xmlns:a16="http://schemas.microsoft.com/office/drawing/2014/main" xmlns="" id="{88CE4BD8-507D-48E4-A624-F16A741C3609}"/>
+                <a16:creationId xmlns:a16="http://schemas.microsoft.com/office/drawing/2014/main" id="{88CE4BD8-507D-48E4-A624-F16A741C3609}"/>
               </a:ext>
             </a:extLst>
           </p:cNvPr>
@@ -4232,7 +5278,7 @@
           <p:cNvPr id="3" name="Content Placeholder 2">
             <a:extLst>
               <a:ext uri="{FF2B5EF4-FFF2-40B4-BE49-F238E27FC236}">
-                <a16:creationId xmlns:a16="http://schemas.microsoft.com/office/drawing/2014/main" xmlns="" id="{810A07E4-3A39-457C-A059-7DFB6039D947}"/>
+                <a16:creationId xmlns:a16="http://schemas.microsoft.com/office/drawing/2014/main" id="{810A07E4-3A39-457C-A059-7DFB6039D947}"/>
               </a:ext>
             </a:extLst>
           </p:cNvPr>
@@ -4295,7 +5341,7 @@
           <p:cNvPr id="4" name="Content Placeholder 3">
             <a:extLst>
               <a:ext uri="{FF2B5EF4-FFF2-40B4-BE49-F238E27FC236}">
-                <a16:creationId xmlns:a16="http://schemas.microsoft.com/office/drawing/2014/main" xmlns="" id="{7B141E17-47CE-4A78-B0FA-0E9786DA67C5}"/>
+                <a16:creationId xmlns:a16="http://schemas.microsoft.com/office/drawing/2014/main" id="{7B141E17-47CE-4A78-B0FA-0E9786DA67C5}"/>
               </a:ext>
             </a:extLst>
           </p:cNvPr>
@@ -4358,7 +5404,7 @@
           <p:cNvPr id="5" name="Date Placeholder 4">
             <a:extLst>
               <a:ext uri="{FF2B5EF4-FFF2-40B4-BE49-F238E27FC236}">
-                <a16:creationId xmlns:a16="http://schemas.microsoft.com/office/drawing/2014/main" xmlns="" id="{89F02C13-D3ED-4044-9716-F29D79A184C9}"/>
+                <a16:creationId xmlns:a16="http://schemas.microsoft.com/office/drawing/2014/main" id="{89F02C13-D3ED-4044-9716-F29D79A184C9}"/>
               </a:ext>
             </a:extLst>
           </p:cNvPr>
@@ -4377,7 +5423,7 @@
             <a:fld id="{18462B0B-D248-4FFB-8695-AD7FA4B1284A}" type="datetime1">
               <a:rPr lang="en-US" smtClean="0"/>
               <a:pPr/>
-              <a:t>5/12/2025</a:t>
+              <a:t>5/14/2025</a:t>
             </a:fld>
             <a:endParaRPr lang="en-US"/>
           </a:p>
@@ -4388,7 +5434,7 @@
           <p:cNvPr id="6" name="Footer Placeholder 5">
             <a:extLst>
               <a:ext uri="{FF2B5EF4-FFF2-40B4-BE49-F238E27FC236}">
-                <a16:creationId xmlns:a16="http://schemas.microsoft.com/office/drawing/2014/main" xmlns="" id="{8AF334AD-FB29-4355-B5CF-85E61B4F3409}"/>
+                <a16:creationId xmlns:a16="http://schemas.microsoft.com/office/drawing/2014/main" id="{8AF334AD-FB29-4355-B5CF-85E61B4F3409}"/>
               </a:ext>
             </a:extLst>
           </p:cNvPr>
@@ -4413,7 +5459,7 @@
           <p:cNvPr id="7" name="Slide Number Placeholder 6">
             <a:extLst>
               <a:ext uri="{FF2B5EF4-FFF2-40B4-BE49-F238E27FC236}">
-                <a16:creationId xmlns:a16="http://schemas.microsoft.com/office/drawing/2014/main" xmlns="" id="{BA5AA154-790C-4774-9C21-8C543E733F26}"/>
+                <a16:creationId xmlns:a16="http://schemas.microsoft.com/office/drawing/2014/main" id="{BA5AA154-790C-4774-9C21-8C543E733F26}"/>
               </a:ext>
             </a:extLst>
           </p:cNvPr>
@@ -4441,7 +5487,7 @@
     </p:spTree>
     <p:extLst>
       <p:ext uri="{BB962C8B-B14F-4D97-AF65-F5344CB8AC3E}">
-        <p14:creationId xmlns:p14="http://schemas.microsoft.com/office/powerpoint/2010/main" xmlns="" val="1157323178"/>
+        <p14:creationId xmlns:p14="http://schemas.microsoft.com/office/powerpoint/2010/main" val="1157323178"/>
       </p:ext>
     </p:extLst>
   </p:cSld>
@@ -4473,7 +5519,7 @@
           <p:cNvPr id="2" name="Title 1">
             <a:extLst>
               <a:ext uri="{FF2B5EF4-FFF2-40B4-BE49-F238E27FC236}">
-                <a16:creationId xmlns:a16="http://schemas.microsoft.com/office/drawing/2014/main" xmlns="" id="{9E07DD35-7673-4F88-86B0-634883B5E345}"/>
+                <a16:creationId xmlns:a16="http://schemas.microsoft.com/office/drawing/2014/main" id="{9E07DD35-7673-4F88-86B0-634883B5E345}"/>
               </a:ext>
             </a:extLst>
           </p:cNvPr>
@@ -4507,7 +5553,7 @@
           <p:cNvPr id="3" name="Text Placeholder 2">
             <a:extLst>
               <a:ext uri="{FF2B5EF4-FFF2-40B4-BE49-F238E27FC236}">
-                <a16:creationId xmlns:a16="http://schemas.microsoft.com/office/drawing/2014/main" xmlns="" id="{5EC820D7-3E0B-47C6-A583-C4C839C5AF03}"/>
+                <a16:creationId xmlns:a16="http://schemas.microsoft.com/office/drawing/2014/main" id="{5EC820D7-3E0B-47C6-A583-C4C839C5AF03}"/>
               </a:ext>
             </a:extLst>
           </p:cNvPr>
@@ -4582,7 +5628,7 @@
           <p:cNvPr id="4" name="Content Placeholder 3">
             <a:extLst>
               <a:ext uri="{FF2B5EF4-FFF2-40B4-BE49-F238E27FC236}">
-                <a16:creationId xmlns:a16="http://schemas.microsoft.com/office/drawing/2014/main" xmlns="" id="{6A839A7B-97D5-400F-B802-A0FF28FE9F15}"/>
+                <a16:creationId xmlns:a16="http://schemas.microsoft.com/office/drawing/2014/main" id="{6A839A7B-97D5-400F-B802-A0FF28FE9F15}"/>
               </a:ext>
             </a:extLst>
           </p:cNvPr>
@@ -4645,7 +5691,7 @@
           <p:cNvPr id="5" name="Text Placeholder 4">
             <a:extLst>
               <a:ext uri="{FF2B5EF4-FFF2-40B4-BE49-F238E27FC236}">
-                <a16:creationId xmlns:a16="http://schemas.microsoft.com/office/drawing/2014/main" xmlns="" id="{C2E0ECA2-DBF1-4681-9DFA-93AFD1B371DB}"/>
+                <a16:creationId xmlns:a16="http://schemas.microsoft.com/office/drawing/2014/main" id="{C2E0ECA2-DBF1-4681-9DFA-93AFD1B371DB}"/>
               </a:ext>
             </a:extLst>
           </p:cNvPr>
@@ -4720,7 +5766,7 @@
           <p:cNvPr id="6" name="Content Placeholder 5">
             <a:extLst>
               <a:ext uri="{FF2B5EF4-FFF2-40B4-BE49-F238E27FC236}">
-                <a16:creationId xmlns:a16="http://schemas.microsoft.com/office/drawing/2014/main" xmlns="" id="{390EBBBB-517F-4ED7-9E51-CF0F7590B4D4}"/>
+                <a16:creationId xmlns:a16="http://schemas.microsoft.com/office/drawing/2014/main" id="{390EBBBB-517F-4ED7-9E51-CF0F7590B4D4}"/>
               </a:ext>
             </a:extLst>
           </p:cNvPr>
@@ -4783,7 +5829,7 @@
           <p:cNvPr id="7" name="Date Placeholder 6">
             <a:extLst>
               <a:ext uri="{FF2B5EF4-FFF2-40B4-BE49-F238E27FC236}">
-                <a16:creationId xmlns:a16="http://schemas.microsoft.com/office/drawing/2014/main" xmlns="" id="{2511B5C7-1E37-478F-B4B0-C7202FFE41B9}"/>
+                <a16:creationId xmlns:a16="http://schemas.microsoft.com/office/drawing/2014/main" id="{2511B5C7-1E37-478F-B4B0-C7202FFE41B9}"/>
               </a:ext>
             </a:extLst>
           </p:cNvPr>
@@ -4802,7 +5848,7 @@
             <a:fld id="{D0378EFB-9159-4510-B73F-4F0409ADE937}" type="datetime1">
               <a:rPr lang="en-US" smtClean="0"/>
               <a:pPr/>
-              <a:t>5/12/2025</a:t>
+              <a:t>5/14/2025</a:t>
             </a:fld>
             <a:endParaRPr lang="en-US"/>
           </a:p>
@@ -4813,7 +5859,7 @@
           <p:cNvPr id="8" name="Footer Placeholder 7">
             <a:extLst>
               <a:ext uri="{FF2B5EF4-FFF2-40B4-BE49-F238E27FC236}">
-                <a16:creationId xmlns:a16="http://schemas.microsoft.com/office/drawing/2014/main" xmlns="" id="{9153F7EF-507C-4CB3-86C5-8B34FFFC1D86}"/>
+                <a16:creationId xmlns:a16="http://schemas.microsoft.com/office/drawing/2014/main" id="{9153F7EF-507C-4CB3-86C5-8B34FFFC1D86}"/>
               </a:ext>
             </a:extLst>
           </p:cNvPr>
@@ -4838,7 +5884,7 @@
           <p:cNvPr id="9" name="Slide Number Placeholder 8">
             <a:extLst>
               <a:ext uri="{FF2B5EF4-FFF2-40B4-BE49-F238E27FC236}">
-                <a16:creationId xmlns:a16="http://schemas.microsoft.com/office/drawing/2014/main" xmlns="" id="{58E3DEA6-E4EB-4C2A-8B4F-55EC965B6219}"/>
+                <a16:creationId xmlns:a16="http://schemas.microsoft.com/office/drawing/2014/main" id="{58E3DEA6-E4EB-4C2A-8B4F-55EC965B6219}"/>
               </a:ext>
             </a:extLst>
           </p:cNvPr>
@@ -4866,7 +5912,7 @@
     </p:spTree>
     <p:extLst>
       <p:ext uri="{BB962C8B-B14F-4D97-AF65-F5344CB8AC3E}">
-        <p14:creationId xmlns:p14="http://schemas.microsoft.com/office/powerpoint/2010/main" xmlns="" val="120580620"/>
+        <p14:creationId xmlns:p14="http://schemas.microsoft.com/office/powerpoint/2010/main" val="120580620"/>
       </p:ext>
     </p:extLst>
   </p:cSld>
@@ -4898,7 +5944,7 @@
           <p:cNvPr id="2" name="Title 1">
             <a:extLst>
               <a:ext uri="{FF2B5EF4-FFF2-40B4-BE49-F238E27FC236}">
-                <a16:creationId xmlns:a16="http://schemas.microsoft.com/office/drawing/2014/main" xmlns="" id="{38032964-A933-4B98-A141-A4B316DAFA9F}"/>
+                <a16:creationId xmlns:a16="http://schemas.microsoft.com/office/drawing/2014/main" id="{38032964-A933-4B98-A141-A4B316DAFA9F}"/>
               </a:ext>
             </a:extLst>
           </p:cNvPr>
@@ -4927,7 +5973,7 @@
           <p:cNvPr id="3" name="Date Placeholder 2">
             <a:extLst>
               <a:ext uri="{FF2B5EF4-FFF2-40B4-BE49-F238E27FC236}">
-                <a16:creationId xmlns:a16="http://schemas.microsoft.com/office/drawing/2014/main" xmlns="" id="{5D684C9D-23DA-42B0-9DD3-7592F72E8DC9}"/>
+                <a16:creationId xmlns:a16="http://schemas.microsoft.com/office/drawing/2014/main" id="{5D684C9D-23DA-42B0-9DD3-7592F72E8DC9}"/>
               </a:ext>
             </a:extLst>
           </p:cNvPr>
@@ -4946,7 +5992,7 @@
             <a:fld id="{89BC9412-2452-4BED-A324-9D8C115361AD}" type="datetime1">
               <a:rPr lang="en-US" smtClean="0"/>
               <a:pPr/>
-              <a:t>5/12/2025</a:t>
+              <a:t>5/14/2025</a:t>
             </a:fld>
             <a:endParaRPr lang="en-US"/>
           </a:p>
@@ -4957,7 +6003,7 @@
           <p:cNvPr id="4" name="Footer Placeholder 3">
             <a:extLst>
               <a:ext uri="{FF2B5EF4-FFF2-40B4-BE49-F238E27FC236}">
-                <a16:creationId xmlns:a16="http://schemas.microsoft.com/office/drawing/2014/main" xmlns="" id="{68BF8F05-876F-49D8-AE30-5BB2A91ECD59}"/>
+                <a16:creationId xmlns:a16="http://schemas.microsoft.com/office/drawing/2014/main" id="{68BF8F05-876F-49D8-AE30-5BB2A91ECD59}"/>
               </a:ext>
             </a:extLst>
           </p:cNvPr>
@@ -4982,7 +6028,7 @@
           <p:cNvPr id="5" name="Slide Number Placeholder 4">
             <a:extLst>
               <a:ext uri="{FF2B5EF4-FFF2-40B4-BE49-F238E27FC236}">
-                <a16:creationId xmlns:a16="http://schemas.microsoft.com/office/drawing/2014/main" xmlns="" id="{153D20DA-9260-4577-BB51-789570A243AF}"/>
+                <a16:creationId xmlns:a16="http://schemas.microsoft.com/office/drawing/2014/main" id="{153D20DA-9260-4577-BB51-789570A243AF}"/>
               </a:ext>
             </a:extLst>
           </p:cNvPr>
@@ -5010,7 +6056,7 @@
     </p:spTree>
     <p:extLst>
       <p:ext uri="{BB962C8B-B14F-4D97-AF65-F5344CB8AC3E}">
-        <p14:creationId xmlns:p14="http://schemas.microsoft.com/office/powerpoint/2010/main" xmlns="" val="2634034608"/>
+        <p14:creationId xmlns:p14="http://schemas.microsoft.com/office/powerpoint/2010/main" val="2634034608"/>
       </p:ext>
     </p:extLst>
   </p:cSld>
@@ -5042,7 +6088,7 @@
           <p:cNvPr id="2" name="Date Placeholder 1">
             <a:extLst>
               <a:ext uri="{FF2B5EF4-FFF2-40B4-BE49-F238E27FC236}">
-                <a16:creationId xmlns:a16="http://schemas.microsoft.com/office/drawing/2014/main" xmlns="" id="{AD2C1F24-E0A1-45A7-8EF5-92CD9799341C}"/>
+                <a16:creationId xmlns:a16="http://schemas.microsoft.com/office/drawing/2014/main" id="{AD2C1F24-E0A1-45A7-8EF5-92CD9799341C}"/>
               </a:ext>
             </a:extLst>
           </p:cNvPr>
@@ -5061,7 +6107,7 @@
             <a:fld id="{F5318F62-D251-40E8-A23C-F4CFE9FEAB41}" type="datetime1">
               <a:rPr lang="en-US" smtClean="0"/>
               <a:pPr/>
-              <a:t>5/12/2025</a:t>
+              <a:t>5/14/2025</a:t>
             </a:fld>
             <a:endParaRPr lang="en-US"/>
           </a:p>
@@ -5072,7 +6118,7 @@
           <p:cNvPr id="3" name="Footer Placeholder 2">
             <a:extLst>
               <a:ext uri="{FF2B5EF4-FFF2-40B4-BE49-F238E27FC236}">
-                <a16:creationId xmlns:a16="http://schemas.microsoft.com/office/drawing/2014/main" xmlns="" id="{3E021C19-210E-46B0-9036-5D8AECC9260C}"/>
+                <a16:creationId xmlns:a16="http://schemas.microsoft.com/office/drawing/2014/main" id="{3E021C19-210E-46B0-9036-5D8AECC9260C}"/>
               </a:ext>
             </a:extLst>
           </p:cNvPr>
@@ -5097,7 +6143,7 @@
           <p:cNvPr id="4" name="Slide Number Placeholder 3">
             <a:extLst>
               <a:ext uri="{FF2B5EF4-FFF2-40B4-BE49-F238E27FC236}">
-                <a16:creationId xmlns:a16="http://schemas.microsoft.com/office/drawing/2014/main" xmlns="" id="{1A880FEF-487E-44DF-8615-DF2210419602}"/>
+                <a16:creationId xmlns:a16="http://schemas.microsoft.com/office/drawing/2014/main" id="{1A880FEF-487E-44DF-8615-DF2210419602}"/>
               </a:ext>
             </a:extLst>
           </p:cNvPr>
@@ -5125,7 +6171,7 @@
     </p:spTree>
     <p:extLst>
       <p:ext uri="{BB962C8B-B14F-4D97-AF65-F5344CB8AC3E}">
-        <p14:creationId xmlns:p14="http://schemas.microsoft.com/office/powerpoint/2010/main" xmlns="" val="1737747612"/>
+        <p14:creationId xmlns:p14="http://schemas.microsoft.com/office/powerpoint/2010/main" val="1737747612"/>
       </p:ext>
     </p:extLst>
   </p:cSld>
@@ -5157,7 +6203,7 @@
           <p:cNvPr id="2" name="Title 1">
             <a:extLst>
               <a:ext uri="{FF2B5EF4-FFF2-40B4-BE49-F238E27FC236}">
-                <a16:creationId xmlns:a16="http://schemas.microsoft.com/office/drawing/2014/main" xmlns="" id="{11A568EE-74C8-43A6-90BC-2DDD965CF64A}"/>
+                <a16:creationId xmlns:a16="http://schemas.microsoft.com/office/drawing/2014/main" id="{11A568EE-74C8-43A6-90BC-2DDD965CF64A}"/>
               </a:ext>
             </a:extLst>
           </p:cNvPr>
@@ -5195,7 +6241,7 @@
           <p:cNvPr id="3" name="Content Placeholder 2">
             <a:extLst>
               <a:ext uri="{FF2B5EF4-FFF2-40B4-BE49-F238E27FC236}">
-                <a16:creationId xmlns:a16="http://schemas.microsoft.com/office/drawing/2014/main" xmlns="" id="{971C35AC-CAE3-48CF-A3E4-A075C9FDD71B}"/>
+                <a16:creationId xmlns:a16="http://schemas.microsoft.com/office/drawing/2014/main" id="{971C35AC-CAE3-48CF-A3E4-A075C9FDD71B}"/>
               </a:ext>
             </a:extLst>
           </p:cNvPr>
@@ -5286,7 +6332,7 @@
           <p:cNvPr id="4" name="Text Placeholder 3">
             <a:extLst>
               <a:ext uri="{FF2B5EF4-FFF2-40B4-BE49-F238E27FC236}">
-                <a16:creationId xmlns:a16="http://schemas.microsoft.com/office/drawing/2014/main" xmlns="" id="{2D9D03EA-5FAD-4609-A2B8-624E426847E3}"/>
+                <a16:creationId xmlns:a16="http://schemas.microsoft.com/office/drawing/2014/main" id="{2D9D03EA-5FAD-4609-A2B8-624E426847E3}"/>
               </a:ext>
             </a:extLst>
           </p:cNvPr>
@@ -5357,7 +6403,7 @@
           <p:cNvPr id="5" name="Date Placeholder 4">
             <a:extLst>
               <a:ext uri="{FF2B5EF4-FFF2-40B4-BE49-F238E27FC236}">
-                <a16:creationId xmlns:a16="http://schemas.microsoft.com/office/drawing/2014/main" xmlns="" id="{0B58D2EA-2191-4216-B64D-067BDFE12375}"/>
+                <a16:creationId xmlns:a16="http://schemas.microsoft.com/office/drawing/2014/main" id="{0B58D2EA-2191-4216-B64D-067BDFE12375}"/>
               </a:ext>
             </a:extLst>
           </p:cNvPr>
@@ -5376,7 +6422,7 @@
             <a:fld id="{44F76144-149E-4874-93A5-554A0357CF82}" type="datetime1">
               <a:rPr lang="en-US" smtClean="0"/>
               <a:pPr/>
-              <a:t>5/12/2025</a:t>
+              <a:t>5/14/2025</a:t>
             </a:fld>
             <a:endParaRPr lang="en-US"/>
           </a:p>
@@ -5387,7 +6433,7 @@
           <p:cNvPr id="6" name="Footer Placeholder 5">
             <a:extLst>
               <a:ext uri="{FF2B5EF4-FFF2-40B4-BE49-F238E27FC236}">
-                <a16:creationId xmlns:a16="http://schemas.microsoft.com/office/drawing/2014/main" xmlns="" id="{78042128-DAB4-481C-BEE6-3523E8E88BAD}"/>
+                <a16:creationId xmlns:a16="http://schemas.microsoft.com/office/drawing/2014/main" id="{78042128-DAB4-481C-BEE6-3523E8E88BAD}"/>
               </a:ext>
             </a:extLst>
           </p:cNvPr>
@@ -5412,7 +6458,7 @@
           <p:cNvPr id="7" name="Slide Number Placeholder 6">
             <a:extLst>
               <a:ext uri="{FF2B5EF4-FFF2-40B4-BE49-F238E27FC236}">
-                <a16:creationId xmlns:a16="http://schemas.microsoft.com/office/drawing/2014/main" xmlns="" id="{AE50E382-C500-4A4C-A7C6-43860383AB91}"/>
+                <a16:creationId xmlns:a16="http://schemas.microsoft.com/office/drawing/2014/main" id="{AE50E382-C500-4A4C-A7C6-43860383AB91}"/>
               </a:ext>
             </a:extLst>
           </p:cNvPr>
@@ -5440,7 +6486,7 @@
     </p:spTree>
     <p:extLst>
       <p:ext uri="{BB962C8B-B14F-4D97-AF65-F5344CB8AC3E}">
-        <p14:creationId xmlns:p14="http://schemas.microsoft.com/office/powerpoint/2010/main" xmlns="" val="467855163"/>
+        <p14:creationId xmlns:p14="http://schemas.microsoft.com/office/powerpoint/2010/main" val="467855163"/>
       </p:ext>
     </p:extLst>
   </p:cSld>
@@ -5472,7 +6518,7 @@
           <p:cNvPr id="2" name="Title 1">
             <a:extLst>
               <a:ext uri="{FF2B5EF4-FFF2-40B4-BE49-F238E27FC236}">
-                <a16:creationId xmlns:a16="http://schemas.microsoft.com/office/drawing/2014/main" xmlns="" id="{139FE98B-EACF-4251-A8AF-0D9EDD17C664}"/>
+                <a16:creationId xmlns:a16="http://schemas.microsoft.com/office/drawing/2014/main" id="{139FE98B-EACF-4251-A8AF-0D9EDD17C664}"/>
               </a:ext>
             </a:extLst>
           </p:cNvPr>
@@ -5510,7 +6556,7 @@
           <p:cNvPr id="3" name="Picture Placeholder 2">
             <a:extLst>
               <a:ext uri="{FF2B5EF4-FFF2-40B4-BE49-F238E27FC236}">
-                <a16:creationId xmlns:a16="http://schemas.microsoft.com/office/drawing/2014/main" xmlns="" id="{3905F473-761A-4002-AF70-9FF878D0139E}"/>
+                <a16:creationId xmlns:a16="http://schemas.microsoft.com/office/drawing/2014/main" id="{3905F473-761A-4002-AF70-9FF878D0139E}"/>
               </a:ext>
             </a:extLst>
           </p:cNvPr>
@@ -5581,7 +6627,7 @@
           <p:cNvPr id="4" name="Text Placeholder 3">
             <a:extLst>
               <a:ext uri="{FF2B5EF4-FFF2-40B4-BE49-F238E27FC236}">
-                <a16:creationId xmlns:a16="http://schemas.microsoft.com/office/drawing/2014/main" xmlns="" id="{FA0C2E6A-F834-4540-BB00-E13CB45DC362}"/>
+                <a16:creationId xmlns:a16="http://schemas.microsoft.com/office/drawing/2014/main" id="{FA0C2E6A-F834-4540-BB00-E13CB45DC362}"/>
               </a:ext>
             </a:extLst>
           </p:cNvPr>
@@ -5652,7 +6698,7 @@
           <p:cNvPr id="5" name="Date Placeholder 4">
             <a:extLst>
               <a:ext uri="{FF2B5EF4-FFF2-40B4-BE49-F238E27FC236}">
-                <a16:creationId xmlns:a16="http://schemas.microsoft.com/office/drawing/2014/main" xmlns="" id="{F0C38EAB-AD63-415C-B263-BA1D8FBE3CB0}"/>
+                <a16:creationId xmlns:a16="http://schemas.microsoft.com/office/drawing/2014/main" id="{F0C38EAB-AD63-415C-B263-BA1D8FBE3CB0}"/>
               </a:ext>
             </a:extLst>
           </p:cNvPr>
@@ -5671,7 +6717,7 @@
             <a:fld id="{50BA65D8-0540-4835-AE5C-25D29DBA01BE}" type="datetime1">
               <a:rPr lang="en-US" smtClean="0"/>
               <a:pPr/>
-              <a:t>5/12/2025</a:t>
+              <a:t>5/14/2025</a:t>
             </a:fld>
             <a:endParaRPr lang="en-US"/>
           </a:p>
@@ -5682,7 +6728,7 @@
           <p:cNvPr id="6" name="Footer Placeholder 5">
             <a:extLst>
               <a:ext uri="{FF2B5EF4-FFF2-40B4-BE49-F238E27FC236}">
-                <a16:creationId xmlns:a16="http://schemas.microsoft.com/office/drawing/2014/main" xmlns="" id="{422E5541-B6DE-45E8-BCFE-0DFC4F574079}"/>
+                <a16:creationId xmlns:a16="http://schemas.microsoft.com/office/drawing/2014/main" id="{422E5541-B6DE-45E8-BCFE-0DFC4F574079}"/>
               </a:ext>
             </a:extLst>
           </p:cNvPr>
@@ -5707,7 +6753,7 @@
           <p:cNvPr id="7" name="Slide Number Placeholder 6">
             <a:extLst>
               <a:ext uri="{FF2B5EF4-FFF2-40B4-BE49-F238E27FC236}">
-                <a16:creationId xmlns:a16="http://schemas.microsoft.com/office/drawing/2014/main" xmlns="" id="{DBB78D45-289B-46AF-8CB9-E6150BEA17ED}"/>
+                <a16:creationId xmlns:a16="http://schemas.microsoft.com/office/drawing/2014/main" id="{DBB78D45-289B-46AF-8CB9-E6150BEA17ED}"/>
               </a:ext>
             </a:extLst>
           </p:cNvPr>
@@ -5735,7 +6781,7 @@
     </p:spTree>
     <p:extLst>
       <p:ext uri="{BB962C8B-B14F-4D97-AF65-F5344CB8AC3E}">
-        <p14:creationId xmlns:p14="http://schemas.microsoft.com/office/powerpoint/2010/main" xmlns="" val="1101469472"/>
+        <p14:creationId xmlns:p14="http://schemas.microsoft.com/office/powerpoint/2010/main" val="1101469472"/>
       </p:ext>
     </p:extLst>
   </p:cSld>
@@ -5772,7 +6818,7 @@
           <p:cNvPr id="2" name="Title Placeholder 1">
             <a:extLst>
               <a:ext uri="{FF2B5EF4-FFF2-40B4-BE49-F238E27FC236}">
-                <a16:creationId xmlns:a16="http://schemas.microsoft.com/office/drawing/2014/main" xmlns="" id="{47A362AC-B59F-4AC7-B279-57DDD5336BCA}"/>
+                <a16:creationId xmlns:a16="http://schemas.microsoft.com/office/drawing/2014/main" id="{47A362AC-B59F-4AC7-B279-57DDD5336BCA}"/>
               </a:ext>
             </a:extLst>
           </p:cNvPr>
@@ -5809,7 +6855,7 @@
           <p:cNvPr id="3" name="Text Placeholder 2">
             <a:extLst>
               <a:ext uri="{FF2B5EF4-FFF2-40B4-BE49-F238E27FC236}">
-                <a16:creationId xmlns:a16="http://schemas.microsoft.com/office/drawing/2014/main" xmlns="" id="{0E6042DB-75BD-4EC1-B6D9-8A72EF940CAA}"/>
+                <a16:creationId xmlns:a16="http://schemas.microsoft.com/office/drawing/2014/main" id="{0E6042DB-75BD-4EC1-B6D9-8A72EF940CAA}"/>
               </a:ext>
             </a:extLst>
           </p:cNvPr>
@@ -5875,7 +6921,7 @@
           <p:cNvPr id="4" name="Date Placeholder 3">
             <a:extLst>
               <a:ext uri="{FF2B5EF4-FFF2-40B4-BE49-F238E27FC236}">
-                <a16:creationId xmlns:a16="http://schemas.microsoft.com/office/drawing/2014/main" xmlns="" id="{21DD1378-7C96-4079-B44C-3D86B4657596}"/>
+                <a16:creationId xmlns:a16="http://schemas.microsoft.com/office/drawing/2014/main" id="{21DD1378-7C96-4079-B44C-3D86B4657596}"/>
               </a:ext>
             </a:extLst>
           </p:cNvPr>
@@ -5911,7 +6957,7 @@
             <a:fld id="{E31BA835-12AC-4E8F-955A-EA3F4DE2791F}" type="datetime1">
               <a:rPr lang="en-US" smtClean="0"/>
               <a:pPr/>
-              <a:t>5/12/2025</a:t>
+              <a:t>5/14/2025</a:t>
             </a:fld>
             <a:endParaRPr lang="en-US"/>
           </a:p>
@@ -5922,7 +6968,7 @@
           <p:cNvPr id="5" name="Footer Placeholder 4">
             <a:extLst>
               <a:ext uri="{FF2B5EF4-FFF2-40B4-BE49-F238E27FC236}">
-                <a16:creationId xmlns:a16="http://schemas.microsoft.com/office/drawing/2014/main" xmlns="" id="{D19B6B78-577F-43F5-BAEE-BF72484C9850}"/>
+                <a16:creationId xmlns:a16="http://schemas.microsoft.com/office/drawing/2014/main" id="{D19B6B78-577F-43F5-BAEE-BF72484C9850}"/>
               </a:ext>
             </a:extLst>
           </p:cNvPr>
@@ -5964,7 +7010,7 @@
           <p:cNvPr id="6" name="Slide Number Placeholder 5">
             <a:extLst>
               <a:ext uri="{FF2B5EF4-FFF2-40B4-BE49-F238E27FC236}">
-                <a16:creationId xmlns:a16="http://schemas.microsoft.com/office/drawing/2014/main" xmlns="" id="{A8CC75B8-AF8F-4D8A-9B3D-D1951A64BADB}"/>
+                <a16:creationId xmlns:a16="http://schemas.microsoft.com/office/drawing/2014/main" id="{A8CC75B8-AF8F-4D8A-9B3D-D1951A64BADB}"/>
               </a:ext>
             </a:extLst>
           </p:cNvPr>
@@ -6010,7 +7056,7 @@
           <p:cNvPr id="7" name="Straight Connector 6">
             <a:extLst>
               <a:ext uri="{FF2B5EF4-FFF2-40B4-BE49-F238E27FC236}">
-                <a16:creationId xmlns:a16="http://schemas.microsoft.com/office/drawing/2014/main" xmlns="" id="{F64F9B95-9045-48D2-B9F3-2927E98F54AA}"/>
+                <a16:creationId xmlns:a16="http://schemas.microsoft.com/office/drawing/2014/main" id="{F64F9B95-9045-48D2-B9F3-2927E98F54AA}"/>
               </a:ext>
             </a:extLst>
           </p:cNvPr>
@@ -6053,7 +7099,7 @@
           <p:cNvPr id="8" name="Straight Connector 7">
             <a:extLst>
               <a:ext uri="{FF2B5EF4-FFF2-40B4-BE49-F238E27FC236}">
-                <a16:creationId xmlns:a16="http://schemas.microsoft.com/office/drawing/2014/main" xmlns="" id="{085AA86F-6A4D-4BCB-A045-D992CDC2959B}"/>
+                <a16:creationId xmlns:a16="http://schemas.microsoft.com/office/drawing/2014/main" id="{085AA86F-6A4D-4BCB-A045-D992CDC2959B}"/>
               </a:ext>
             </a:extLst>
           </p:cNvPr>
@@ -6094,7 +7140,7 @@
     </p:spTree>
     <p:extLst>
       <p:ext uri="{BB962C8B-B14F-4D97-AF65-F5344CB8AC3E}">
-        <p14:creationId xmlns:p14="http://schemas.microsoft.com/office/powerpoint/2010/main" xmlns="" val="2267475025"/>
+        <p14:creationId xmlns:p14="http://schemas.microsoft.com/office/powerpoint/2010/main" val="2267475025"/>
       </p:ext>
     </p:extLst>
   </p:cSld>
@@ -6426,10 +7472,10 @@
           <p:cNvPr id="24" name="Rectangle 17">
             <a:extLst>
               <a:ext uri="{FF2B5EF4-FFF2-40B4-BE49-F238E27FC236}">
-                <a16:creationId xmlns:a16="http://schemas.microsoft.com/office/drawing/2014/main" xmlns="" id="{33E93247-6229-44AB-A550-739E971E690B}"/>
+                <a16:creationId xmlns:a16="http://schemas.microsoft.com/office/drawing/2014/main" id="{33E93247-6229-44AB-A550-739E971E690B}"/>
               </a:ext>
               <a:ext uri="{C183D7F6-B498-43B3-948B-1728B52AA6E4}">
-                <adec:decorative xmlns:adec="http://schemas.microsoft.com/office/drawing/2017/decorative" xmlns="" val="1"/>
+                <adec:decorative xmlns:adec="http://schemas.microsoft.com/office/drawing/2017/decorative" val="1"/>
               </a:ext>
             </a:extLst>
           </p:cNvPr>
@@ -6439,7 +7485,7 @@
           <p:nvPr>
             <p:extLst>
               <p:ext uri="{386F3935-93C4-4BCD-93E2-E3B085C9AB24}">
-                <p16:designElem xmlns:p16="http://schemas.microsoft.com/office/powerpoint/2015/main" xmlns="" val="1"/>
+                <p16:designElem xmlns:p16="http://schemas.microsoft.com/office/powerpoint/2015/main" val="1"/>
               </p:ext>
             </p:extLst>
           </p:nvPr>
@@ -6460,7 +7506,7 @@
           <a:effectLst/>
           <a:extLst>
             <a:ext uri="{91240B29-F687-4F45-9708-019B960494DF}">
-              <a14:hiddenLine xmlns:a14="http://schemas.microsoft.com/office/drawing/2010/main" xmlns="" w="12700" cap="flat" cmpd="sng" algn="ctr">
+              <a14:hiddenLine xmlns:a14="http://schemas.microsoft.com/office/drawing/2010/main" w="12700" cap="flat" cmpd="sng" algn="ctr">
                 <a:solidFill>
                   <a:schemeClr val="accent1">
                     <a:shade val="50000"/>
@@ -6502,7 +7548,7 @@
           <p:cNvPr id="2" name="제목 1">
             <a:extLst>
               <a:ext uri="{FF2B5EF4-FFF2-40B4-BE49-F238E27FC236}">
-                <a16:creationId xmlns:a16="http://schemas.microsoft.com/office/drawing/2014/main" xmlns="" id="{1863CB08-FA08-39A1-41BE-E566E0E62490}"/>
+                <a16:creationId xmlns:a16="http://schemas.microsoft.com/office/drawing/2014/main" id="{1863CB08-FA08-39A1-41BE-E566E0E62490}"/>
               </a:ext>
             </a:extLst>
           </p:cNvPr>
@@ -6516,7 +7562,7 @@
         <p:spPr>
           <a:xfrm>
             <a:off x="703400" y="871759"/>
-            <a:ext cx="5867401" cy="1732543"/>
+            <a:ext cx="6011436" cy="1732543"/>
           </a:xfrm>
         </p:spPr>
         <p:txBody>
@@ -6530,20 +7576,16 @@
               <a:t>“</a:t>
             </a:r>
             <a:r>
-              <a:rPr lang="ko-KR" altLang="en-US" b="1" dirty="0" err="1" smtClean="0"/>
+              <a:rPr lang="ko-KR" altLang="en-US" b="1" dirty="0" err="1"/>
               <a:t>꾸버</a:t>
             </a:r>
             <a:r>
-              <a:rPr lang="en-US" altLang="ko-KR" b="1" dirty="0" smtClean="0"/>
+              <a:rPr lang="en-US" altLang="ko-KR" b="1" dirty="0"/>
               <a:t>”- </a:t>
             </a:r>
             <a:r>
-              <a:rPr lang="ko-KR" altLang="en-US" sz="3300" b="1" dirty="0" smtClean="0"/>
+              <a:rPr lang="ko-KR" altLang="en-US" sz="3300" b="1" dirty="0"/>
               <a:t>꾸준히 버티기</a:t>
-            </a:r>
-            <a:r>
-              <a:rPr lang="en-US" altLang="ko-KR" b="1" dirty="0"/>
-              <a:t/>
             </a:r>
             <a:br>
               <a:rPr lang="en-US" altLang="ko-KR" b="1" dirty="0"/>
@@ -6558,11 +7600,7 @@
             </a:r>
             <a:r>
               <a:rPr lang="ko-KR" altLang="en-US" sz="4000" b="1" dirty="0"/>
-              <a:t>자기계발 앱</a:t>
-            </a:r>
-            <a:r>
-              <a:rPr lang="ko-KR" altLang="en-US" b="1" dirty="0"/>
-              <a:t/>
+              <a:t>자기계발 기록 앱</a:t>
             </a:r>
             <a:br>
               <a:rPr lang="ko-KR" altLang="en-US" b="1" dirty="0"/>
@@ -6576,7 +7614,7 @@
           <p:cNvPr id="3" name="부제목 2">
             <a:extLst>
               <a:ext uri="{FF2B5EF4-FFF2-40B4-BE49-F238E27FC236}">
-                <a16:creationId xmlns:a16="http://schemas.microsoft.com/office/drawing/2014/main" xmlns="" id="{930A46C2-E2AF-F3E5-7B1C-455A1FE356A7}"/>
+                <a16:creationId xmlns:a16="http://schemas.microsoft.com/office/drawing/2014/main" id="{930A46C2-E2AF-F3E5-7B1C-455A1FE356A7}"/>
               </a:ext>
             </a:extLst>
           </p:cNvPr>
@@ -6609,16 +7647,12 @@
               <a:t>‘</a:t>
             </a:r>
             <a:r>
-              <a:rPr lang="ko-KR" altLang="en-US" sz="1800" dirty="0" err="1" smtClean="0"/>
+              <a:rPr lang="ko-KR" altLang="en-US" sz="1800" dirty="0" err="1"/>
               <a:t>꾸버</a:t>
             </a:r>
             <a:r>
-              <a:rPr lang="ko-KR" altLang="en-US" sz="1800" dirty="0" smtClean="0"/>
-              <a:t>’</a:t>
-            </a:r>
-            <a:r>
               <a:rPr lang="ko-KR" altLang="en-US" sz="1800" dirty="0"/>
-              <a:t>는 꾸준한 성장을 돕는 습관 형성 앱입니다</a:t>
+              <a:t>’는 꾸준한 성장을 돕는 습관 형성 앱입니다</a:t>
             </a:r>
             <a:r>
               <a:rPr lang="en-US" altLang="ko-KR" sz="1800" dirty="0"/>
@@ -6656,10 +7690,10 @@
           <p:cNvPr id="25" name="Straight Connector 19">
             <a:extLst>
               <a:ext uri="{FF2B5EF4-FFF2-40B4-BE49-F238E27FC236}">
-                <a16:creationId xmlns:a16="http://schemas.microsoft.com/office/drawing/2014/main" xmlns="" id="{EE2E603F-4A95-4FE8-BB06-211DFD75DBEF}"/>
+                <a16:creationId xmlns:a16="http://schemas.microsoft.com/office/drawing/2014/main" id="{EE2E603F-4A95-4FE8-BB06-211DFD75DBEF}"/>
               </a:ext>
               <a:ext uri="{C183D7F6-B498-43B3-948B-1728B52AA6E4}">
-                <adec:decorative xmlns:adec="http://schemas.microsoft.com/office/drawing/2017/decorative" xmlns="" val="1"/>
+                <adec:decorative xmlns:adec="http://schemas.microsoft.com/office/drawing/2017/decorative" val="1"/>
               </a:ext>
             </a:extLst>
           </p:cNvPr>
@@ -6669,7 +7703,7 @@
           <p:nvPr>
             <p:extLst>
               <p:ext uri="{386F3935-93C4-4BCD-93E2-E3B085C9AB24}">
-                <p16:designElem xmlns:p16="http://schemas.microsoft.com/office/powerpoint/2015/main" xmlns="" val="1"/>
+                <p16:designElem xmlns:p16="http://schemas.microsoft.com/office/powerpoint/2015/main" val="1"/>
               </p:ext>
             </p:extLst>
           </p:nvPr>
@@ -6708,10 +7742,10 @@
           <p:cNvPr id="26" name="Straight Connector 21">
             <a:extLst>
               <a:ext uri="{FF2B5EF4-FFF2-40B4-BE49-F238E27FC236}">
-                <a16:creationId xmlns:a16="http://schemas.microsoft.com/office/drawing/2014/main" xmlns="" id="{D7CC41EB-2D81-4303-9171-6401B388BA35}"/>
+                <a16:creationId xmlns:a16="http://schemas.microsoft.com/office/drawing/2014/main" id="{D7CC41EB-2D81-4303-9171-6401B388BA35}"/>
               </a:ext>
               <a:ext uri="{C183D7F6-B498-43B3-948B-1728B52AA6E4}">
-                <adec:decorative xmlns:adec="http://schemas.microsoft.com/office/drawing/2017/decorative" xmlns="" val="1"/>
+                <adec:decorative xmlns:adec="http://schemas.microsoft.com/office/drawing/2017/decorative" val="1"/>
               </a:ext>
             </a:extLst>
           </p:cNvPr>
@@ -6721,7 +7755,7 @@
           <p:nvPr>
             <p:extLst>
               <p:ext uri="{386F3935-93C4-4BCD-93E2-E3B085C9AB24}">
-                <p16:designElem xmlns:p16="http://schemas.microsoft.com/office/powerpoint/2015/main" xmlns="" val="1"/>
+                <p16:designElem xmlns:p16="http://schemas.microsoft.com/office/powerpoint/2015/main" val="1"/>
               </p:ext>
             </p:extLst>
           </p:nvPr>
@@ -6760,7 +7794,7 @@
           <p:cNvPr id="7" name="Image 0" descr="만화 영화, 그림, 의류, 신발류이(가) 표시된 사진&#10;&#10;AI가 생성한 콘텐츠는 부정확할 수 있습니다.">
             <a:extLst>
               <a:ext uri="{FF2B5EF4-FFF2-40B4-BE49-F238E27FC236}">
-                <a16:creationId xmlns:a16="http://schemas.microsoft.com/office/drawing/2014/main" xmlns="" id="{DF1E0A4E-5525-F34B-3528-BAAD9661C479}"/>
+                <a16:creationId xmlns:a16="http://schemas.microsoft.com/office/drawing/2014/main" id="{DF1E0A4E-5525-F34B-3528-BAAD9661C479}"/>
               </a:ext>
             </a:extLst>
           </p:cNvPr>
@@ -6789,7 +7823,7 @@
           <p:cNvPr id="8" name="TextBox 7">
             <a:extLst>
               <a:ext uri="{FF2B5EF4-FFF2-40B4-BE49-F238E27FC236}">
-                <a16:creationId xmlns:a16="http://schemas.microsoft.com/office/drawing/2014/main" xmlns="" id="{D43EB5AD-3414-D64B-DDD2-6D7FD6B73EC4}"/>
+                <a16:creationId xmlns:a16="http://schemas.microsoft.com/office/drawing/2014/main" id="{D43EB5AD-3414-D64B-DDD2-6D7FD6B73EC4}"/>
               </a:ext>
             </a:extLst>
           </p:cNvPr>
@@ -6822,7 +7856,7 @@
     </p:spTree>
     <p:extLst>
       <p:ext uri="{BB962C8B-B14F-4D97-AF65-F5344CB8AC3E}">
-        <p14:creationId xmlns:p14="http://schemas.microsoft.com/office/powerpoint/2010/main" xmlns="" val="3582679438"/>
+        <p14:creationId xmlns:p14="http://schemas.microsoft.com/office/powerpoint/2010/main" val="3582679438"/>
       </p:ext>
     </p:extLst>
   </p:cSld>
@@ -6870,10 +7904,9 @@
           <a:lstStyle/>
           <a:p>
             <a:r>
-              <a:rPr lang="ko-KR" altLang="en-US" dirty="0" smtClean="0"/>
+              <a:rPr lang="ko-KR" altLang="en-US" dirty="0"/>
               <a:t>요구사항 수집 및 분석</a:t>
             </a:r>
-            <a:endParaRPr lang="ko-KR" altLang="en-US" dirty="0"/>
           </a:p>
         </p:txBody>
       </p:sp>
@@ -6900,14 +7933,13 @@
           <a:lstStyle/>
           <a:p>
             <a:r>
-              <a:rPr lang="ko-KR" altLang="en-US" sz="2000" dirty="0" smtClean="0"/>
+              <a:rPr lang="ko-KR" altLang="en-US" sz="2000" dirty="0"/>
               <a:t>🔍</a:t>
             </a:r>
             <a:r>
-              <a:rPr lang="ko-KR" altLang="en-US" sz="2000" b="1" dirty="0" smtClean="0"/>
+              <a:rPr lang="ko-KR" altLang="en-US" sz="2000" b="1" dirty="0"/>
               <a:t> 기능 요구사항 도출</a:t>
             </a:r>
-            <a:endParaRPr lang="ko-KR" altLang="en-US" sz="2000" b="1" dirty="0"/>
           </a:p>
         </p:txBody>
       </p:sp>
@@ -6919,11 +7951,16 @@
           </p:cNvGraphicFramePr>
           <p:nvPr>
             <p:ph idx="1"/>
+            <p:extLst>
+              <p:ext uri="{D42A27DB-BD31-4B8C-83A1-F6EECF244321}">
+                <p14:modId xmlns:p14="http://schemas.microsoft.com/office/powerpoint/2010/main" val="2375388334"/>
+              </p:ext>
+            </p:extLst>
           </p:nvPr>
         </p:nvGraphicFramePr>
         <p:xfrm>
           <a:off x="792480" y="2222500"/>
-          <a:ext cx="10599419" cy="3337560"/>
+          <a:ext cx="10599419" cy="3708400"/>
         </p:xfrm>
         <a:graphic>
           <a:graphicData uri="http://schemas.openxmlformats.org/drawingml/2006/table">
@@ -6932,9 +7969,27 @@
                 <a:tableStyleId>{72833802-FEF1-4C79-8D5D-14CF1EAF98D9}</a:tableStyleId>
               </a:tblPr>
               <a:tblGrid>
-                <a:gridCol w="1169319"/>
-                <a:gridCol w="2528123"/>
-                <a:gridCol w="6901977"/>
+                <a:gridCol w="1169319">
+                  <a:extLst>
+                    <a:ext uri="{9D8B030D-6E8A-4147-A177-3AD203B41FA5}">
+                      <a16:colId xmlns:a16="http://schemas.microsoft.com/office/drawing/2014/main" val="20000"/>
+                    </a:ext>
+                  </a:extLst>
+                </a:gridCol>
+                <a:gridCol w="2528123">
+                  <a:extLst>
+                    <a:ext uri="{9D8B030D-6E8A-4147-A177-3AD203B41FA5}">
+                      <a16:colId xmlns:a16="http://schemas.microsoft.com/office/drawing/2014/main" val="20001"/>
+                    </a:ext>
+                  </a:extLst>
+                </a:gridCol>
+                <a:gridCol w="6901977">
+                  <a:extLst>
+                    <a:ext uri="{9D8B030D-6E8A-4147-A177-3AD203B41FA5}">
+                      <a16:colId xmlns:a16="http://schemas.microsoft.com/office/drawing/2014/main" val="20002"/>
+                    </a:ext>
+                  </a:extLst>
+                </a:gridCol>
               </a:tblGrid>
               <a:tr h="370840">
                 <a:tc>
@@ -7090,6 +8145,11 @@
                     </a:lnB>
                   </a:tcPr>
                 </a:tc>
+                <a:extLst>
+                  <a:ext uri="{0D108BD9-81ED-4DB2-BD59-A6C34878D82A}">
+                    <a16:rowId xmlns:a16="http://schemas.microsoft.com/office/drawing/2014/main" val="10000"/>
+                  </a:ext>
+                </a:extLst>
               </a:tr>
               <a:tr h="370840">
                 <a:tc>
@@ -7253,6 +8313,11 @@
                     </a:lnB>
                   </a:tcPr>
                 </a:tc>
+                <a:extLst>
+                  <a:ext uri="{0D108BD9-81ED-4DB2-BD59-A6C34878D82A}">
+                    <a16:rowId xmlns:a16="http://schemas.microsoft.com/office/drawing/2014/main" val="10001"/>
+                  </a:ext>
+                </a:extLst>
               </a:tr>
               <a:tr h="370840">
                 <a:tc>
@@ -7420,6 +8485,11 @@
                     </a:lnB>
                   </a:tcPr>
                 </a:tc>
+                <a:extLst>
+                  <a:ext uri="{0D108BD9-81ED-4DB2-BD59-A6C34878D82A}">
+                    <a16:rowId xmlns:a16="http://schemas.microsoft.com/office/drawing/2014/main" val="10002"/>
+                  </a:ext>
+                </a:extLst>
               </a:tr>
               <a:tr h="370840">
                 <a:tc>
@@ -7429,7 +8499,7 @@
                     <a:p>
                       <a:pPr algn="ctr"/>
                       <a:r>
-                        <a:rPr lang="ko-KR" altLang="en-US"/>
+                        <a:rPr lang="ko-KR" altLang="en-US" dirty="0"/>
                         <a:t>기능</a:t>
                       </a:r>
                     </a:p>
@@ -7575,6 +8645,171 @@
                     </a:lnB>
                   </a:tcPr>
                 </a:tc>
+                <a:extLst>
+                  <a:ext uri="{0D108BD9-81ED-4DB2-BD59-A6C34878D82A}">
+                    <a16:rowId xmlns:a16="http://schemas.microsoft.com/office/drawing/2014/main" val="10003"/>
+                  </a:ext>
+                </a:extLst>
+              </a:tr>
+              <a:tr h="370840">
+                <a:tc>
+                  <a:txBody>
+                    <a:bodyPr/>
+                    <a:lstStyle/>
+                    <a:p>
+                      <a:pPr algn="ctr"/>
+                      <a:r>
+                        <a:rPr lang="ko-KR" altLang="en-US" dirty="0"/>
+                        <a:t>기능</a:t>
+                      </a:r>
+                    </a:p>
+                  </a:txBody>
+                  <a:tcPr anchor="ctr">
+                    <a:lnL w="12700" cap="flat" cmpd="sng" algn="ctr">
+                      <a:solidFill>
+                        <a:schemeClr val="tx1"/>
+                      </a:solidFill>
+                      <a:prstDash val="solid"/>
+                      <a:round/>
+                      <a:headEnd type="none" w="med" len="med"/>
+                      <a:tailEnd type="none" w="med" len="med"/>
+                    </a:lnL>
+                    <a:lnR w="12700" cap="flat" cmpd="sng" algn="ctr">
+                      <a:solidFill>
+                        <a:schemeClr val="tx1"/>
+                      </a:solidFill>
+                      <a:prstDash val="solid"/>
+                      <a:round/>
+                      <a:headEnd type="none" w="med" len="med"/>
+                      <a:tailEnd type="none" w="med" len="med"/>
+                    </a:lnR>
+                    <a:lnT w="12700" cap="flat" cmpd="sng" algn="ctr">
+                      <a:solidFill>
+                        <a:schemeClr val="tx1"/>
+                      </a:solidFill>
+                      <a:prstDash val="solid"/>
+                      <a:round/>
+                      <a:headEnd type="none" w="med" len="med"/>
+                      <a:tailEnd type="none" w="med" len="med"/>
+                    </a:lnT>
+                    <a:lnB w="12700" cap="flat" cmpd="sng" algn="ctr">
+                      <a:solidFill>
+                        <a:schemeClr val="tx1"/>
+                      </a:solidFill>
+                      <a:prstDash val="solid"/>
+                      <a:round/>
+                      <a:headEnd type="none" w="med" len="med"/>
+                      <a:tailEnd type="none" w="med" len="med"/>
+                    </a:lnB>
+                  </a:tcPr>
+                </a:tc>
+                <a:tc>
+                  <a:txBody>
+                    <a:bodyPr/>
+                    <a:lstStyle/>
+                    <a:p>
+                      <a:pPr algn="ctr"/>
+                      <a:r>
+                        <a:rPr lang="ko-KR" altLang="en-US" dirty="0"/>
+                        <a:t>시간 기록 기능</a:t>
+                      </a:r>
+                    </a:p>
+                  </a:txBody>
+                  <a:tcPr anchor="ctr">
+                    <a:lnL w="12700" cap="flat" cmpd="sng" algn="ctr">
+                      <a:solidFill>
+                        <a:schemeClr val="tx1"/>
+                      </a:solidFill>
+                      <a:prstDash val="solid"/>
+                      <a:round/>
+                      <a:headEnd type="none" w="med" len="med"/>
+                      <a:tailEnd type="none" w="med" len="med"/>
+                    </a:lnL>
+                    <a:lnR w="12700" cap="flat" cmpd="sng" algn="ctr">
+                      <a:solidFill>
+                        <a:schemeClr val="tx1"/>
+                      </a:solidFill>
+                      <a:prstDash val="solid"/>
+                      <a:round/>
+                      <a:headEnd type="none" w="med" len="med"/>
+                      <a:tailEnd type="none" w="med" len="med"/>
+                    </a:lnR>
+                    <a:lnT w="12700" cap="flat" cmpd="sng" algn="ctr">
+                      <a:solidFill>
+                        <a:schemeClr val="tx1"/>
+                      </a:solidFill>
+                      <a:prstDash val="solid"/>
+                      <a:round/>
+                      <a:headEnd type="none" w="med" len="med"/>
+                      <a:tailEnd type="none" w="med" len="med"/>
+                    </a:lnT>
+                    <a:lnB w="12700" cap="flat" cmpd="sng" algn="ctr">
+                      <a:solidFill>
+                        <a:schemeClr val="tx1"/>
+                      </a:solidFill>
+                      <a:prstDash val="solid"/>
+                      <a:round/>
+                      <a:headEnd type="none" w="med" len="med"/>
+                      <a:tailEnd type="none" w="med" len="med"/>
+                    </a:lnB>
+                  </a:tcPr>
+                </a:tc>
+                <a:tc>
+                  <a:txBody>
+                    <a:bodyPr/>
+                    <a:lstStyle/>
+                    <a:p>
+                      <a:pPr algn="ctr"/>
+                      <a:r>
+                        <a:rPr lang="ko-KR" altLang="en-US" dirty="0"/>
+                        <a:t>시간기여를 얼마나 했는지도 기록</a:t>
+                      </a:r>
+                    </a:p>
+                  </a:txBody>
+                  <a:tcPr anchor="ctr">
+                    <a:lnL w="12700" cap="flat" cmpd="sng" algn="ctr">
+                      <a:solidFill>
+                        <a:schemeClr val="tx1"/>
+                      </a:solidFill>
+                      <a:prstDash val="solid"/>
+                      <a:round/>
+                      <a:headEnd type="none" w="med" len="med"/>
+                      <a:tailEnd type="none" w="med" len="med"/>
+                    </a:lnL>
+                    <a:lnR w="12700" cap="flat" cmpd="sng" algn="ctr">
+                      <a:solidFill>
+                        <a:schemeClr val="tx1"/>
+                      </a:solidFill>
+                      <a:prstDash val="solid"/>
+                      <a:round/>
+                      <a:headEnd type="none" w="med" len="med"/>
+                      <a:tailEnd type="none" w="med" len="med"/>
+                    </a:lnR>
+                    <a:lnT w="12700" cap="flat" cmpd="sng" algn="ctr">
+                      <a:solidFill>
+                        <a:schemeClr val="tx1"/>
+                      </a:solidFill>
+                      <a:prstDash val="solid"/>
+                      <a:round/>
+                      <a:headEnd type="none" w="med" len="med"/>
+                      <a:tailEnd type="none" w="med" len="med"/>
+                    </a:lnT>
+                    <a:lnB w="12700" cap="flat" cmpd="sng" algn="ctr">
+                      <a:solidFill>
+                        <a:schemeClr val="tx1"/>
+                      </a:solidFill>
+                      <a:prstDash val="solid"/>
+                      <a:round/>
+                      <a:headEnd type="none" w="med" len="med"/>
+                      <a:tailEnd type="none" w="med" len="med"/>
+                    </a:lnB>
+                  </a:tcPr>
+                </a:tc>
+                <a:extLst>
+                  <a:ext uri="{0D108BD9-81ED-4DB2-BD59-A6C34878D82A}">
+                    <a16:rowId xmlns:a16="http://schemas.microsoft.com/office/drawing/2014/main" val="2868408186"/>
+                  </a:ext>
+                </a:extLst>
               </a:tr>
               <a:tr h="370840">
                 <a:tc>
@@ -7759,6 +8994,11 @@
                     </a:lnB>
                   </a:tcPr>
                 </a:tc>
+                <a:extLst>
+                  <a:ext uri="{0D108BD9-81ED-4DB2-BD59-A6C34878D82A}">
+                    <a16:rowId xmlns:a16="http://schemas.microsoft.com/office/drawing/2014/main" val="10004"/>
+                  </a:ext>
+                </a:extLst>
               </a:tr>
               <a:tr h="370840">
                 <a:tc>
@@ -7938,6 +9178,11 @@
                     </a:lnB>
                   </a:tcPr>
                 </a:tc>
+                <a:extLst>
+                  <a:ext uri="{0D108BD9-81ED-4DB2-BD59-A6C34878D82A}">
+                    <a16:rowId xmlns:a16="http://schemas.microsoft.com/office/drawing/2014/main" val="10005"/>
+                  </a:ext>
+                </a:extLst>
               </a:tr>
               <a:tr h="370840">
                 <a:tc>
@@ -8114,6 +9359,11 @@
                     </a:lnB>
                   </a:tcPr>
                 </a:tc>
+                <a:extLst>
+                  <a:ext uri="{0D108BD9-81ED-4DB2-BD59-A6C34878D82A}">
+                    <a16:rowId xmlns:a16="http://schemas.microsoft.com/office/drawing/2014/main" val="10006"/>
+                  </a:ext>
+                </a:extLst>
               </a:tr>
               <a:tr h="370840">
                 <a:tc>
@@ -8289,6 +9539,11 @@
                     </a:lnB>
                   </a:tcPr>
                 </a:tc>
+                <a:extLst>
+                  <a:ext uri="{0D108BD9-81ED-4DB2-BD59-A6C34878D82A}">
+                    <a16:rowId xmlns:a16="http://schemas.microsoft.com/office/drawing/2014/main" val="10007"/>
+                  </a:ext>
+                </a:extLst>
               </a:tr>
               <a:tr h="370840">
                 <a:tc>
@@ -8460,12 +9715,977 @@
                     </a:lnB>
                   </a:tcPr>
                 </a:tc>
+                <a:extLst>
+                  <a:ext uri="{0D108BD9-81ED-4DB2-BD59-A6C34878D82A}">
+                    <a16:rowId xmlns:a16="http://schemas.microsoft.com/office/drawing/2014/main" val="10008"/>
+                  </a:ext>
+                </a:extLst>
               </a:tr>
             </a:tbl>
           </a:graphicData>
         </a:graphic>
       </p:graphicFrame>
     </p:spTree>
+  </p:cSld>
+  <p:clrMapOvr>
+    <a:masterClrMapping/>
+  </p:clrMapOvr>
+</p:sld>
+</file>
+
+<file path=ppt/slides/slide11.xml><?xml version="1.0" encoding="utf-8"?>
+<p:sld xmlns:a="http://schemas.openxmlformats.org/drawingml/2006/main" xmlns:r="http://schemas.openxmlformats.org/officeDocument/2006/relationships" xmlns:p="http://schemas.openxmlformats.org/presentationml/2006/main">
+  <p:cSld>
+    <p:spTree>
+      <p:nvGrpSpPr>
+        <p:cNvPr id="1" name=""/>
+        <p:cNvGrpSpPr/>
+        <p:nvPr/>
+      </p:nvGrpSpPr>
+      <p:grpSpPr>
+        <a:xfrm>
+          <a:off x="0" y="0"/>
+          <a:ext cx="0" cy="0"/>
+          <a:chOff x="0" y="0"/>
+          <a:chExt cx="0" cy="0"/>
+        </a:xfrm>
+      </p:grpSpPr>
+      <p:sp>
+        <p:nvSpPr>
+          <p:cNvPr id="2" name="제목 1">
+            <a:extLst>
+              <a:ext uri="{FF2B5EF4-FFF2-40B4-BE49-F238E27FC236}">
+                <a16:creationId xmlns:a16="http://schemas.microsoft.com/office/drawing/2014/main" id="{4F549E9E-16D6-46F6-ADCC-9D2DD1E1506C}"/>
+              </a:ext>
+            </a:extLst>
+          </p:cNvPr>
+          <p:cNvSpPr>
+            <a:spLocks noGrp="1"/>
+          </p:cNvSpPr>
+          <p:nvPr>
+            <p:ph type="title"/>
+          </p:nvPr>
+        </p:nvSpPr>
+        <p:spPr>
+          <a:xfrm>
+            <a:off x="700635" y="914400"/>
+            <a:ext cx="3548091" cy="914400"/>
+          </a:xfrm>
+        </p:spPr>
+        <p:txBody>
+          <a:bodyPr/>
+          <a:lstStyle/>
+          <a:p>
+            <a:r>
+              <a:rPr lang="en-US" altLang="ko-KR" dirty="0"/>
+              <a:t>UI</a:t>
+            </a:r>
+            <a:r>
+              <a:rPr lang="ko-KR" altLang="en-US" dirty="0"/>
+              <a:t> 디자인</a:t>
+            </a:r>
+            <a:r>
+              <a:rPr lang="en-US" altLang="ko-KR" dirty="0"/>
+              <a:t>-</a:t>
+            </a:r>
+            <a:r>
+              <a:rPr lang="ko-KR" altLang="en-US" dirty="0"/>
+              <a:t>홈</a:t>
+            </a:r>
+          </a:p>
+        </p:txBody>
+      </p:sp>
+      <p:sp>
+        <p:nvSpPr>
+          <p:cNvPr id="4" name="사각형: 둥근 모서리 3">
+            <a:extLst>
+              <a:ext uri="{FF2B5EF4-FFF2-40B4-BE49-F238E27FC236}">
+                <a16:creationId xmlns:a16="http://schemas.microsoft.com/office/drawing/2014/main" id="{A0AD32FD-A34A-B867-5BC9-1B7212CB405B}"/>
+              </a:ext>
+            </a:extLst>
+          </p:cNvPr>
+          <p:cNvSpPr/>
+          <p:nvPr/>
+        </p:nvSpPr>
+        <p:spPr>
+          <a:xfrm>
+            <a:off x="6428039" y="1089000"/>
+            <a:ext cx="2160000" cy="4680000"/>
+          </a:xfrm>
+          <a:prstGeom prst="roundRect">
+            <a:avLst>
+              <a:gd name="adj" fmla="val 8542"/>
+            </a:avLst>
+          </a:prstGeom>
+          <a:solidFill>
+            <a:srgbClr val="121212"/>
+          </a:solidFill>
+          <a:ln/>
+        </p:spPr>
+        <p:style>
+          <a:lnRef idx="2">
+            <a:schemeClr val="dk1"/>
+          </a:lnRef>
+          <a:fillRef idx="1">
+            <a:schemeClr val="lt1"/>
+          </a:fillRef>
+          <a:effectRef idx="0">
+            <a:schemeClr val="dk1"/>
+          </a:effectRef>
+          <a:fontRef idx="minor">
+            <a:schemeClr val="dk1"/>
+          </a:fontRef>
+        </p:style>
+        <p:txBody>
+          <a:bodyPr rtlCol="0" anchor="ctr"/>
+          <a:lstStyle/>
+          <a:p>
+            <a:pPr algn="ctr"/>
+            <a:endParaRPr lang="ko-KR" altLang="en-US"/>
+          </a:p>
+        </p:txBody>
+      </p:sp>
+      <p:sp>
+        <p:nvSpPr>
+          <p:cNvPr id="3" name="사각형: 둥근 모서리 2">
+            <a:extLst>
+              <a:ext uri="{FF2B5EF4-FFF2-40B4-BE49-F238E27FC236}">
+                <a16:creationId xmlns:a16="http://schemas.microsoft.com/office/drawing/2014/main" id="{CBEE8CE5-CE1C-1C24-51B1-2E9856C72478}"/>
+              </a:ext>
+            </a:extLst>
+          </p:cNvPr>
+          <p:cNvSpPr/>
+          <p:nvPr/>
+        </p:nvSpPr>
+        <p:spPr>
+          <a:xfrm>
+            <a:off x="9012451" y="1089000"/>
+            <a:ext cx="2160000" cy="4680000"/>
+          </a:xfrm>
+          <a:prstGeom prst="roundRect">
+            <a:avLst>
+              <a:gd name="adj" fmla="val 8542"/>
+            </a:avLst>
+          </a:prstGeom>
+          <a:solidFill>
+            <a:srgbClr val="121212"/>
+          </a:solidFill>
+          <a:ln/>
+        </p:spPr>
+        <p:style>
+          <a:lnRef idx="2">
+            <a:schemeClr val="dk1"/>
+          </a:lnRef>
+          <a:fillRef idx="1">
+            <a:schemeClr val="lt1"/>
+          </a:fillRef>
+          <a:effectRef idx="0">
+            <a:schemeClr val="dk1"/>
+          </a:effectRef>
+          <a:fontRef idx="minor">
+            <a:schemeClr val="dk1"/>
+          </a:fontRef>
+        </p:style>
+        <p:txBody>
+          <a:bodyPr rtlCol="0" anchor="ctr"/>
+          <a:lstStyle/>
+          <a:p>
+            <a:pPr algn="ctr"/>
+            <a:endParaRPr lang="ko-KR" altLang="en-US"/>
+          </a:p>
+        </p:txBody>
+      </p:sp>
+      <p:sp>
+        <p:nvSpPr>
+          <p:cNvPr id="6" name="TextBox 5">
+            <a:extLst>
+              <a:ext uri="{FF2B5EF4-FFF2-40B4-BE49-F238E27FC236}">
+                <a16:creationId xmlns:a16="http://schemas.microsoft.com/office/drawing/2014/main" id="{9A0BF0E6-97AC-8F2E-C2DE-8AD76787799A}"/>
+              </a:ext>
+            </a:extLst>
+          </p:cNvPr>
+          <p:cNvSpPr txBox="1"/>
+          <p:nvPr/>
+        </p:nvSpPr>
+        <p:spPr>
+          <a:xfrm>
+            <a:off x="700635" y="1689073"/>
+            <a:ext cx="2781474" cy="892552"/>
+          </a:xfrm>
+          <a:prstGeom prst="rect">
+            <a:avLst/>
+          </a:prstGeom>
+          <a:noFill/>
+        </p:spPr>
+        <p:txBody>
+          <a:bodyPr wrap="square" rtlCol="0">
+            <a:spAutoFit/>
+          </a:bodyPr>
+          <a:lstStyle/>
+          <a:p>
+            <a:r>
+              <a:rPr lang="ko-KR" altLang="en-US" sz="1300" b="1" dirty="0" err="1"/>
+              <a:t>다크모드</a:t>
+            </a:r>
+            <a:endParaRPr lang="en-US" altLang="ko-KR" sz="1300" b="1" dirty="0"/>
+          </a:p>
+          <a:p>
+            <a:r>
+              <a:rPr lang="ko-KR" altLang="en-US" sz="1300" dirty="0"/>
+              <a:t>집중력과 꾸준함 강조에 효과적인</a:t>
+            </a:r>
+            <a:endParaRPr lang="en-US" altLang="ko-KR" sz="1300" dirty="0"/>
+          </a:p>
+          <a:p>
+            <a:r>
+              <a:rPr lang="ko-KR" altLang="en-US" sz="1300" dirty="0" err="1"/>
+              <a:t>다크모드로</a:t>
+            </a:r>
+            <a:r>
+              <a:rPr lang="ko-KR" altLang="en-US" sz="1300" dirty="0"/>
+              <a:t> 설정</a:t>
+            </a:r>
+            <a:endParaRPr lang="en-US" altLang="ko-KR" sz="1300" dirty="0"/>
+          </a:p>
+          <a:p>
+            <a:r>
+              <a:rPr lang="ko-KR" altLang="en-US" sz="1300" dirty="0"/>
+              <a:t>포인트 색상 </a:t>
+            </a:r>
+            <a:r>
+              <a:rPr lang="en-US" altLang="ko-KR" sz="1300" dirty="0" err="1">
+                <a:solidFill>
+                  <a:srgbClr val="D35021"/>
+                </a:solidFill>
+                <a:highlight>
+                  <a:srgbClr val="121212"/>
+                </a:highlight>
+              </a:rPr>
+              <a:t>deepOrange</a:t>
+            </a:r>
+            <a:r>
+              <a:rPr lang="ko-KR" altLang="en-US" sz="1300" dirty="0">
+                <a:highlight>
+                  <a:srgbClr val="121212"/>
+                </a:highlight>
+              </a:rPr>
+              <a:t>  </a:t>
+            </a:r>
+          </a:p>
+        </p:txBody>
+      </p:sp>
+      <p:sp>
+        <p:nvSpPr>
+          <p:cNvPr id="8" name="TextBox 7">
+            <a:extLst>
+              <a:ext uri="{FF2B5EF4-FFF2-40B4-BE49-F238E27FC236}">
+                <a16:creationId xmlns:a16="http://schemas.microsoft.com/office/drawing/2014/main" id="{985CB701-F037-5330-5C3D-DB8733650AAD}"/>
+              </a:ext>
+            </a:extLst>
+          </p:cNvPr>
+          <p:cNvSpPr txBox="1"/>
+          <p:nvPr/>
+        </p:nvSpPr>
+        <p:spPr>
+          <a:xfrm>
+            <a:off x="7043007" y="2610825"/>
+            <a:ext cx="930063" cy="276999"/>
+          </a:xfrm>
+          <a:prstGeom prst="rect">
+            <a:avLst/>
+          </a:prstGeom>
+          <a:noFill/>
+        </p:spPr>
+        <p:txBody>
+          <a:bodyPr wrap="none" rtlCol="0">
+            <a:spAutoFit/>
+          </a:bodyPr>
+          <a:lstStyle/>
+          <a:p>
+            <a:r>
+              <a:rPr lang="ko-KR" altLang="en-US" sz="1200" dirty="0">
+                <a:solidFill>
+                  <a:schemeClr val="bg1"/>
+                </a:solidFill>
+              </a:rPr>
+              <a:t>닉네임 입력</a:t>
+            </a:r>
+          </a:p>
+        </p:txBody>
+      </p:sp>
+      <p:sp>
+        <p:nvSpPr>
+          <p:cNvPr id="9" name="사각형: 둥근 모서리 8">
+            <a:extLst>
+              <a:ext uri="{FF2B5EF4-FFF2-40B4-BE49-F238E27FC236}">
+                <a16:creationId xmlns:a16="http://schemas.microsoft.com/office/drawing/2014/main" id="{E3BE795C-A8EA-6EEF-67FF-E0B5A82975B9}"/>
+              </a:ext>
+            </a:extLst>
+          </p:cNvPr>
+          <p:cNvSpPr/>
+          <p:nvPr/>
+        </p:nvSpPr>
+        <p:spPr>
+          <a:xfrm>
+            <a:off x="6698039" y="2926410"/>
+            <a:ext cx="1620000" cy="369239"/>
+          </a:xfrm>
+          <a:prstGeom prst="roundRect">
+            <a:avLst/>
+          </a:prstGeom>
+          <a:solidFill>
+            <a:srgbClr val="1E1E1E"/>
+          </a:solidFill>
+          <a:ln w="12700" cap="flat" cmpd="sng" algn="ctr">
+            <a:noFill/>
+            <a:prstDash val="solid"/>
+            <a:miter lim="800000"/>
+          </a:ln>
+          <a:effectLst/>
+        </p:spPr>
+        <p:style>
+          <a:lnRef idx="2">
+            <a:schemeClr val="accent1">
+              <a:shade val="50000"/>
+            </a:schemeClr>
+          </a:lnRef>
+          <a:fillRef idx="1">
+            <a:schemeClr val="accent1"/>
+          </a:fillRef>
+          <a:effectRef idx="0">
+            <a:schemeClr val="accent1"/>
+          </a:effectRef>
+          <a:fontRef idx="minor">
+            <a:schemeClr val="lt1"/>
+          </a:fontRef>
+        </p:style>
+        <p:txBody>
+          <a:bodyPr rtlCol="0" anchor="ctr"/>
+          <a:lstStyle/>
+          <a:p>
+            <a:r>
+              <a:rPr lang="ko-KR" altLang="en-US" sz="1000" dirty="0">
+                <a:solidFill>
+                  <a:srgbClr val="454545"/>
+                </a:solidFill>
+              </a:rPr>
+              <a:t>사용할 닉네임</a:t>
+            </a:r>
+          </a:p>
+        </p:txBody>
+      </p:sp>
+      <p:sp>
+        <p:nvSpPr>
+          <p:cNvPr id="10" name="사각형: 둥근 모서리 9">
+            <a:extLst>
+              <a:ext uri="{FF2B5EF4-FFF2-40B4-BE49-F238E27FC236}">
+                <a16:creationId xmlns:a16="http://schemas.microsoft.com/office/drawing/2014/main" id="{5DAC8593-44EB-C0F3-1474-A821F6CA4723}"/>
+              </a:ext>
+            </a:extLst>
+          </p:cNvPr>
+          <p:cNvSpPr/>
+          <p:nvPr/>
+        </p:nvSpPr>
+        <p:spPr>
+          <a:xfrm>
+            <a:off x="3843626" y="1089000"/>
+            <a:ext cx="2164451" cy="4680000"/>
+          </a:xfrm>
+          <a:prstGeom prst="roundRect">
+            <a:avLst>
+              <a:gd name="adj" fmla="val 8542"/>
+            </a:avLst>
+          </a:prstGeom>
+          <a:solidFill>
+            <a:srgbClr val="121212"/>
+          </a:solidFill>
+          <a:ln/>
+        </p:spPr>
+        <p:style>
+          <a:lnRef idx="2">
+            <a:schemeClr val="dk1"/>
+          </a:lnRef>
+          <a:fillRef idx="1">
+            <a:schemeClr val="lt1"/>
+          </a:fillRef>
+          <a:effectRef idx="0">
+            <a:schemeClr val="dk1"/>
+          </a:effectRef>
+          <a:fontRef idx="minor">
+            <a:schemeClr val="dk1"/>
+          </a:fontRef>
+        </p:style>
+        <p:txBody>
+          <a:bodyPr rtlCol="0" anchor="ctr"/>
+          <a:lstStyle/>
+          <a:p>
+            <a:pPr algn="ctr"/>
+            <a:endParaRPr lang="ko-KR" altLang="en-US" dirty="0"/>
+          </a:p>
+        </p:txBody>
+      </p:sp>
+      <p:pic>
+        <p:nvPicPr>
+          <p:cNvPr id="23" name="그림 22" descr="오렌지, 창의성이(가) 표시된 사진&#10;&#10;AI가 생성한 콘텐츠는 부정확할 수 있습니다.">
+            <a:extLst>
+              <a:ext uri="{FF2B5EF4-FFF2-40B4-BE49-F238E27FC236}">
+                <a16:creationId xmlns:a16="http://schemas.microsoft.com/office/drawing/2014/main" id="{890C96D6-3E31-25F1-FB77-6E7B03D65995}"/>
+              </a:ext>
+            </a:extLst>
+          </p:cNvPr>
+          <p:cNvPicPr>
+            <a:picLocks noChangeAspect="1"/>
+          </p:cNvPicPr>
+          <p:nvPr/>
+        </p:nvPicPr>
+        <p:blipFill>
+          <a:blip r:embed="rId2">
+            <a:extLst>
+              <a:ext uri="{28A0092B-C50C-407E-A947-70E740481C1C}">
+                <a14:useLocalDpi xmlns:a14="http://schemas.microsoft.com/office/drawing/2010/main" val="0"/>
+              </a:ext>
+            </a:extLst>
+          </a:blip>
+          <a:stretch>
+            <a:fillRect/>
+          </a:stretch>
+        </p:blipFill>
+        <p:spPr>
+          <a:xfrm>
+            <a:off x="4444632" y="2411146"/>
+            <a:ext cx="1017854" cy="1017854"/>
+          </a:xfrm>
+          <a:prstGeom prst="rect">
+            <a:avLst/>
+          </a:prstGeom>
+        </p:spPr>
+      </p:pic>
+      <p:sp>
+        <p:nvSpPr>
+          <p:cNvPr id="25" name="TextBox 24">
+            <a:extLst>
+              <a:ext uri="{FF2B5EF4-FFF2-40B4-BE49-F238E27FC236}">
+                <a16:creationId xmlns:a16="http://schemas.microsoft.com/office/drawing/2014/main" id="{78D06FA9-86B8-1A30-2813-01AA7F011024}"/>
+              </a:ext>
+            </a:extLst>
+          </p:cNvPr>
+          <p:cNvSpPr txBox="1"/>
+          <p:nvPr/>
+        </p:nvSpPr>
+        <p:spPr>
+          <a:xfrm>
+            <a:off x="4428495" y="3442854"/>
+            <a:ext cx="1101392" cy="369332"/>
+          </a:xfrm>
+          <a:prstGeom prst="rect">
+            <a:avLst/>
+          </a:prstGeom>
+          <a:noFill/>
+        </p:spPr>
+        <p:txBody>
+          <a:bodyPr wrap="square">
+            <a:spAutoFit/>
+          </a:bodyPr>
+          <a:lstStyle/>
+          <a:p>
+            <a:r>
+              <a:rPr lang="ko-KR" altLang="en-US" dirty="0">
+                <a:solidFill>
+                  <a:schemeClr val="bg1"/>
+                </a:solidFill>
+              </a:rPr>
+              <a:t>KKUBEO</a:t>
+            </a:r>
+          </a:p>
+        </p:txBody>
+      </p:sp>
+      <p:sp>
+        <p:nvSpPr>
+          <p:cNvPr id="26" name="TextBox 25">
+            <a:extLst>
+              <a:ext uri="{FF2B5EF4-FFF2-40B4-BE49-F238E27FC236}">
+                <a16:creationId xmlns:a16="http://schemas.microsoft.com/office/drawing/2014/main" id="{700AC787-091B-99A7-291D-C03A9426F337}"/>
+              </a:ext>
+            </a:extLst>
+          </p:cNvPr>
+          <p:cNvSpPr txBox="1"/>
+          <p:nvPr/>
+        </p:nvSpPr>
+        <p:spPr>
+          <a:xfrm>
+            <a:off x="4290799" y="3771342"/>
+            <a:ext cx="1331065" cy="215444"/>
+          </a:xfrm>
+          <a:prstGeom prst="rect">
+            <a:avLst/>
+          </a:prstGeom>
+          <a:noFill/>
+        </p:spPr>
+        <p:txBody>
+          <a:bodyPr wrap="square">
+            <a:spAutoFit/>
+          </a:bodyPr>
+          <a:lstStyle/>
+          <a:p>
+            <a:r>
+              <a:rPr lang="ko-KR" altLang="en-US" sz="800" dirty="0">
+                <a:solidFill>
+                  <a:srgbClr val="454545"/>
+                </a:solidFill>
+              </a:rPr>
+              <a:t>당신의 하루</a:t>
+            </a:r>
+            <a:r>
+              <a:rPr lang="en-US" altLang="ko-KR" sz="800" dirty="0">
+                <a:solidFill>
+                  <a:srgbClr val="454545"/>
+                </a:solidFill>
+              </a:rPr>
+              <a:t>, </a:t>
+            </a:r>
+            <a:r>
+              <a:rPr lang="ko-KR" altLang="en-US" sz="800" dirty="0">
+                <a:solidFill>
+                  <a:srgbClr val="454545"/>
+                </a:solidFill>
+              </a:rPr>
+              <a:t>꾸준히 버티기</a:t>
+            </a:r>
+          </a:p>
+        </p:txBody>
+      </p:sp>
+      <p:sp>
+        <p:nvSpPr>
+          <p:cNvPr id="27" name="사각형: 둥근 모서리 26">
+            <a:extLst>
+              <a:ext uri="{FF2B5EF4-FFF2-40B4-BE49-F238E27FC236}">
+                <a16:creationId xmlns:a16="http://schemas.microsoft.com/office/drawing/2014/main" id="{E7641414-3A2C-6F13-5CD0-6C64B1FB832B}"/>
+              </a:ext>
+            </a:extLst>
+          </p:cNvPr>
+          <p:cNvSpPr/>
+          <p:nvPr/>
+        </p:nvSpPr>
+        <p:spPr>
+          <a:xfrm>
+            <a:off x="6698039" y="3380401"/>
+            <a:ext cx="1620000" cy="369239"/>
+          </a:xfrm>
+          <a:prstGeom prst="roundRect">
+            <a:avLst/>
+          </a:prstGeom>
+          <a:solidFill>
+            <a:srgbClr val="D35021"/>
+          </a:solidFill>
+          <a:ln w="12700" cap="flat" cmpd="sng" algn="ctr">
+            <a:noFill/>
+            <a:prstDash val="solid"/>
+            <a:miter lim="800000"/>
+          </a:ln>
+          <a:effectLst/>
+        </p:spPr>
+        <p:style>
+          <a:lnRef idx="2">
+            <a:schemeClr val="accent1">
+              <a:shade val="50000"/>
+            </a:schemeClr>
+          </a:lnRef>
+          <a:fillRef idx="1">
+            <a:schemeClr val="accent1"/>
+          </a:fillRef>
+          <a:effectRef idx="0">
+            <a:schemeClr val="accent1"/>
+          </a:effectRef>
+          <a:fontRef idx="minor">
+            <a:schemeClr val="lt1"/>
+          </a:fontRef>
+        </p:style>
+        <p:txBody>
+          <a:bodyPr rtlCol="0" anchor="ctr"/>
+          <a:lstStyle/>
+          <a:p>
+            <a:pPr algn="ctr"/>
+            <a:r>
+              <a:rPr lang="ko-KR" altLang="en-US" sz="1000" dirty="0">
+                <a:solidFill>
+                  <a:schemeClr val="tx1"/>
+                </a:solidFill>
+              </a:rPr>
+              <a:t>입력 완료</a:t>
+            </a:r>
+          </a:p>
+        </p:txBody>
+      </p:sp>
+      <p:grpSp>
+        <p:nvGrpSpPr>
+          <p:cNvPr id="44" name="그룹 43">
+            <a:extLst>
+              <a:ext uri="{FF2B5EF4-FFF2-40B4-BE49-F238E27FC236}">
+                <a16:creationId xmlns:a16="http://schemas.microsoft.com/office/drawing/2014/main" id="{F754706A-993B-8BA9-0F27-AC80B3E57D8C}"/>
+              </a:ext>
+            </a:extLst>
+          </p:cNvPr>
+          <p:cNvGrpSpPr/>
+          <p:nvPr/>
+        </p:nvGrpSpPr>
+        <p:grpSpPr>
+          <a:xfrm>
+            <a:off x="9022621" y="5299788"/>
+            <a:ext cx="2160000" cy="469212"/>
+            <a:chOff x="6428039" y="5299788"/>
+            <a:chExt cx="2160000" cy="469212"/>
+          </a:xfrm>
+        </p:grpSpPr>
+        <p:grpSp>
+          <p:nvGrpSpPr>
+            <p:cNvPr id="36" name="그룹 35">
+              <a:extLst>
+                <a:ext uri="{FF2B5EF4-FFF2-40B4-BE49-F238E27FC236}">
+                  <a16:creationId xmlns:a16="http://schemas.microsoft.com/office/drawing/2014/main" id="{2AEB57EA-71BF-CDFB-0B05-B65C45F934B0}"/>
+                </a:ext>
+              </a:extLst>
+            </p:cNvPr>
+            <p:cNvGrpSpPr/>
+            <p:nvPr/>
+          </p:nvGrpSpPr>
+          <p:grpSpPr>
+            <a:xfrm>
+              <a:off x="6428039" y="5299788"/>
+              <a:ext cx="2160000" cy="469212"/>
+              <a:chOff x="6428039" y="5299788"/>
+              <a:chExt cx="2160000" cy="469212"/>
+            </a:xfrm>
+          </p:grpSpPr>
+          <p:sp>
+            <p:nvSpPr>
+              <p:cNvPr id="34" name="사각형: 둥근 모서리 33">
+                <a:extLst>
+                  <a:ext uri="{FF2B5EF4-FFF2-40B4-BE49-F238E27FC236}">
+                    <a16:creationId xmlns:a16="http://schemas.microsoft.com/office/drawing/2014/main" id="{4E413F11-97F7-F444-8124-5BE8D7C40E9E}"/>
+                  </a:ext>
+                </a:extLst>
+              </p:cNvPr>
+              <p:cNvSpPr/>
+              <p:nvPr/>
+            </p:nvSpPr>
+            <p:spPr>
+              <a:xfrm>
+                <a:off x="6428039" y="5299788"/>
+                <a:ext cx="2160000" cy="469212"/>
+              </a:xfrm>
+              <a:prstGeom prst="roundRect">
+                <a:avLst>
+                  <a:gd name="adj" fmla="val 38874"/>
+                </a:avLst>
+              </a:prstGeom>
+              <a:solidFill>
+                <a:srgbClr val="454545"/>
+              </a:solidFill>
+              <a:ln>
+                <a:noFill/>
+              </a:ln>
+            </p:spPr>
+            <p:style>
+              <a:lnRef idx="2">
+                <a:schemeClr val="dk1"/>
+              </a:lnRef>
+              <a:fillRef idx="1">
+                <a:schemeClr val="lt1"/>
+              </a:fillRef>
+              <a:effectRef idx="0">
+                <a:schemeClr val="dk1"/>
+              </a:effectRef>
+              <a:fontRef idx="minor">
+                <a:schemeClr val="dk1"/>
+              </a:fontRef>
+            </p:style>
+            <p:txBody>
+              <a:bodyPr rtlCol="0" anchor="ctr"/>
+              <a:lstStyle/>
+              <a:p>
+                <a:pPr algn="ctr"/>
+                <a:endParaRPr lang="ko-KR" altLang="en-US"/>
+              </a:p>
+            </p:txBody>
+          </p:sp>
+          <p:sp>
+            <p:nvSpPr>
+              <p:cNvPr id="35" name="사각형: 둥근 모서리 34">
+                <a:extLst>
+                  <a:ext uri="{FF2B5EF4-FFF2-40B4-BE49-F238E27FC236}">
+                    <a16:creationId xmlns:a16="http://schemas.microsoft.com/office/drawing/2014/main" id="{ACA62B22-7BC3-1457-83F5-884BF2938A2C}"/>
+                  </a:ext>
+                </a:extLst>
+              </p:cNvPr>
+              <p:cNvSpPr/>
+              <p:nvPr/>
+            </p:nvSpPr>
+            <p:spPr>
+              <a:xfrm>
+                <a:off x="6428039" y="5299788"/>
+                <a:ext cx="2160000" cy="255668"/>
+              </a:xfrm>
+              <a:prstGeom prst="roundRect">
+                <a:avLst>
+                  <a:gd name="adj" fmla="val 0"/>
+                </a:avLst>
+              </a:prstGeom>
+              <a:solidFill>
+                <a:srgbClr val="454545"/>
+              </a:solidFill>
+              <a:ln>
+                <a:noFill/>
+              </a:ln>
+            </p:spPr>
+            <p:style>
+              <a:lnRef idx="2">
+                <a:schemeClr val="dk1"/>
+              </a:lnRef>
+              <a:fillRef idx="1">
+                <a:schemeClr val="lt1"/>
+              </a:fillRef>
+              <a:effectRef idx="0">
+                <a:schemeClr val="dk1"/>
+              </a:effectRef>
+              <a:fontRef idx="minor">
+                <a:schemeClr val="dk1"/>
+              </a:fontRef>
+            </p:style>
+            <p:txBody>
+              <a:bodyPr rtlCol="0" anchor="ctr"/>
+              <a:lstStyle/>
+              <a:p>
+                <a:pPr algn="ctr"/>
+                <a:endParaRPr lang="ko-KR" altLang="en-US"/>
+              </a:p>
+            </p:txBody>
+          </p:sp>
+        </p:grpSp>
+        <p:pic>
+          <p:nvPicPr>
+            <p:cNvPr id="30" name="그림 29" descr="블랙, 어둠이(가) 표시된 사진&#10;&#10;AI가 생성한 콘텐츠는 부정확할 수 있습니다.">
+              <a:extLst>
+                <a:ext uri="{FF2B5EF4-FFF2-40B4-BE49-F238E27FC236}">
+                  <a16:creationId xmlns:a16="http://schemas.microsoft.com/office/drawing/2014/main" id="{EFB1A528-7329-6318-94AB-F24F687ADA6B}"/>
+                </a:ext>
+              </a:extLst>
+            </p:cNvPr>
+            <p:cNvPicPr>
+              <a:picLocks noChangeAspect="1"/>
+            </p:cNvPicPr>
+            <p:nvPr/>
+          </p:nvPicPr>
+          <p:blipFill>
+            <a:blip r:embed="rId3">
+              <a:extLst>
+                <a:ext uri="{28A0092B-C50C-407E-A947-70E740481C1C}">
+                  <a14:useLocalDpi xmlns:a14="http://schemas.microsoft.com/office/drawing/2010/main" val="0"/>
+                </a:ext>
+              </a:extLst>
+            </a:blip>
+            <a:stretch>
+              <a:fillRect/>
+            </a:stretch>
+          </p:blipFill>
+          <p:spPr>
+            <a:xfrm>
+              <a:off x="7406388" y="5368957"/>
+              <a:ext cx="216000" cy="216000"/>
+            </a:xfrm>
+            <a:prstGeom prst="rect">
+              <a:avLst/>
+            </a:prstGeom>
+            <a:noFill/>
+          </p:spPr>
+        </p:pic>
+        <p:pic>
+          <p:nvPicPr>
+            <p:cNvPr id="38" name="그림 37" descr="블랙, 어둠이(가) 표시된 사진&#10;&#10;AI가 생성한 콘텐츠는 부정확할 수 있습니다.">
+              <a:extLst>
+                <a:ext uri="{FF2B5EF4-FFF2-40B4-BE49-F238E27FC236}">
+                  <a16:creationId xmlns:a16="http://schemas.microsoft.com/office/drawing/2014/main" id="{83259263-0267-E1C6-EFB0-DD66E45A47AF}"/>
+                </a:ext>
+              </a:extLst>
+            </p:cNvPr>
+            <p:cNvPicPr>
+              <a:picLocks noChangeAspect="1"/>
+            </p:cNvPicPr>
+            <p:nvPr/>
+          </p:nvPicPr>
+          <p:blipFill>
+            <a:blip r:embed="rId4">
+              <a:extLst>
+                <a:ext uri="{28A0092B-C50C-407E-A947-70E740481C1C}">
+                  <a14:useLocalDpi xmlns:a14="http://schemas.microsoft.com/office/drawing/2010/main" val="0"/>
+                </a:ext>
+              </a:extLst>
+            </a:blip>
+            <a:stretch>
+              <a:fillRect/>
+            </a:stretch>
+          </p:blipFill>
+          <p:spPr>
+            <a:xfrm>
+              <a:off x="6739339" y="5374228"/>
+              <a:ext cx="216000" cy="216000"/>
+            </a:xfrm>
+            <a:prstGeom prst="rect">
+              <a:avLst/>
+            </a:prstGeom>
+          </p:spPr>
+        </p:pic>
+        <p:pic>
+          <p:nvPicPr>
+            <p:cNvPr id="40" name="그림 39" descr="블랙, 어둠이(가) 표시된 사진&#10;&#10;AI가 생성한 콘텐츠는 부정확할 수 있습니다.">
+              <a:extLst>
+                <a:ext uri="{FF2B5EF4-FFF2-40B4-BE49-F238E27FC236}">
+                  <a16:creationId xmlns:a16="http://schemas.microsoft.com/office/drawing/2014/main" id="{624D5309-9718-E7DE-88CC-CC7B7EE50D70}"/>
+                </a:ext>
+              </a:extLst>
+            </p:cNvPr>
+            <p:cNvPicPr>
+              <a:picLocks noChangeAspect="1"/>
+            </p:cNvPicPr>
+            <p:nvPr/>
+          </p:nvPicPr>
+          <p:blipFill>
+            <a:blip r:embed="rId5">
+              <a:extLst>
+                <a:ext uri="{28A0092B-C50C-407E-A947-70E740481C1C}">
+                  <a14:useLocalDpi xmlns:a14="http://schemas.microsoft.com/office/drawing/2010/main" val="0"/>
+                </a:ext>
+              </a:extLst>
+            </a:blip>
+            <a:stretch>
+              <a:fillRect/>
+            </a:stretch>
+          </p:blipFill>
+          <p:spPr>
+            <a:xfrm>
+              <a:off x="8075268" y="5368957"/>
+              <a:ext cx="216000" cy="216000"/>
+            </a:xfrm>
+            <a:prstGeom prst="rect">
+              <a:avLst/>
+            </a:prstGeom>
+          </p:spPr>
+        </p:pic>
+        <p:sp>
+          <p:nvSpPr>
+            <p:cNvPr id="41" name="TextBox 40">
+              <a:extLst>
+                <a:ext uri="{FF2B5EF4-FFF2-40B4-BE49-F238E27FC236}">
+                  <a16:creationId xmlns:a16="http://schemas.microsoft.com/office/drawing/2014/main" id="{9C8C088D-7A92-5413-4DBF-ECD11AE27F60}"/>
+                </a:ext>
+              </a:extLst>
+            </p:cNvPr>
+            <p:cNvSpPr txBox="1"/>
+            <p:nvPr/>
+          </p:nvSpPr>
+          <p:spPr>
+            <a:xfrm>
+              <a:off x="6652537" y="5567033"/>
+              <a:ext cx="396262" cy="184666"/>
+            </a:xfrm>
+            <a:prstGeom prst="rect">
+              <a:avLst/>
+            </a:prstGeom>
+            <a:noFill/>
+          </p:spPr>
+          <p:txBody>
+            <a:bodyPr wrap="none" rtlCol="0">
+              <a:spAutoFit/>
+            </a:bodyPr>
+            <a:lstStyle/>
+            <a:p>
+              <a:r>
+                <a:rPr lang="ko-KR" altLang="en-US" sz="600" dirty="0"/>
+                <a:t>캘린더</a:t>
+              </a:r>
+            </a:p>
+          </p:txBody>
+        </p:sp>
+        <p:sp>
+          <p:nvSpPr>
+            <p:cNvPr id="42" name="TextBox 41">
+              <a:extLst>
+                <a:ext uri="{FF2B5EF4-FFF2-40B4-BE49-F238E27FC236}">
+                  <a16:creationId xmlns:a16="http://schemas.microsoft.com/office/drawing/2014/main" id="{A728A98A-6B01-9FCF-E898-3B20F613D12A}"/>
+                </a:ext>
+              </a:extLst>
+            </p:cNvPr>
+            <p:cNvSpPr txBox="1"/>
+            <p:nvPr/>
+          </p:nvSpPr>
+          <p:spPr>
+            <a:xfrm>
+              <a:off x="7380439" y="5567033"/>
+              <a:ext cx="255198" cy="184666"/>
+            </a:xfrm>
+            <a:prstGeom prst="rect">
+              <a:avLst/>
+            </a:prstGeom>
+            <a:noFill/>
+          </p:spPr>
+          <p:txBody>
+            <a:bodyPr wrap="none" rtlCol="0">
+              <a:spAutoFit/>
+            </a:bodyPr>
+            <a:lstStyle/>
+            <a:p>
+              <a:r>
+                <a:rPr lang="ko-KR" altLang="en-US" sz="600" dirty="0">
+                  <a:solidFill>
+                    <a:srgbClr val="D35021"/>
+                  </a:solidFill>
+                </a:rPr>
+                <a:t>홈</a:t>
+              </a:r>
+            </a:p>
+          </p:txBody>
+        </p:sp>
+        <p:sp>
+          <p:nvSpPr>
+            <p:cNvPr id="43" name="TextBox 42">
+              <a:extLst>
+                <a:ext uri="{FF2B5EF4-FFF2-40B4-BE49-F238E27FC236}">
+                  <a16:creationId xmlns:a16="http://schemas.microsoft.com/office/drawing/2014/main" id="{940DFA14-E119-DF27-0388-2784E3135A66}"/>
+                </a:ext>
+              </a:extLst>
+            </p:cNvPr>
+            <p:cNvSpPr txBox="1"/>
+            <p:nvPr/>
+          </p:nvSpPr>
+          <p:spPr>
+            <a:xfrm>
+              <a:off x="7962467" y="5567033"/>
+              <a:ext cx="486030" cy="184666"/>
+            </a:xfrm>
+            <a:prstGeom prst="rect">
+              <a:avLst/>
+            </a:prstGeom>
+            <a:noFill/>
+          </p:spPr>
+          <p:txBody>
+            <a:bodyPr wrap="none" rtlCol="0">
+              <a:spAutoFit/>
+            </a:bodyPr>
+            <a:lstStyle/>
+            <a:p>
+              <a:r>
+                <a:rPr lang="ko-KR" altLang="en-US" sz="600" dirty="0"/>
+                <a:t>나의 루틴</a:t>
+              </a:r>
+            </a:p>
+          </p:txBody>
+        </p:sp>
+      </p:grpSp>
+    </p:spTree>
+    <p:extLst>
+      <p:ext uri="{BB962C8B-B14F-4D97-AF65-F5344CB8AC3E}">
+        <p14:creationId xmlns:p14="http://schemas.microsoft.com/office/powerpoint/2010/main" val="3344936195"/>
+      </p:ext>
+    </p:extLst>
   </p:cSld>
   <p:clrMapOvr>
     <a:masterClrMapping/>
@@ -8495,7 +10715,7 @@
           <p:cNvPr id="2" name="제목 1">
             <a:extLst>
               <a:ext uri="{FF2B5EF4-FFF2-40B4-BE49-F238E27FC236}">
-                <a16:creationId xmlns:a16="http://schemas.microsoft.com/office/drawing/2014/main" xmlns="" id="{941228B6-94E0-F18D-A941-013636FB5675}"/>
+                <a16:creationId xmlns:a16="http://schemas.microsoft.com/office/drawing/2014/main" id="{941228B6-94E0-F18D-A941-013636FB5675}"/>
               </a:ext>
             </a:extLst>
           </p:cNvPr>
@@ -8523,7 +10743,7 @@
           <p:cNvPr id="3" name="내용 개체 틀 2">
             <a:extLst>
               <a:ext uri="{FF2B5EF4-FFF2-40B4-BE49-F238E27FC236}">
-                <a16:creationId xmlns:a16="http://schemas.microsoft.com/office/drawing/2014/main" xmlns="" id="{FE8FE010-E7E8-B0C2-5369-6400B2F2B631}"/>
+                <a16:creationId xmlns:a16="http://schemas.microsoft.com/office/drawing/2014/main" id="{FE8FE010-E7E8-B0C2-5369-6400B2F2B631}"/>
               </a:ext>
             </a:extLst>
           </p:cNvPr>
@@ -8717,7 +10937,7 @@
           <p:cNvPr id="4" name="Text 2">
             <a:extLst>
               <a:ext uri="{FF2B5EF4-FFF2-40B4-BE49-F238E27FC236}">
-                <a16:creationId xmlns:a16="http://schemas.microsoft.com/office/drawing/2014/main" xmlns="" id="{3790325E-1DAC-8D20-9A47-C77DB2475DF4}"/>
+                <a16:creationId xmlns:a16="http://schemas.microsoft.com/office/drawing/2014/main" id="{3790325E-1DAC-8D20-9A47-C77DB2475DF4}"/>
               </a:ext>
             </a:extLst>
           </p:cNvPr>
@@ -8875,7 +11095,7 @@
           <p:cNvPr id="5" name="Text 3">
             <a:extLst>
               <a:ext uri="{FF2B5EF4-FFF2-40B4-BE49-F238E27FC236}">
-                <a16:creationId xmlns:a16="http://schemas.microsoft.com/office/drawing/2014/main" xmlns="" id="{005E38C4-A4CB-8A94-FECA-36F88A6A624C}"/>
+                <a16:creationId xmlns:a16="http://schemas.microsoft.com/office/drawing/2014/main" id="{005E38C4-A4CB-8A94-FECA-36F88A6A624C}"/>
               </a:ext>
             </a:extLst>
           </p:cNvPr>
@@ -9033,7 +11253,7 @@
           <p:cNvPr id="6" name="Text 4">
             <a:extLst>
               <a:ext uri="{FF2B5EF4-FFF2-40B4-BE49-F238E27FC236}">
-                <a16:creationId xmlns:a16="http://schemas.microsoft.com/office/drawing/2014/main" xmlns="" id="{B3B667C8-247E-6855-7AF4-315BB8EF40F9}"/>
+                <a16:creationId xmlns:a16="http://schemas.microsoft.com/office/drawing/2014/main" id="{B3B667C8-247E-6855-7AF4-315BB8EF40F9}"/>
               </a:ext>
             </a:extLst>
           </p:cNvPr>
@@ -9180,7 +11400,7 @@
           <p:cNvPr id="7" name="Text 5">
             <a:extLst>
               <a:ext uri="{FF2B5EF4-FFF2-40B4-BE49-F238E27FC236}">
-                <a16:creationId xmlns:a16="http://schemas.microsoft.com/office/drawing/2014/main" xmlns="" id="{F2E5CA25-6C01-BEA9-5D14-24BC875ADB8B}"/>
+                <a16:creationId xmlns:a16="http://schemas.microsoft.com/office/drawing/2014/main" id="{F2E5CA25-6C01-BEA9-5D14-24BC875ADB8B}"/>
               </a:ext>
             </a:extLst>
           </p:cNvPr>
@@ -9323,7 +11543,7 @@
     </p:spTree>
     <p:extLst>
       <p:ext uri="{BB962C8B-B14F-4D97-AF65-F5344CB8AC3E}">
-        <p14:creationId xmlns:p14="http://schemas.microsoft.com/office/powerpoint/2010/main" xmlns="" val="508996382"/>
+        <p14:creationId xmlns:p14="http://schemas.microsoft.com/office/powerpoint/2010/main" val="508996382"/>
       </p:ext>
     </p:extLst>
   </p:cSld>
@@ -9355,7 +11575,7 @@
           <p:cNvPr id="2" name="제목 1">
             <a:extLst>
               <a:ext uri="{FF2B5EF4-FFF2-40B4-BE49-F238E27FC236}">
-                <a16:creationId xmlns:a16="http://schemas.microsoft.com/office/drawing/2014/main" xmlns="" id="{0D5CB81A-ACA2-D950-6D50-F2D180B66E70}"/>
+                <a16:creationId xmlns:a16="http://schemas.microsoft.com/office/drawing/2014/main" id="{0D5CB81A-ACA2-D950-6D50-F2D180B66E70}"/>
               </a:ext>
             </a:extLst>
           </p:cNvPr>
@@ -9383,7 +11603,7 @@
           <p:cNvPr id="4" name="그룹 3">
             <a:extLst>
               <a:ext uri="{FF2B5EF4-FFF2-40B4-BE49-F238E27FC236}">
-                <a16:creationId xmlns:a16="http://schemas.microsoft.com/office/drawing/2014/main" xmlns="" id="{916C42A2-36A0-41EE-ED98-586263DBDB72}"/>
+                <a16:creationId xmlns:a16="http://schemas.microsoft.com/office/drawing/2014/main" id="{916C42A2-36A0-41EE-ED98-586263DBDB72}"/>
               </a:ext>
             </a:extLst>
           </p:cNvPr>
@@ -9403,7 +11623,7 @@
             <p:cNvPr id="5" name="Text 2">
               <a:extLst>
                 <a:ext uri="{FF2B5EF4-FFF2-40B4-BE49-F238E27FC236}">
-                  <a16:creationId xmlns:a16="http://schemas.microsoft.com/office/drawing/2014/main" xmlns="" id="{76A73366-506F-F0E9-E35A-BC5FF84A2EC7}"/>
+                  <a16:creationId xmlns:a16="http://schemas.microsoft.com/office/drawing/2014/main" id="{76A73366-506F-F0E9-E35A-BC5FF84A2EC7}"/>
                 </a:ext>
               </a:extLst>
             </p:cNvPr>
@@ -9545,7 +11765,7 @@
             <p:cNvPr id="6" name="Text 3">
               <a:extLst>
                 <a:ext uri="{FF2B5EF4-FFF2-40B4-BE49-F238E27FC236}">
-                  <a16:creationId xmlns:a16="http://schemas.microsoft.com/office/drawing/2014/main" xmlns="" id="{1358C655-4FD1-EEE2-536E-AFC8777727D1}"/>
+                  <a16:creationId xmlns:a16="http://schemas.microsoft.com/office/drawing/2014/main" id="{1358C655-4FD1-EEE2-536E-AFC8777727D1}"/>
                 </a:ext>
               </a:extLst>
             </p:cNvPr>
@@ -9687,7 +11907,7 @@
             <p:cNvPr id="7" name="Text 4">
               <a:extLst>
                 <a:ext uri="{FF2B5EF4-FFF2-40B4-BE49-F238E27FC236}">
-                  <a16:creationId xmlns:a16="http://schemas.microsoft.com/office/drawing/2014/main" xmlns="" id="{028C9826-820F-2EF9-36CE-6F2616F58023}"/>
+                  <a16:creationId xmlns:a16="http://schemas.microsoft.com/office/drawing/2014/main" id="{028C9826-820F-2EF9-36CE-6F2616F58023}"/>
                 </a:ext>
               </a:extLst>
             </p:cNvPr>
@@ -9829,7 +12049,7 @@
             <p:cNvPr id="8" name="Text 5">
               <a:extLst>
                 <a:ext uri="{FF2B5EF4-FFF2-40B4-BE49-F238E27FC236}">
-                  <a16:creationId xmlns:a16="http://schemas.microsoft.com/office/drawing/2014/main" xmlns="" id="{25B1EECB-1354-B662-C591-8442335B920E}"/>
+                  <a16:creationId xmlns:a16="http://schemas.microsoft.com/office/drawing/2014/main" id="{25B1EECB-1354-B662-C591-8442335B920E}"/>
                 </a:ext>
               </a:extLst>
             </p:cNvPr>
@@ -9972,7 +12192,7 @@
           <p:cNvPr id="9" name="그룹 8">
             <a:extLst>
               <a:ext uri="{FF2B5EF4-FFF2-40B4-BE49-F238E27FC236}">
-                <a16:creationId xmlns:a16="http://schemas.microsoft.com/office/drawing/2014/main" xmlns="" id="{E965479C-0DAB-0A43-E777-4E70B3A800CE}"/>
+                <a16:creationId xmlns:a16="http://schemas.microsoft.com/office/drawing/2014/main" id="{E965479C-0DAB-0A43-E777-4E70B3A800CE}"/>
               </a:ext>
             </a:extLst>
           </p:cNvPr>
@@ -9992,7 +12212,7 @@
             <p:cNvPr id="10" name="Text 7">
               <a:extLst>
                 <a:ext uri="{FF2B5EF4-FFF2-40B4-BE49-F238E27FC236}">
-                  <a16:creationId xmlns:a16="http://schemas.microsoft.com/office/drawing/2014/main" xmlns="" id="{F670BAD3-5D4D-9FC1-0262-0D9B1A06952F}"/>
+                  <a16:creationId xmlns:a16="http://schemas.microsoft.com/office/drawing/2014/main" id="{F670BAD3-5D4D-9FC1-0262-0D9B1A06952F}"/>
                 </a:ext>
               </a:extLst>
             </p:cNvPr>
@@ -10134,7 +12354,7 @@
             <p:cNvPr id="11" name="Text 8">
               <a:extLst>
                 <a:ext uri="{FF2B5EF4-FFF2-40B4-BE49-F238E27FC236}">
-                  <a16:creationId xmlns:a16="http://schemas.microsoft.com/office/drawing/2014/main" xmlns="" id="{AD4BE0DA-C8C0-E5F3-0F97-395DF316B470}"/>
+                  <a16:creationId xmlns:a16="http://schemas.microsoft.com/office/drawing/2014/main" id="{AD4BE0DA-C8C0-E5F3-0F97-395DF316B470}"/>
                 </a:ext>
               </a:extLst>
             </p:cNvPr>
@@ -10279,7 +12499,7 @@
             <p:cNvPr id="12" name="Text 9">
               <a:extLst>
                 <a:ext uri="{FF2B5EF4-FFF2-40B4-BE49-F238E27FC236}">
-                  <a16:creationId xmlns:a16="http://schemas.microsoft.com/office/drawing/2014/main" xmlns="" id="{F94BE7A4-52C7-07C6-4278-9801935E606C}"/>
+                  <a16:creationId xmlns:a16="http://schemas.microsoft.com/office/drawing/2014/main" id="{F94BE7A4-52C7-07C6-4278-9801935E606C}"/>
                 </a:ext>
               </a:extLst>
             </p:cNvPr>
@@ -10424,7 +12644,7 @@
             <p:cNvPr id="13" name="Text 10">
               <a:extLst>
                 <a:ext uri="{FF2B5EF4-FFF2-40B4-BE49-F238E27FC236}">
-                  <a16:creationId xmlns:a16="http://schemas.microsoft.com/office/drawing/2014/main" xmlns="" id="{3D7B0FB0-36A1-22B0-75CA-DC80BCDEAE3B}"/>
+                  <a16:creationId xmlns:a16="http://schemas.microsoft.com/office/drawing/2014/main" id="{3D7B0FB0-36A1-22B0-75CA-DC80BCDEAE3B}"/>
                 </a:ext>
               </a:extLst>
             </p:cNvPr>
@@ -10569,7 +12789,7 @@
             <p:cNvPr id="14" name="Text 11">
               <a:extLst>
                 <a:ext uri="{FF2B5EF4-FFF2-40B4-BE49-F238E27FC236}">
-                  <a16:creationId xmlns:a16="http://schemas.microsoft.com/office/drawing/2014/main" xmlns="" id="{11FA1DD5-113E-8AAD-FE5C-72C5D577CB65}"/>
+                  <a16:creationId xmlns:a16="http://schemas.microsoft.com/office/drawing/2014/main" id="{11FA1DD5-113E-8AAD-FE5C-72C5D577CB65}"/>
                 </a:ext>
               </a:extLst>
             </p:cNvPr>
@@ -10713,7 +12933,7 @@
     </p:spTree>
     <p:extLst>
       <p:ext uri="{BB962C8B-B14F-4D97-AF65-F5344CB8AC3E}">
-        <p14:creationId xmlns:p14="http://schemas.microsoft.com/office/powerpoint/2010/main" xmlns="" val="1681908279"/>
+        <p14:creationId xmlns:p14="http://schemas.microsoft.com/office/powerpoint/2010/main" val="1681908279"/>
       </p:ext>
     </p:extLst>
   </p:cSld>
@@ -10745,7 +12965,7 @@
           <p:cNvPr id="2" name="제목 1">
             <a:extLst>
               <a:ext uri="{FF2B5EF4-FFF2-40B4-BE49-F238E27FC236}">
-                <a16:creationId xmlns:a16="http://schemas.microsoft.com/office/drawing/2014/main" xmlns="" id="{4739ABCF-5265-F52E-5671-4188773B8FF3}"/>
+                <a16:creationId xmlns:a16="http://schemas.microsoft.com/office/drawing/2014/main" id="{4739ABCF-5265-F52E-5671-4188773B8FF3}"/>
               </a:ext>
             </a:extLst>
           </p:cNvPr>
@@ -10778,7 +12998,7 @@
           <p:cNvPr id="4" name="그룹 3">
             <a:extLst>
               <a:ext uri="{FF2B5EF4-FFF2-40B4-BE49-F238E27FC236}">
-                <a16:creationId xmlns:a16="http://schemas.microsoft.com/office/drawing/2014/main" xmlns="" id="{3E6F46DA-F299-768E-C28D-73CA9658F427}"/>
+                <a16:creationId xmlns:a16="http://schemas.microsoft.com/office/drawing/2014/main" id="{3E6F46DA-F299-768E-C28D-73CA9658F427}"/>
               </a:ext>
             </a:extLst>
           </p:cNvPr>
@@ -10798,7 +13018,7 @@
             <p:cNvPr id="5" name="Text 1">
               <a:extLst>
                 <a:ext uri="{FF2B5EF4-FFF2-40B4-BE49-F238E27FC236}">
-                  <a16:creationId xmlns:a16="http://schemas.microsoft.com/office/drawing/2014/main" xmlns="" id="{7F2A97E9-B647-6219-9B15-9BBACB9CE680}"/>
+                  <a16:creationId xmlns:a16="http://schemas.microsoft.com/office/drawing/2014/main" id="{7F2A97E9-B647-6219-9B15-9BBACB9CE680}"/>
                 </a:ext>
               </a:extLst>
             </p:cNvPr>
@@ -10943,7 +13163,7 @@
             <p:cNvPr id="6" name="Text 2">
               <a:extLst>
                 <a:ext uri="{FF2B5EF4-FFF2-40B4-BE49-F238E27FC236}">
-                  <a16:creationId xmlns:a16="http://schemas.microsoft.com/office/drawing/2014/main" xmlns="" id="{69183812-DADB-835E-054F-71AF2FEBD395}"/>
+                  <a16:creationId xmlns:a16="http://schemas.microsoft.com/office/drawing/2014/main" id="{69183812-DADB-835E-054F-71AF2FEBD395}"/>
                 </a:ext>
               </a:extLst>
             </p:cNvPr>
@@ -11089,7 +13309,7 @@
             <p:cNvPr id="7" name="Text 3">
               <a:extLst>
                 <a:ext uri="{FF2B5EF4-FFF2-40B4-BE49-F238E27FC236}">
-                  <a16:creationId xmlns:a16="http://schemas.microsoft.com/office/drawing/2014/main" xmlns="" id="{15E70594-FF94-7AEC-B7B1-991AA19F3DA6}"/>
+                  <a16:creationId xmlns:a16="http://schemas.microsoft.com/office/drawing/2014/main" id="{15E70594-FF94-7AEC-B7B1-991AA19F3DA6}"/>
                 </a:ext>
               </a:extLst>
             </p:cNvPr>
@@ -11235,7 +13455,7 @@
             <p:cNvPr id="8" name="Text 4">
               <a:extLst>
                 <a:ext uri="{FF2B5EF4-FFF2-40B4-BE49-F238E27FC236}">
-                  <a16:creationId xmlns:a16="http://schemas.microsoft.com/office/drawing/2014/main" xmlns="" id="{C33D9E5D-C0EF-D5DE-52D8-822FB889A34D}"/>
+                  <a16:creationId xmlns:a16="http://schemas.microsoft.com/office/drawing/2014/main" id="{C33D9E5D-C0EF-D5DE-52D8-822FB889A34D}"/>
                 </a:ext>
               </a:extLst>
             </p:cNvPr>
@@ -11381,7 +13601,7 @@
             <p:cNvPr id="9" name="Text 5">
               <a:extLst>
                 <a:ext uri="{FF2B5EF4-FFF2-40B4-BE49-F238E27FC236}">
-                  <a16:creationId xmlns:a16="http://schemas.microsoft.com/office/drawing/2014/main" xmlns="" id="{1F5E8197-FF71-7761-2F5A-2EAA94870CA1}"/>
+                  <a16:creationId xmlns:a16="http://schemas.microsoft.com/office/drawing/2014/main" id="{1F5E8197-FF71-7761-2F5A-2EAA94870CA1}"/>
                 </a:ext>
               </a:extLst>
             </p:cNvPr>
@@ -11526,7 +13746,7 @@
             <p:cNvPr id="10" name="Text 6">
               <a:extLst>
                 <a:ext uri="{FF2B5EF4-FFF2-40B4-BE49-F238E27FC236}">
-                  <a16:creationId xmlns:a16="http://schemas.microsoft.com/office/drawing/2014/main" xmlns="" id="{3E29E6DF-A594-9CCB-72A4-46A68F264358}"/>
+                  <a16:creationId xmlns:a16="http://schemas.microsoft.com/office/drawing/2014/main" id="{3E29E6DF-A594-9CCB-72A4-46A68F264358}"/>
                 </a:ext>
               </a:extLst>
             </p:cNvPr>
@@ -11672,7 +13892,7 @@
             <p:cNvPr id="11" name="Text 7">
               <a:extLst>
                 <a:ext uri="{FF2B5EF4-FFF2-40B4-BE49-F238E27FC236}">
-                  <a16:creationId xmlns:a16="http://schemas.microsoft.com/office/drawing/2014/main" xmlns="" id="{197FCF90-2934-77B7-8BC7-F69113EBA757}"/>
+                  <a16:creationId xmlns:a16="http://schemas.microsoft.com/office/drawing/2014/main" id="{197FCF90-2934-77B7-8BC7-F69113EBA757}"/>
                 </a:ext>
               </a:extLst>
             </p:cNvPr>
@@ -11818,7 +14038,7 @@
             <p:cNvPr id="12" name="Text 8">
               <a:extLst>
                 <a:ext uri="{FF2B5EF4-FFF2-40B4-BE49-F238E27FC236}">
-                  <a16:creationId xmlns:a16="http://schemas.microsoft.com/office/drawing/2014/main" xmlns="" id="{69E92D97-4C63-EA95-1B96-564F8CCCE863}"/>
+                  <a16:creationId xmlns:a16="http://schemas.microsoft.com/office/drawing/2014/main" id="{69E92D97-4C63-EA95-1B96-564F8CCCE863}"/>
                 </a:ext>
               </a:extLst>
             </p:cNvPr>
@@ -11963,7 +14183,7 @@
     </p:spTree>
     <p:extLst>
       <p:ext uri="{BB962C8B-B14F-4D97-AF65-F5344CB8AC3E}">
-        <p14:creationId xmlns:p14="http://schemas.microsoft.com/office/powerpoint/2010/main" xmlns="" val="3150468693"/>
+        <p14:creationId xmlns:p14="http://schemas.microsoft.com/office/powerpoint/2010/main" val="3150468693"/>
       </p:ext>
     </p:extLst>
   </p:cSld>
@@ -12011,10 +14231,9 @@
           <a:lstStyle/>
           <a:p>
             <a:r>
-              <a:rPr lang="ko-KR" altLang="en-US" dirty="0" smtClean="0"/>
+              <a:rPr lang="ko-KR" altLang="en-US" dirty="0"/>
               <a:t>사용자 흐름 </a:t>
             </a:r>
-            <a:endParaRPr lang="ko-KR" altLang="en-US" dirty="0"/>
           </a:p>
         </p:txBody>
       </p:sp>
@@ -12026,6 +14245,11 @@
           </p:cNvGraphicFramePr>
           <p:nvPr>
             <p:ph idx="1"/>
+            <p:extLst>
+              <p:ext uri="{D42A27DB-BD31-4B8C-83A1-F6EECF244321}">
+                <p14:modId xmlns:p14="http://schemas.microsoft.com/office/powerpoint/2010/main" val="919480327"/>
+              </p:ext>
+            </p:extLst>
           </p:nvPr>
         </p:nvGraphicFramePr>
         <p:xfrm>
@@ -12084,10 +14308,9 @@
           <a:lstStyle/>
           <a:p>
             <a:r>
-              <a:rPr lang="ko-KR" altLang="en-US" dirty="0" smtClean="0"/>
+              <a:rPr lang="ko-KR" altLang="en-US" dirty="0"/>
               <a:t>주요 기능 설계</a:t>
             </a:r>
-            <a:endParaRPr lang="ko-KR" altLang="en-US" dirty="0"/>
           </a:p>
         </p:txBody>
       </p:sp>
@@ -12112,9 +14335,27 @@
                 <a:tableStyleId>{F2DE63D5-997A-4646-A377-4702673A728D}</a:tableStyleId>
               </a:tblPr>
               <a:tblGrid>
-                <a:gridCol w="2808673"/>
-                <a:gridCol w="3192898"/>
-                <a:gridCol w="4473390"/>
+                <a:gridCol w="2808673">
+                  <a:extLst>
+                    <a:ext uri="{9D8B030D-6E8A-4147-A177-3AD203B41FA5}">
+                      <a16:colId xmlns:a16="http://schemas.microsoft.com/office/drawing/2014/main" val="20000"/>
+                    </a:ext>
+                  </a:extLst>
+                </a:gridCol>
+                <a:gridCol w="3192898">
+                  <a:extLst>
+                    <a:ext uri="{9D8B030D-6E8A-4147-A177-3AD203B41FA5}">
+                      <a16:colId xmlns:a16="http://schemas.microsoft.com/office/drawing/2014/main" val="20001"/>
+                    </a:ext>
+                  </a:extLst>
+                </a:gridCol>
+                <a:gridCol w="4473390">
+                  <a:extLst>
+                    <a:ext uri="{9D8B030D-6E8A-4147-A177-3AD203B41FA5}">
+                      <a16:colId xmlns:a16="http://schemas.microsoft.com/office/drawing/2014/main" val="20002"/>
+                    </a:ext>
+                  </a:extLst>
+                </a:gridCol>
               </a:tblGrid>
               <a:tr h="485588">
                 <a:tc>
@@ -12124,10 +14365,10 @@
                     <a:p>
                       <a:pPr algn="ctr" latinLnBrk="1"/>
                       <a:r>
-                        <a:rPr lang="ko-KR" altLang="en-US" dirty="0" smtClean="0"/>
+                        <a:rPr lang="ko-KR" altLang="en-US" dirty="0"/>
                         <a:t>화면</a:t>
                       </a:r>
-                      <a:endParaRPr lang="en-US" altLang="ko-KR" dirty="0" smtClean="0"/>
+                      <a:endParaRPr lang="en-US" altLang="ko-KR" dirty="0"/>
                     </a:p>
                   </a:txBody>
                   <a:tcPr>
@@ -12176,10 +14417,9 @@
                     <a:p>
                       <a:pPr algn="ctr" latinLnBrk="1"/>
                       <a:r>
-                        <a:rPr lang="ko-KR" altLang="en-US" dirty="0" smtClean="0"/>
+                        <a:rPr lang="ko-KR" altLang="en-US" dirty="0"/>
                         <a:t>기능</a:t>
                       </a:r>
-                      <a:endParaRPr lang="ko-KR" altLang="en-US" dirty="0"/>
                     </a:p>
                   </a:txBody>
                   <a:tcPr>
@@ -12228,10 +14468,9 @@
                     <a:p>
                       <a:pPr algn="ctr" latinLnBrk="1"/>
                       <a:r>
-                        <a:rPr lang="ko-KR" altLang="en-US" dirty="0" smtClean="0"/>
+                        <a:rPr lang="ko-KR" altLang="en-US" dirty="0"/>
                         <a:t>설명</a:t>
                       </a:r>
-                      <a:endParaRPr lang="ko-KR" altLang="en-US" dirty="0"/>
                     </a:p>
                   </a:txBody>
                   <a:tcPr>
@@ -12273,6 +14512,11 @@
                     </a:lnB>
                   </a:tcPr>
                 </a:tc>
+                <a:extLst>
+                  <a:ext uri="{0D108BD9-81ED-4DB2-BD59-A6C34878D82A}">
+                    <a16:rowId xmlns:a16="http://schemas.microsoft.com/office/drawing/2014/main" val="10000"/>
+                  </a:ext>
+                </a:extLst>
               </a:tr>
               <a:tr h="492333">
                 <a:tc>
@@ -12286,10 +14530,9 @@
                         </a:lnSpc>
                       </a:pPr>
                       <a:r>
-                        <a:rPr lang="ko-KR" altLang="en-US" dirty="0" smtClean="0"/>
+                        <a:rPr lang="ko-KR" altLang="en-US" dirty="0"/>
                         <a:t>홈</a:t>
                       </a:r>
-                      <a:endParaRPr lang="ko-KR" altLang="en-US" dirty="0"/>
                     </a:p>
                   </a:txBody>
                   <a:tcPr>
@@ -12342,10 +14585,9 @@
                         </a:lnSpc>
                       </a:pPr>
                       <a:r>
-                        <a:rPr lang="ko-KR" altLang="en-US" dirty="0" smtClean="0"/>
+                        <a:rPr lang="ko-KR" altLang="en-US" dirty="0"/>
                         <a:t>오늘의 루틴 보기</a:t>
                       </a:r>
-                      <a:endParaRPr lang="ko-KR" altLang="en-US" dirty="0"/>
                     </a:p>
                   </a:txBody>
                   <a:tcPr>
@@ -12398,19 +14640,19 @@
                         </a:lnSpc>
                       </a:pPr>
                       <a:r>
-                        <a:rPr lang="ko-KR" altLang="en-US" dirty="0" smtClean="0"/>
+                        <a:rPr lang="ko-KR" altLang="en-US" dirty="0"/>
                         <a:t>체크 가능한 루틴 목록 </a:t>
                       </a:r>
                       <a:r>
-                        <a:rPr lang="en-US" altLang="ko-KR" dirty="0" smtClean="0"/>
+                        <a:rPr lang="en-US" altLang="ko-KR" dirty="0"/>
                         <a:t>(</a:t>
                       </a:r>
                       <a:r>
-                        <a:rPr lang="ko-KR" altLang="en-US" dirty="0" smtClean="0"/>
+                        <a:rPr lang="ko-KR" altLang="en-US" dirty="0"/>
                         <a:t>진행률 표시</a:t>
                       </a:r>
                       <a:r>
-                        <a:rPr lang="en-US" altLang="ko-KR" dirty="0" smtClean="0"/>
+                        <a:rPr lang="en-US" altLang="ko-KR" dirty="0"/>
                         <a:t>)</a:t>
                       </a:r>
                       <a:endParaRPr lang="ko-KR" altLang="en-US" dirty="0"/>
@@ -12455,6 +14697,11 @@
                     </a:lnB>
                   </a:tcPr>
                 </a:tc>
+                <a:extLst>
+                  <a:ext uri="{0D108BD9-81ED-4DB2-BD59-A6C34878D82A}">
+                    <a16:rowId xmlns:a16="http://schemas.microsoft.com/office/drawing/2014/main" val="10001"/>
+                  </a:ext>
+                </a:extLst>
               </a:tr>
               <a:tr h="492333">
                 <a:tc>
@@ -12468,10 +14715,9 @@
                         </a:lnSpc>
                       </a:pPr>
                       <a:r>
-                        <a:rPr lang="ko-KR" altLang="en-US" dirty="0" smtClean="0"/>
+                        <a:rPr lang="ko-KR" altLang="en-US" dirty="0"/>
                         <a:t>루틴 등록</a:t>
                       </a:r>
-                      <a:endParaRPr lang="ko-KR" altLang="en-US" dirty="0"/>
                     </a:p>
                   </a:txBody>
                   <a:tcPr>
@@ -12524,18 +14770,17 @@
                         </a:lnSpc>
                       </a:pPr>
                       <a:r>
-                        <a:rPr lang="ko-KR" altLang="en-US" dirty="0" smtClean="0"/>
+                        <a:rPr lang="ko-KR" altLang="en-US" dirty="0"/>
                         <a:t>직접입력 </a:t>
                       </a:r>
                       <a:r>
-                        <a:rPr lang="en-US" altLang="ko-KR" dirty="0" smtClean="0"/>
+                        <a:rPr lang="en-US" altLang="ko-KR" dirty="0"/>
                         <a:t>or AI </a:t>
                       </a:r>
                       <a:r>
-                        <a:rPr lang="ko-KR" altLang="en-US" dirty="0" smtClean="0"/>
+                        <a:rPr lang="ko-KR" altLang="en-US" dirty="0"/>
                         <a:t>추천</a:t>
                       </a:r>
-                      <a:endParaRPr lang="ko-KR" altLang="en-US" dirty="0"/>
                     </a:p>
                   </a:txBody>
                   <a:tcPr anchor="ctr">
@@ -12588,26 +14833,25 @@
                         </a:lnSpc>
                       </a:pPr>
                       <a:r>
-                        <a:rPr lang="ko-KR" altLang="en-US" dirty="0" smtClean="0"/>
+                        <a:rPr lang="ko-KR" altLang="en-US" dirty="0"/>
                         <a:t>목표 입력 → </a:t>
                       </a:r>
                       <a:r>
-                        <a:rPr lang="en-US" altLang="ko-KR" dirty="0" smtClean="0"/>
+                        <a:rPr lang="en-US" altLang="ko-KR" dirty="0"/>
                         <a:t>GPT </a:t>
                       </a:r>
                       <a:r>
-                        <a:rPr lang="ko-KR" altLang="en-US" dirty="0" smtClean="0"/>
+                        <a:rPr lang="ko-KR" altLang="en-US" dirty="0"/>
                         <a:t>추천 루틴 선택</a:t>
                       </a:r>
                       <a:r>
-                        <a:rPr lang="en-US" altLang="ko-KR" dirty="0" smtClean="0"/>
+                        <a:rPr lang="en-US" altLang="ko-KR" dirty="0"/>
                         <a:t>/</a:t>
                       </a:r>
                       <a:r>
-                        <a:rPr lang="ko-KR" altLang="en-US" dirty="0" smtClean="0"/>
+                        <a:rPr lang="ko-KR" altLang="en-US" dirty="0"/>
                         <a:t>수정</a:t>
                       </a:r>
-                      <a:endParaRPr lang="ko-KR" altLang="en-US" dirty="0"/>
                     </a:p>
                   </a:txBody>
                   <a:tcPr>
@@ -12649,6 +14893,11 @@
                     </a:lnB>
                   </a:tcPr>
                 </a:tc>
+                <a:extLst>
+                  <a:ext uri="{0D108BD9-81ED-4DB2-BD59-A6C34878D82A}">
+                    <a16:rowId xmlns:a16="http://schemas.microsoft.com/office/drawing/2014/main" val="10002"/>
+                  </a:ext>
+                </a:extLst>
               </a:tr>
               <a:tr h="492333">
                 <a:tc>
@@ -12662,15 +14911,15 @@
                         </a:lnSpc>
                       </a:pPr>
                       <a:r>
-                        <a:rPr lang="en-US" altLang="ko-KR" dirty="0" smtClean="0"/>
+                        <a:rPr lang="en-US" altLang="ko-KR" dirty="0"/>
                         <a:t>AI </a:t>
                       </a:r>
                       <a:r>
-                        <a:rPr lang="ko-KR" altLang="en-US" dirty="0" smtClean="0"/>
+                        <a:rPr lang="ko-KR" altLang="en-US" dirty="0"/>
                         <a:t>추천 </a:t>
                       </a:r>
                       <a:r>
-                        <a:rPr lang="ko-KR" altLang="en-US" dirty="0" err="1" smtClean="0"/>
+                        <a:rPr lang="ko-KR" altLang="en-US" dirty="0" err="1"/>
                         <a:t>챗봇</a:t>
                       </a:r>
                       <a:endParaRPr lang="ko-KR" altLang="en-US" dirty="0"/>
@@ -12726,15 +14975,15 @@
                         </a:lnSpc>
                       </a:pPr>
                       <a:r>
-                        <a:rPr lang="en-US" altLang="ko-KR" dirty="0" smtClean="0"/>
+                        <a:rPr lang="en-US" altLang="ko-KR" dirty="0"/>
                         <a:t>GPT</a:t>
                       </a:r>
                       <a:r>
-                        <a:rPr lang="en-US" altLang="ko-KR" baseline="0" dirty="0" smtClean="0"/>
+                        <a:rPr lang="en-US" altLang="ko-KR" baseline="0" dirty="0"/>
                         <a:t> </a:t>
                       </a:r>
                       <a:r>
-                        <a:rPr lang="ko-KR" altLang="en-US" baseline="0" dirty="0" smtClean="0"/>
+                        <a:rPr lang="ko-KR" altLang="en-US" baseline="0" dirty="0"/>
                         <a:t>연동</a:t>
                       </a:r>
                       <a:endParaRPr lang="ko-KR" altLang="en-US" dirty="0"/>
@@ -12790,10 +15039,9 @@
                         </a:lnSpc>
                       </a:pPr>
                       <a:r>
-                        <a:rPr lang="ko-KR" altLang="en-US" dirty="0" smtClean="0"/>
+                        <a:rPr lang="ko-KR" altLang="en-US" dirty="0"/>
                         <a:t>프롬프트 기반 루틴 생성 기능</a:t>
                       </a:r>
-                      <a:endParaRPr lang="ko-KR" altLang="en-US" dirty="0"/>
                     </a:p>
                   </a:txBody>
                   <a:tcPr>
@@ -12835,6 +15083,11 @@
                     </a:lnB>
                   </a:tcPr>
                 </a:tc>
+                <a:extLst>
+                  <a:ext uri="{0D108BD9-81ED-4DB2-BD59-A6C34878D82A}">
+                    <a16:rowId xmlns:a16="http://schemas.microsoft.com/office/drawing/2014/main" val="10003"/>
+                  </a:ext>
+                </a:extLst>
               </a:tr>
               <a:tr h="492333">
                 <a:tc>
@@ -12848,10 +15101,9 @@
                         </a:lnSpc>
                       </a:pPr>
                       <a:r>
-                        <a:rPr lang="ko-KR" altLang="en-US" dirty="0" smtClean="0"/>
+                        <a:rPr lang="ko-KR" altLang="en-US" dirty="0"/>
                         <a:t>습관 상세</a:t>
                       </a:r>
-                      <a:endParaRPr lang="ko-KR" altLang="en-US" dirty="0"/>
                     </a:p>
                   </a:txBody>
                   <a:tcPr>
@@ -12904,18 +15156,17 @@
                         </a:lnSpc>
                       </a:pPr>
                       <a:r>
-                        <a:rPr lang="ko-KR" altLang="en-US" dirty="0" smtClean="0"/>
+                        <a:rPr lang="ko-KR" altLang="en-US" dirty="0"/>
                         <a:t>수정</a:t>
                       </a:r>
                       <a:r>
-                        <a:rPr lang="en-US" altLang="ko-KR" dirty="0" smtClean="0"/>
+                        <a:rPr lang="en-US" altLang="ko-KR" dirty="0"/>
                         <a:t>/</a:t>
                       </a:r>
                       <a:r>
-                        <a:rPr lang="ko-KR" altLang="en-US" dirty="0" smtClean="0"/>
+                        <a:rPr lang="ko-KR" altLang="en-US" dirty="0"/>
                         <a:t>삭제</a:t>
                       </a:r>
-                      <a:endParaRPr lang="ko-KR" altLang="en-US" dirty="0"/>
                     </a:p>
                   </a:txBody>
                   <a:tcPr>
@@ -12968,18 +15219,17 @@
                         </a:lnSpc>
                       </a:pPr>
                       <a:r>
-                        <a:rPr lang="ko-KR" altLang="en-US" dirty="0" smtClean="0"/>
+                        <a:rPr lang="ko-KR" altLang="en-US" dirty="0"/>
                         <a:t>루틴 반복 요일</a:t>
                       </a:r>
                       <a:r>
-                        <a:rPr lang="en-US" altLang="ko-KR" dirty="0" smtClean="0"/>
+                        <a:rPr lang="en-US" altLang="ko-KR" dirty="0"/>
                         <a:t>, </a:t>
                       </a:r>
                       <a:r>
-                        <a:rPr lang="ko-KR" altLang="en-US" dirty="0" smtClean="0"/>
+                        <a:rPr lang="ko-KR" altLang="en-US" dirty="0"/>
                         <a:t>목표 기간 수정 가능</a:t>
                       </a:r>
-                      <a:endParaRPr lang="ko-KR" altLang="en-US" dirty="0"/>
                     </a:p>
                   </a:txBody>
                   <a:tcPr>
@@ -13021,6 +15271,11 @@
                     </a:lnB>
                   </a:tcPr>
                 </a:tc>
+                <a:extLst>
+                  <a:ext uri="{0D108BD9-81ED-4DB2-BD59-A6C34878D82A}">
+                    <a16:rowId xmlns:a16="http://schemas.microsoft.com/office/drawing/2014/main" val="10004"/>
+                  </a:ext>
+                </a:extLst>
               </a:tr>
               <a:tr h="492333">
                 <a:tc>
@@ -13034,10 +15289,9 @@
                         </a:lnSpc>
                       </a:pPr>
                       <a:r>
-                        <a:rPr lang="ko-KR" altLang="en-US" dirty="0" smtClean="0"/>
+                        <a:rPr lang="ko-KR" altLang="en-US" dirty="0"/>
                         <a:t>통계</a:t>
                       </a:r>
-                      <a:endParaRPr lang="ko-KR" altLang="en-US" dirty="0"/>
                     </a:p>
                   </a:txBody>
                   <a:tcPr>
@@ -13090,26 +15344,25 @@
                         </a:lnSpc>
                       </a:pPr>
                       <a:r>
-                        <a:rPr lang="ko-KR" altLang="en-US" dirty="0" smtClean="0"/>
+                        <a:rPr lang="ko-KR" altLang="en-US" dirty="0"/>
                         <a:t>주간</a:t>
                       </a:r>
                       <a:r>
-                        <a:rPr lang="en-US" altLang="ko-KR" dirty="0" smtClean="0"/>
+                        <a:rPr lang="en-US" altLang="ko-KR" dirty="0"/>
                         <a:t>/</a:t>
                       </a:r>
                       <a:r>
-                        <a:rPr lang="ko-KR" altLang="en-US" dirty="0" smtClean="0"/>
+                        <a:rPr lang="ko-KR" altLang="en-US" dirty="0"/>
                         <a:t>월간 </a:t>
                       </a:r>
                       <a:r>
-                        <a:rPr lang="ko-KR" altLang="en-US" dirty="0" err="1" smtClean="0"/>
+                        <a:rPr lang="ko-KR" altLang="en-US" dirty="0" err="1"/>
                         <a:t>달성률</a:t>
                       </a:r>
                       <a:r>
-                        <a:rPr lang="ko-KR" altLang="en-US" dirty="0" smtClean="0"/>
+                        <a:rPr lang="ko-KR" altLang="en-US" dirty="0"/>
                         <a:t> 차트</a:t>
                       </a:r>
-                      <a:endParaRPr lang="ko-KR" altLang="en-US" dirty="0"/>
                     </a:p>
                   </a:txBody>
                   <a:tcPr>
@@ -13162,10 +15415,9 @@
                         </a:lnSpc>
                       </a:pPr>
                       <a:r>
-                        <a:rPr lang="ko-KR" altLang="en-US" dirty="0" smtClean="0"/>
+                        <a:rPr lang="ko-KR" altLang="en-US" dirty="0"/>
                         <a:t>애니메이션 그래프로 피드백</a:t>
                       </a:r>
-                      <a:endParaRPr lang="ko-KR" altLang="en-US" dirty="0"/>
                     </a:p>
                   </a:txBody>
                   <a:tcPr>
@@ -13207,6 +15459,11 @@
                     </a:lnB>
                   </a:tcPr>
                 </a:tc>
+                <a:extLst>
+                  <a:ext uri="{0D108BD9-81ED-4DB2-BD59-A6C34878D82A}">
+                    <a16:rowId xmlns:a16="http://schemas.microsoft.com/office/drawing/2014/main" val="10005"/>
+                  </a:ext>
+                </a:extLst>
               </a:tr>
               <a:tr h="492333">
                 <a:tc>
@@ -13220,10 +15477,9 @@
                         </a:lnSpc>
                       </a:pPr>
                       <a:r>
-                        <a:rPr lang="ko-KR" altLang="en-US" dirty="0" smtClean="0"/>
+                        <a:rPr lang="ko-KR" altLang="en-US" dirty="0"/>
                         <a:t>캘린더</a:t>
                       </a:r>
-                      <a:endParaRPr lang="ko-KR" altLang="en-US" dirty="0"/>
                     </a:p>
                   </a:txBody>
                   <a:tcPr>
@@ -13276,10 +15532,9 @@
                         </a:lnSpc>
                       </a:pPr>
                       <a:r>
-                        <a:rPr lang="ko-KR" altLang="en-US" dirty="0" smtClean="0"/>
+                        <a:rPr lang="ko-KR" altLang="en-US" dirty="0"/>
                         <a:t>달성 여부 확인</a:t>
                       </a:r>
-                      <a:endParaRPr lang="ko-KR" altLang="en-US" dirty="0"/>
                     </a:p>
                   </a:txBody>
                   <a:tcPr>
@@ -13332,14 +15587,13 @@
                         </a:lnSpc>
                       </a:pPr>
                       <a:r>
-                        <a:rPr lang="ko-KR" altLang="en-US" dirty="0" err="1" smtClean="0"/>
+                        <a:rPr lang="ko-KR" altLang="en-US" dirty="0" err="1"/>
                         <a:t>날짜별</a:t>
                       </a:r>
                       <a:r>
-                        <a:rPr lang="ko-KR" altLang="en-US" dirty="0" smtClean="0"/>
+                        <a:rPr lang="ko-KR" altLang="en-US" dirty="0"/>
                         <a:t> 루틴 성공 여부 기록 시각화</a:t>
                       </a:r>
-                      <a:endParaRPr lang="ko-KR" altLang="en-US" dirty="0"/>
                     </a:p>
                   </a:txBody>
                   <a:tcPr>
@@ -13381,6 +15635,11 @@
                     </a:lnB>
                   </a:tcPr>
                 </a:tc>
+                <a:extLst>
+                  <a:ext uri="{0D108BD9-81ED-4DB2-BD59-A6C34878D82A}">
+                    <a16:rowId xmlns:a16="http://schemas.microsoft.com/office/drawing/2014/main" val="10006"/>
+                  </a:ext>
+                </a:extLst>
               </a:tr>
               <a:tr h="492333">
                 <a:tc>
@@ -13394,10 +15653,9 @@
                         </a:lnSpc>
                       </a:pPr>
                       <a:r>
-                        <a:rPr lang="ko-KR" altLang="en-US" dirty="0" smtClean="0"/>
+                        <a:rPr lang="ko-KR" altLang="en-US" dirty="0"/>
                         <a:t>성장요소</a:t>
                       </a:r>
-                      <a:endParaRPr lang="ko-KR" altLang="en-US" dirty="0"/>
                     </a:p>
                   </a:txBody>
                   <a:tcPr>
@@ -13450,22 +15708,21 @@
                         </a:lnSpc>
                       </a:pPr>
                       <a:r>
-                        <a:rPr lang="ko-KR" altLang="en-US" dirty="0" err="1" smtClean="0"/>
+                        <a:rPr lang="ko-KR" altLang="en-US" dirty="0" err="1"/>
                         <a:t>뱃지</a:t>
                       </a:r>
                       <a:r>
-                        <a:rPr lang="en-US" altLang="ko-KR" dirty="0" smtClean="0"/>
+                        <a:rPr lang="en-US" altLang="ko-KR" dirty="0"/>
                         <a:t>/</a:t>
                       </a:r>
                       <a:r>
-                        <a:rPr lang="ko-KR" altLang="en-US" dirty="0" err="1" smtClean="0"/>
+                        <a:rPr lang="ko-KR" altLang="en-US" dirty="0" err="1"/>
                         <a:t>레벨업</a:t>
                       </a:r>
                       <a:r>
-                        <a:rPr lang="ko-KR" altLang="en-US" dirty="0" smtClean="0"/>
+                        <a:rPr lang="ko-KR" altLang="en-US" dirty="0"/>
                         <a:t> 애니메이션</a:t>
                       </a:r>
-                      <a:endParaRPr lang="ko-KR" altLang="en-US" dirty="0"/>
                     </a:p>
                   </a:txBody>
                   <a:tcPr>
@@ -13562,6 +15819,11 @@
                     </a:lnB>
                   </a:tcPr>
                 </a:tc>
+                <a:extLst>
+                  <a:ext uri="{0D108BD9-81ED-4DB2-BD59-A6C34878D82A}">
+                    <a16:rowId xmlns:a16="http://schemas.microsoft.com/office/drawing/2014/main" val="10007"/>
+                  </a:ext>
+                </a:extLst>
               </a:tr>
             </a:tbl>
           </a:graphicData>
@@ -13597,7 +15859,7 @@
           <p:cNvPr id="2" name="제목 1">
             <a:extLst>
               <a:ext uri="{FF2B5EF4-FFF2-40B4-BE49-F238E27FC236}">
-                <a16:creationId xmlns:a16="http://schemas.microsoft.com/office/drawing/2014/main" xmlns="" id="{D51F4681-997A-78BA-F0D0-D84A2CB29477}"/>
+                <a16:creationId xmlns:a16="http://schemas.microsoft.com/office/drawing/2014/main" id="{D51F4681-997A-78BA-F0D0-D84A2CB29477}"/>
               </a:ext>
             </a:extLst>
           </p:cNvPr>
@@ -13635,7 +15897,7 @@
           <p:cNvPr id="31" name="그룹 30">
             <a:extLst>
               <a:ext uri="{FF2B5EF4-FFF2-40B4-BE49-F238E27FC236}">
-                <a16:creationId xmlns:a16="http://schemas.microsoft.com/office/drawing/2014/main" xmlns="" id="{C6AC5B87-FE83-8E01-8DFF-9DF2D94EE0B5}"/>
+                <a16:creationId xmlns:a16="http://schemas.microsoft.com/office/drawing/2014/main" id="{C6AC5B87-FE83-8E01-8DFF-9DF2D94EE0B5}"/>
               </a:ext>
             </a:extLst>
           </p:cNvPr>
@@ -13655,7 +15917,7 @@
             <p:cNvPr id="17" name="그룹 16">
               <a:extLst>
                 <a:ext uri="{FF2B5EF4-FFF2-40B4-BE49-F238E27FC236}">
-                  <a16:creationId xmlns:a16="http://schemas.microsoft.com/office/drawing/2014/main" xmlns="" id="{68E1C862-C71B-DB9C-DD51-9DE42C3BF66A}"/>
+                  <a16:creationId xmlns:a16="http://schemas.microsoft.com/office/drawing/2014/main" id="{68E1C862-C71B-DB9C-DD51-9DE42C3BF66A}"/>
                 </a:ext>
               </a:extLst>
             </p:cNvPr>
@@ -13675,7 +15937,7 @@
               <p:cNvPr id="5" name="Image 1">
                 <a:extLst>
                   <a:ext uri="{FF2B5EF4-FFF2-40B4-BE49-F238E27FC236}">
-                    <a16:creationId xmlns:a16="http://schemas.microsoft.com/office/drawing/2014/main" xmlns="" id="{CC3ACF5E-5C23-A067-D766-DC2A33A7F1FD}"/>
+                    <a16:creationId xmlns:a16="http://schemas.microsoft.com/office/drawing/2014/main" id="{CC3ACF5E-5C23-A067-D766-DC2A33A7F1FD}"/>
                   </a:ext>
                 </a:extLst>
               </p:cNvPr>
@@ -13705,7 +15967,7 @@
               <p:cNvPr id="6" name="Text 1">
                 <a:extLst>
                   <a:ext uri="{FF2B5EF4-FFF2-40B4-BE49-F238E27FC236}">
-                    <a16:creationId xmlns:a16="http://schemas.microsoft.com/office/drawing/2014/main" xmlns="" id="{9A3338E8-EBC1-4D62-6EAE-D1EDC40DE5AC}"/>
+                    <a16:creationId xmlns:a16="http://schemas.microsoft.com/office/drawing/2014/main" id="{9A3338E8-EBC1-4D62-6EAE-D1EDC40DE5AC}"/>
                   </a:ext>
                 </a:extLst>
               </p:cNvPr>
@@ -13849,7 +16111,7 @@
               <p:cNvPr id="7" name="Text 2">
                 <a:extLst>
                   <a:ext uri="{FF2B5EF4-FFF2-40B4-BE49-F238E27FC236}">
-                    <a16:creationId xmlns:a16="http://schemas.microsoft.com/office/drawing/2014/main" xmlns="" id="{CA4D940E-DFBA-BAEB-DB06-28EE36217129}"/>
+                    <a16:creationId xmlns:a16="http://schemas.microsoft.com/office/drawing/2014/main" id="{CA4D940E-DFBA-BAEB-DB06-28EE36217129}"/>
                   </a:ext>
                 </a:extLst>
               </p:cNvPr>
@@ -14015,17 +16277,6 @@
                   </a:rPr>
                   <a:t>를</a:t>
                 </a:r>
-                <a:r>
-                  <a:rPr lang="en-US" sz="1750" dirty="0">
-                    <a:solidFill>
-                      <a:srgbClr val="55575A"/>
-                    </a:solidFill>
-                    <a:latin typeface="맑은 고딕" panose="020B0503020000020004" pitchFamily="50" charset="-127"/>
-                    <a:ea typeface="맑은 고딕" panose="020B0503020000020004" pitchFamily="50" charset="-127"/>
-                    <a:cs typeface="Roboto Condensed" pitchFamily="34" charset="-120"/>
-                  </a:rPr>
-                  <a:t/>
-                </a:r>
                 <a:br>
                   <a:rPr lang="en-US" sz="1750" dirty="0">
                     <a:solidFill>
@@ -14071,7 +16322,7 @@
             <p:cNvPr id="18" name="그룹 17">
               <a:extLst>
                 <a:ext uri="{FF2B5EF4-FFF2-40B4-BE49-F238E27FC236}">
-                  <a16:creationId xmlns:a16="http://schemas.microsoft.com/office/drawing/2014/main" xmlns="" id="{50A6CFEA-479C-7612-6551-03BB22F3510B}"/>
+                  <a16:creationId xmlns:a16="http://schemas.microsoft.com/office/drawing/2014/main" id="{50A6CFEA-479C-7612-6551-03BB22F3510B}"/>
                 </a:ext>
               </a:extLst>
             </p:cNvPr>
@@ -14091,7 +16342,7 @@
               <p:cNvPr id="8" name="Image 2">
                 <a:extLst>
                   <a:ext uri="{FF2B5EF4-FFF2-40B4-BE49-F238E27FC236}">
-                    <a16:creationId xmlns:a16="http://schemas.microsoft.com/office/drawing/2014/main" xmlns="" id="{173C2C3C-B5F6-1C1E-7544-0D5C17B68B21}"/>
+                    <a16:creationId xmlns:a16="http://schemas.microsoft.com/office/drawing/2014/main" id="{173C2C3C-B5F6-1C1E-7544-0D5C17B68B21}"/>
                   </a:ext>
                 </a:extLst>
               </p:cNvPr>
@@ -14121,7 +16372,7 @@
               <p:cNvPr id="9" name="Text 3">
                 <a:extLst>
                   <a:ext uri="{FF2B5EF4-FFF2-40B4-BE49-F238E27FC236}">
-                    <a16:creationId xmlns:a16="http://schemas.microsoft.com/office/drawing/2014/main" xmlns="" id="{95946EC8-2C4B-1FB0-9BBE-D63B92121DA0}"/>
+                    <a16:creationId xmlns:a16="http://schemas.microsoft.com/office/drawing/2014/main" id="{95946EC8-2C4B-1FB0-9BBE-D63B92121DA0}"/>
                   </a:ext>
                 </a:extLst>
               </p:cNvPr>
@@ -14265,7 +16516,7 @@
               <p:cNvPr id="10" name="Text 4">
                 <a:extLst>
                   <a:ext uri="{FF2B5EF4-FFF2-40B4-BE49-F238E27FC236}">
-                    <a16:creationId xmlns:a16="http://schemas.microsoft.com/office/drawing/2014/main" xmlns="" id="{95D8DBA8-92BE-AA45-30B8-8F18AD041801}"/>
+                    <a16:creationId xmlns:a16="http://schemas.microsoft.com/office/drawing/2014/main" id="{95D8DBA8-92BE-AA45-30B8-8F18AD041801}"/>
                   </a:ext>
                 </a:extLst>
               </p:cNvPr>
@@ -14411,7 +16662,7 @@
             <p:cNvPr id="19" name="그룹 18">
               <a:extLst>
                 <a:ext uri="{FF2B5EF4-FFF2-40B4-BE49-F238E27FC236}">
-                  <a16:creationId xmlns:a16="http://schemas.microsoft.com/office/drawing/2014/main" xmlns="" id="{A761A1AF-3088-2637-A442-34A5C1C49058}"/>
+                  <a16:creationId xmlns:a16="http://schemas.microsoft.com/office/drawing/2014/main" id="{A761A1AF-3088-2637-A442-34A5C1C49058}"/>
                 </a:ext>
               </a:extLst>
             </p:cNvPr>
@@ -14431,7 +16682,7 @@
               <p:cNvPr id="11" name="Image 3">
                 <a:extLst>
                   <a:ext uri="{FF2B5EF4-FFF2-40B4-BE49-F238E27FC236}">
-                    <a16:creationId xmlns:a16="http://schemas.microsoft.com/office/drawing/2014/main" xmlns="" id="{876AE506-76CC-8C2B-38DD-64D543F62841}"/>
+                    <a16:creationId xmlns:a16="http://schemas.microsoft.com/office/drawing/2014/main" id="{876AE506-76CC-8C2B-38DD-64D543F62841}"/>
                   </a:ext>
                 </a:extLst>
               </p:cNvPr>
@@ -14461,7 +16712,7 @@
               <p:cNvPr id="12" name="Text 5">
                 <a:extLst>
                   <a:ext uri="{FF2B5EF4-FFF2-40B4-BE49-F238E27FC236}">
-                    <a16:creationId xmlns:a16="http://schemas.microsoft.com/office/drawing/2014/main" xmlns="" id="{44E061CF-873E-8BA1-0C9B-8CA43487FCD3}"/>
+                    <a16:creationId xmlns:a16="http://schemas.microsoft.com/office/drawing/2014/main" id="{44E061CF-873E-8BA1-0C9B-8CA43487FCD3}"/>
                   </a:ext>
                 </a:extLst>
               </p:cNvPr>
@@ -14605,7 +16856,7 @@
               <p:cNvPr id="13" name="Text 6">
                 <a:extLst>
                   <a:ext uri="{FF2B5EF4-FFF2-40B4-BE49-F238E27FC236}">
-                    <a16:creationId xmlns:a16="http://schemas.microsoft.com/office/drawing/2014/main" xmlns="" id="{CEF16512-F34B-70DC-3DAD-F66ED9D2E3FC}"/>
+                    <a16:creationId xmlns:a16="http://schemas.microsoft.com/office/drawing/2014/main" id="{CEF16512-F34B-70DC-3DAD-F66ED9D2E3FC}"/>
                   </a:ext>
                 </a:extLst>
               </p:cNvPr>
@@ -14751,7 +17002,7 @@
             <p:cNvPr id="21" name="그룹 20">
               <a:extLst>
                 <a:ext uri="{FF2B5EF4-FFF2-40B4-BE49-F238E27FC236}">
-                  <a16:creationId xmlns:a16="http://schemas.microsoft.com/office/drawing/2014/main" xmlns="" id="{1C6BE95F-B13F-7900-A9AC-12A0A567B7B3}"/>
+                  <a16:creationId xmlns:a16="http://schemas.microsoft.com/office/drawing/2014/main" id="{1C6BE95F-B13F-7900-A9AC-12A0A567B7B3}"/>
                 </a:ext>
               </a:extLst>
             </p:cNvPr>
@@ -14771,7 +17022,7 @@
               <p:cNvPr id="14" name="Image 4">
                 <a:extLst>
                   <a:ext uri="{FF2B5EF4-FFF2-40B4-BE49-F238E27FC236}">
-                    <a16:creationId xmlns:a16="http://schemas.microsoft.com/office/drawing/2014/main" xmlns="" id="{FE17AD0A-419C-CC1D-19F6-C10F55923E6F}"/>
+                    <a16:creationId xmlns:a16="http://schemas.microsoft.com/office/drawing/2014/main" id="{FE17AD0A-419C-CC1D-19F6-C10F55923E6F}"/>
                   </a:ext>
                 </a:extLst>
               </p:cNvPr>
@@ -14801,7 +17052,7 @@
               <p:cNvPr id="15" name="Text 7">
                 <a:extLst>
                   <a:ext uri="{FF2B5EF4-FFF2-40B4-BE49-F238E27FC236}">
-                    <a16:creationId xmlns:a16="http://schemas.microsoft.com/office/drawing/2014/main" xmlns="" id="{6BDCCEE1-5B9B-40C3-3AEB-63F13306CFFC}"/>
+                    <a16:creationId xmlns:a16="http://schemas.microsoft.com/office/drawing/2014/main" id="{6BDCCEE1-5B9B-40C3-3AEB-63F13306CFFC}"/>
                   </a:ext>
                 </a:extLst>
               </p:cNvPr>
@@ -14945,7 +17196,7 @@
               <p:cNvPr id="16" name="Text 8">
                 <a:extLst>
                   <a:ext uri="{FF2B5EF4-FFF2-40B4-BE49-F238E27FC236}">
-                    <a16:creationId xmlns:a16="http://schemas.microsoft.com/office/drawing/2014/main" xmlns="" id="{6568C564-067F-02DC-462A-CE1211131EDD}"/>
+                    <a16:creationId xmlns:a16="http://schemas.microsoft.com/office/drawing/2014/main" id="{6568C564-067F-02DC-462A-CE1211131EDD}"/>
                   </a:ext>
                 </a:extLst>
               </p:cNvPr>
@@ -15090,7 +17341,7 @@
     </p:spTree>
     <p:extLst>
       <p:ext uri="{BB962C8B-B14F-4D97-AF65-F5344CB8AC3E}">
-        <p14:creationId xmlns:p14="http://schemas.microsoft.com/office/powerpoint/2010/main" xmlns="" val="4293177718"/>
+        <p14:creationId xmlns:p14="http://schemas.microsoft.com/office/powerpoint/2010/main" val="4293177718"/>
       </p:ext>
     </p:extLst>
   </p:cSld>
@@ -15122,7 +17373,7 @@
           <p:cNvPr id="2" name="제목 1">
             <a:extLst>
               <a:ext uri="{FF2B5EF4-FFF2-40B4-BE49-F238E27FC236}">
-                <a16:creationId xmlns:a16="http://schemas.microsoft.com/office/drawing/2014/main" xmlns="" id="{F670A60C-0552-F24D-2AF7-B8AD7BCC472B}"/>
+                <a16:creationId xmlns:a16="http://schemas.microsoft.com/office/drawing/2014/main" id="{F670A60C-0552-F24D-2AF7-B8AD7BCC472B}"/>
               </a:ext>
             </a:extLst>
           </p:cNvPr>
@@ -15163,7 +17414,7 @@
           <p:cNvPr id="4" name="TextBox 3">
             <a:extLst>
               <a:ext uri="{FF2B5EF4-FFF2-40B4-BE49-F238E27FC236}">
-                <a16:creationId xmlns:a16="http://schemas.microsoft.com/office/drawing/2014/main" xmlns="" id="{F97D62D2-275C-9CBA-AF86-2964195871B9}"/>
+                <a16:creationId xmlns:a16="http://schemas.microsoft.com/office/drawing/2014/main" id="{F97D62D2-275C-9CBA-AF86-2964195871B9}"/>
               </a:ext>
             </a:extLst>
           </p:cNvPr>
@@ -15188,17 +17439,8 @@
           <a:p>
             <a:r>
               <a:rPr lang="en-US" altLang="ko-KR" dirty="0"/>
-              <a:t>IDE: Android Studio </a:t>
+              <a:t>IDE: Android Studio (version - 2024.3)</a:t>
             </a:r>
-            <a:r>
-              <a:rPr lang="en-US" altLang="ko-KR" dirty="0" smtClean="0"/>
-              <a:t>(version - 2024.</a:t>
-            </a:r>
-            <a:r>
-              <a:rPr lang="en-US" altLang="ko-KR" dirty="0" smtClean="0"/>
-              <a:t>3)</a:t>
-            </a:r>
-            <a:endParaRPr lang="en-US" altLang="ko-KR" dirty="0"/>
           </a:p>
           <a:p>
             <a:endParaRPr lang="en-US" altLang="ko-KR" dirty="0"/>
@@ -15288,7 +17530,7 @@
     </p:spTree>
     <p:extLst>
       <p:ext uri="{BB962C8B-B14F-4D97-AF65-F5344CB8AC3E}">
-        <p14:creationId xmlns:p14="http://schemas.microsoft.com/office/powerpoint/2010/main" xmlns="" val="2364533570"/>
+        <p14:creationId xmlns:p14="http://schemas.microsoft.com/office/powerpoint/2010/main" val="2364533570"/>
       </p:ext>
     </p:extLst>
   </p:cSld>
@@ -15336,10 +17578,9 @@
           <a:lstStyle/>
           <a:p>
             <a:r>
-              <a:rPr lang="ko-KR" altLang="en-US" dirty="0" smtClean="0"/>
+              <a:rPr lang="ko-KR" altLang="en-US" dirty="0"/>
               <a:t>요구사항 수집 및 분석</a:t>
             </a:r>
-            <a:endParaRPr lang="ko-KR" altLang="en-US" dirty="0"/>
           </a:p>
         </p:txBody>
       </p:sp>
@@ -15351,6 +17592,11 @@
           </p:cNvGraphicFramePr>
           <p:nvPr>
             <p:ph idx="1"/>
+            <p:extLst>
+              <p:ext uri="{D42A27DB-BD31-4B8C-83A1-F6EECF244321}">
+                <p14:modId xmlns:p14="http://schemas.microsoft.com/office/powerpoint/2010/main" val="1281127908"/>
+              </p:ext>
+            </p:extLst>
           </p:nvPr>
         </p:nvGraphicFramePr>
         <p:xfrm>
@@ -15364,8 +17610,20 @@
                 <a:tableStyleId>{72833802-FEF1-4C79-8D5D-14CF1EAF98D9}</a:tableStyleId>
               </a:tblPr>
               <a:tblGrid>
-                <a:gridCol w="2323659"/>
-                <a:gridCol w="8303701"/>
+                <a:gridCol w="2323659">
+                  <a:extLst>
+                    <a:ext uri="{9D8B030D-6E8A-4147-A177-3AD203B41FA5}">
+                      <a16:colId xmlns:a16="http://schemas.microsoft.com/office/drawing/2014/main" val="20000"/>
+                    </a:ext>
+                  </a:extLst>
+                </a:gridCol>
+                <a:gridCol w="8303701">
+                  <a:extLst>
+                    <a:ext uri="{9D8B030D-6E8A-4147-A177-3AD203B41FA5}">
+                      <a16:colId xmlns:a16="http://schemas.microsoft.com/office/drawing/2014/main" val="20001"/>
+                    </a:ext>
+                  </a:extLst>
+                </a:gridCol>
               </a:tblGrid>
               <a:tr h="534142">
                 <a:tc>
@@ -15475,6 +17733,11 @@
                     </a:lnB>
                   </a:tcPr>
                 </a:tc>
+                <a:extLst>
+                  <a:ext uri="{0D108BD9-81ED-4DB2-BD59-A6C34878D82A}">
+                    <a16:rowId xmlns:a16="http://schemas.microsoft.com/office/drawing/2014/main" val="10000"/>
+                  </a:ext>
+                </a:extLst>
               </a:tr>
               <a:tr h="534142">
                 <a:tc>
@@ -15535,12 +17798,8 @@
                     <a:p>
                       <a:pPr algn="ctr"/>
                       <a:r>
-                        <a:rPr lang="ko-KR" altLang="en-US" dirty="0" smtClean="0"/>
-                        <a:t>목표를 </a:t>
-                      </a:r>
-                      <a:r>
                         <a:rPr lang="ko-KR" altLang="en-US" dirty="0"/>
-                        <a:t>입력하면 루틴을 자동으로 </a:t>
+                        <a:t>목표를 입력하면 루틴을 자동으로 </a:t>
                       </a:r>
                       <a:r>
                         <a:rPr lang="ko-KR" altLang="en-US" dirty="0" err="1"/>
@@ -15548,13 +17807,8 @@
                       </a:r>
                       <a:r>
                         <a:rPr lang="ko-KR" altLang="en-US" dirty="0"/>
-                        <a:t> </a:t>
+                        <a:t> 싶음</a:t>
                       </a:r>
-                      <a:r>
-                        <a:rPr lang="ko-KR" altLang="en-US" dirty="0" smtClean="0"/>
-                        <a:t>싶음</a:t>
-                      </a:r>
-                      <a:endParaRPr lang="ko-KR" altLang="en-US" dirty="0"/>
                     </a:p>
                   </a:txBody>
                   <a:tcPr anchor="ctr">
@@ -15596,6 +17850,11 @@
                     </a:lnB>
                   </a:tcPr>
                 </a:tc>
+                <a:extLst>
+                  <a:ext uri="{0D108BD9-81ED-4DB2-BD59-A6C34878D82A}">
+                    <a16:rowId xmlns:a16="http://schemas.microsoft.com/office/drawing/2014/main" val="10001"/>
+                  </a:ext>
+                </a:extLst>
               </a:tr>
               <a:tr h="534142">
                 <a:tc>
@@ -15656,12 +17915,8 @@
                     <a:p>
                       <a:pPr algn="ctr"/>
                       <a:r>
-                        <a:rPr lang="ko-KR" altLang="en-US" dirty="0" smtClean="0"/>
-                        <a:t>매일 </a:t>
-                      </a:r>
-                      <a:r>
                         <a:rPr lang="ko-KR" altLang="en-US" dirty="0"/>
-                        <a:t>내가 해낸 걸 체크하고</a:t>
+                        <a:t>매일 내가 해낸 걸 시간기록 및 체크하고</a:t>
                       </a:r>
                       <a:r>
                         <a:rPr lang="en-US" altLang="ko-KR" dirty="0"/>
@@ -15669,13 +17924,8 @@
                       </a:r>
                       <a:r>
                         <a:rPr lang="ko-KR" altLang="en-US" dirty="0"/>
-                        <a:t>성취감을 느끼고 </a:t>
+                        <a:t>성취감을 느끼고 싶음</a:t>
                       </a:r>
-                      <a:r>
-                        <a:rPr lang="ko-KR" altLang="en-US" dirty="0" smtClean="0"/>
-                        <a:t>싶음</a:t>
-                      </a:r>
-                      <a:endParaRPr lang="ko-KR" altLang="en-US" dirty="0"/>
                     </a:p>
                   </a:txBody>
                   <a:tcPr anchor="ctr">
@@ -15717,6 +17967,11 @@
                     </a:lnB>
                   </a:tcPr>
                 </a:tc>
+                <a:extLst>
+                  <a:ext uri="{0D108BD9-81ED-4DB2-BD59-A6C34878D82A}">
+                    <a16:rowId xmlns:a16="http://schemas.microsoft.com/office/drawing/2014/main" val="10002"/>
+                  </a:ext>
+                </a:extLst>
               </a:tr>
               <a:tr h="534142">
                 <a:tc>
@@ -15777,18 +18032,9 @@
                     <a:p>
                       <a:pPr algn="ctr"/>
                       <a:r>
-                        <a:rPr lang="ko-KR" altLang="en-US" dirty="0" smtClean="0"/>
-                        <a:t>계속 </a:t>
+                        <a:rPr lang="ko-KR" altLang="en-US" dirty="0"/>
+                        <a:t>계속 하게 만드는 애니메이션이나 피드백이 있었으면 좋겠음</a:t>
                       </a:r>
-                      <a:r>
-                        <a:rPr lang="ko-KR" altLang="en-US" dirty="0"/>
-                        <a:t>하게 만드는 애니메이션이나 피드백이 있었으면 </a:t>
-                      </a:r>
-                      <a:r>
-                        <a:rPr lang="ko-KR" altLang="en-US" dirty="0" smtClean="0"/>
-                        <a:t>좋겠음</a:t>
-                      </a:r>
-                      <a:endParaRPr lang="ko-KR" altLang="en-US" dirty="0"/>
                     </a:p>
                   </a:txBody>
                   <a:tcPr anchor="ctr">
@@ -15830,6 +18076,11 @@
                     </a:lnB>
                   </a:tcPr>
                 </a:tc>
+                <a:extLst>
+                  <a:ext uri="{0D108BD9-81ED-4DB2-BD59-A6C34878D82A}">
+                    <a16:rowId xmlns:a16="http://schemas.microsoft.com/office/drawing/2014/main" val="10003"/>
+                  </a:ext>
+                </a:extLst>
               </a:tr>
               <a:tr h="534142">
                 <a:tc>
@@ -15890,18 +18141,9 @@
                     <a:p>
                       <a:pPr algn="ctr"/>
                       <a:r>
-                        <a:rPr lang="ko-KR" altLang="en-US" dirty="0" smtClean="0"/>
-                        <a:t>한눈에 </a:t>
+                        <a:rPr lang="ko-KR" altLang="en-US" dirty="0"/>
+                        <a:t>한눈에 내가 얼마나 꾸준히 했는지 보고 싶음</a:t>
                       </a:r>
-                      <a:r>
-                        <a:rPr lang="ko-KR" altLang="en-US" dirty="0"/>
-                        <a:t>내가 얼마나 꾸준히 했는지 보고 </a:t>
-                      </a:r>
-                      <a:r>
-                        <a:rPr lang="ko-KR" altLang="en-US" dirty="0" smtClean="0"/>
-                        <a:t>싶음</a:t>
-                      </a:r>
-                      <a:endParaRPr lang="ko-KR" altLang="en-US" dirty="0"/>
                     </a:p>
                   </a:txBody>
                   <a:tcPr anchor="ctr">
@@ -15943,6 +18185,11 @@
                     </a:lnB>
                   </a:tcPr>
                 </a:tc>
+                <a:extLst>
+                  <a:ext uri="{0D108BD9-81ED-4DB2-BD59-A6C34878D82A}">
+                    <a16:rowId xmlns:a16="http://schemas.microsoft.com/office/drawing/2014/main" val="10004"/>
+                  </a:ext>
+                </a:extLst>
               </a:tr>
               <a:tr h="534142">
                 <a:tc>
@@ -16003,12 +18250,8 @@
                     <a:p>
                       <a:pPr algn="ctr"/>
                       <a:r>
-                        <a:rPr lang="ko-KR" altLang="en-US" dirty="0" smtClean="0"/>
-                        <a:t>그냥 </a:t>
-                      </a:r>
-                      <a:r>
                         <a:rPr lang="ko-KR" altLang="en-US" dirty="0"/>
-                        <a:t>할 일 체크가 아니라</a:t>
+                        <a:t>그냥 할 일 체크가 아니라</a:t>
                       </a:r>
                       <a:r>
                         <a:rPr lang="en-US" altLang="ko-KR" dirty="0"/>
@@ -16016,13 +18259,8 @@
                       </a:r>
                       <a:r>
                         <a:rPr lang="ko-KR" altLang="en-US" dirty="0"/>
-                        <a:t>진짜 나를 응원해주는 느낌이면 </a:t>
+                        <a:t>진짜 나를 응원해주는 느낌이면 좋겠음</a:t>
                       </a:r>
-                      <a:r>
-                        <a:rPr lang="ko-KR" altLang="en-US" dirty="0" smtClean="0"/>
-                        <a:t>좋겠음</a:t>
-                      </a:r>
-                      <a:endParaRPr lang="ko-KR" altLang="en-US" dirty="0"/>
                     </a:p>
                   </a:txBody>
                   <a:tcPr anchor="ctr">
@@ -16064,6 +18302,11 @@
                     </a:lnB>
                   </a:tcPr>
                 </a:tc>
+                <a:extLst>
+                  <a:ext uri="{0D108BD9-81ED-4DB2-BD59-A6C34878D82A}">
+                    <a16:rowId xmlns:a16="http://schemas.microsoft.com/office/drawing/2014/main" val="10005"/>
+                  </a:ext>
+                </a:extLst>
               </a:tr>
             </a:tbl>
           </a:graphicData>
@@ -16092,15 +18335,15 @@
           <a:lstStyle/>
           <a:p>
             <a:r>
-              <a:rPr lang="ko-KR" altLang="en-US" sz="2000" dirty="0" smtClean="0"/>
+              <a:rPr lang="ko-KR" altLang="en-US" sz="2000" dirty="0"/>
               <a:t>🔍</a:t>
             </a:r>
             <a:r>
-              <a:rPr lang="ko-KR" altLang="en-US" sz="2000" b="1" dirty="0" smtClean="0"/>
+              <a:rPr lang="ko-KR" altLang="en-US" sz="2000" b="1" dirty="0"/>
               <a:t> 핵심 사용자 </a:t>
             </a:r>
             <a:r>
-              <a:rPr lang="ko-KR" altLang="en-US" sz="2000" b="1" dirty="0" err="1" smtClean="0"/>
+              <a:rPr lang="ko-KR" altLang="en-US" sz="2000" b="1" dirty="0" err="1"/>
               <a:t>니즈</a:t>
             </a:r>
             <a:endParaRPr lang="ko-KR" altLang="en-US" sz="2000" b="1" dirty="0"/>
@@ -16317,7 +18560,7 @@
         <a:effectLst/>
         <a:extLst>
           <a:ext uri="{91240B29-F687-4F45-9708-019B960494DF}">
-            <a14:hiddenLine xmlns:a14="http://schemas.microsoft.com/office/drawing/2010/main" xmlns="" w="12700" cap="flat" cmpd="sng" algn="ctr">
+            <a14:hiddenLine xmlns:a14="http://schemas.microsoft.com/office/drawing/2010/main" w="12700" cap="flat" cmpd="sng" algn="ctr">
               <a:solidFill>
                 <a:schemeClr val="accent1">
                   <a:shade val="50000"/>
@@ -16356,7 +18599,7 @@
   <a:extraClrSchemeLst/>
   <a:extLst>
     <a:ext uri="{05A4C25C-085E-4340-85A3-A5531E510DB2}">
-      <thm15:themeFamily xmlns:thm15="http://schemas.microsoft.com/office/thememl/2012/main" xmlns="" name="ChronicleVTI" id="{508E4D90-5116-4BF0-876B-3F422DD1F65F}" vid="{AA21DC3D-92A8-43A4-8358-ED428371CD55}"/>
+      <thm15:themeFamily xmlns:thm15="http://schemas.microsoft.com/office/thememl/2012/main" name="ChronicleVTI" id="{508E4D90-5116-4BF0-876B-3F422DD1F65F}" vid="{AA21DC3D-92A8-43A4-8358-ED428371CD55}"/>
     </a:ext>
   </a:extLst>
 </a:theme>
